--- a/images/ch3_2Btest.pptx
+++ b/images/ch3_2Btest.pptx
@@ -6720,14 +6720,14 @@
           <a:p>
             <a:pPr algn="ctr"/>
             <a:r>
-              <a:rPr lang="en-US" sz="1400" b="1" i="1">
+              <a:rPr lang="zh-CN" altLang="en-US" sz="1400">
                 <a:latin typeface="Cambria Math" panose="02040503050406030204" charset="0"/>
                 <a:ea typeface="MS Mincho" charset="0"/>
                 <a:cs typeface="Cambria Math" panose="02040503050406030204" charset="0"/>
               </a:rPr>
-              <a:t>Loss</a:t>
+              <a:t>损失函数</a:t>
             </a:r>
-            <a:endParaRPr lang="en-US" sz="1400" b="1" i="1">
+            <a:endParaRPr lang="zh-CN" altLang="en-US" sz="1400">
               <a:latin typeface="Cambria Math" panose="02040503050406030204" charset="0"/>
               <a:ea typeface="MS Mincho" charset="0"/>
               <a:cs typeface="Cambria Math" panose="02040503050406030204" charset="0"/>

--- a/images/ch3_2Btest.pptx
+++ b/images/ch3_2Btest.pptx
@@ -4496,8 +4496,8 @@
             </p:nvSpPr>
             <p:spPr>
               <a:xfrm>
-                <a:off x="991870" y="4933315"/>
-                <a:ext cx="1420495" cy="524510"/>
+                <a:off x="1052513" y="4933315"/>
+                <a:ext cx="1299210" cy="525145"/>
               </a:xfrm>
               <a:prstGeom prst="rect">
                 <a:avLst/>
@@ -4546,7 +4546,7 @@
                           <a:ea typeface="MS Mincho" charset="0"/>
                           <a:cs typeface="Cambria Math" panose="02040503050406030204" charset="0"/>
                         </a:rPr>
-                        <m:t>=(</m:t>
+                        <m:t>={</m:t>
                       </m:r>
                       <m:sSup>
                         <m:sSupPr>
@@ -4656,7 +4656,7 @@
                           <a:ea typeface="MS Mincho" charset="0"/>
                           <a:cs typeface="Cambria Math" panose="02040503050406030204" charset="0"/>
                         </a:rPr>
-                        <m:t>)</m:t>
+                        <m:t>}</m:t>
                       </m:r>
                     </m:oMath>
                   </m:oMathPara>
@@ -4681,8 +4681,8 @@
             </p:nvSpPr>
             <p:spPr>
               <a:xfrm>
-                <a:off x="991870" y="4933315"/>
-                <a:ext cx="1420495" cy="524510"/>
+                <a:off x="1052513" y="4933315"/>
+                <a:ext cx="1299210" cy="525145"/>
               </a:xfrm>
               <a:prstGeom prst="rect">
                 <a:avLst/>
@@ -4690,7 +4690,7 @@
               <a:blipFill rotWithShape="1">
                 <a:blip r:embed="rId3"/>
                 <a:stretch>
-                  <a:fillRect/>
+                  <a:fillRect l="-24" r="24"/>
                 </a:stretch>
               </a:blipFill>
             </p:spPr>

--- a/images/ch3_2Btest.pptx
+++ b/images/ch3_2Btest.pptx
@@ -9863,8 +9863,8 @@
         </p:nvSpPr>
         <p:spPr>
           <a:xfrm>
-            <a:off x="5909945" y="1201420"/>
-            <a:ext cx="1884680" cy="306705"/>
+            <a:off x="6134100" y="1201420"/>
+            <a:ext cx="1436370" cy="306705"/>
           </a:xfrm>
           <a:prstGeom prst="rect">
             <a:avLst/>
@@ -9883,23 +9883,7 @@
                 <a:ea typeface="宋体" panose="02010600030101010101" pitchFamily="2" charset="-122"/>
                 <a:sym typeface="+mn-ea"/>
               </a:rPr>
-              <a:t>（</a:t>
-            </a:r>
-            <a:r>
-              <a:rPr lang="en-US" altLang="zh-CN" sz="1400" b="1">
-                <a:latin typeface="宋体" panose="02010600030101010101" pitchFamily="2" charset="-122"/>
-                <a:ea typeface="宋体" panose="02010600030101010101" pitchFamily="2" charset="-122"/>
-                <a:sym typeface="+mn-ea"/>
-              </a:rPr>
-              <a:t>2</a:t>
-            </a:r>
-            <a:r>
-              <a:rPr lang="zh-CN" altLang="en-US" sz="1400" b="1">
-                <a:latin typeface="宋体" panose="02010600030101010101" pitchFamily="2" charset="-122"/>
-                <a:ea typeface="宋体" panose="02010600030101010101" pitchFamily="2" charset="-122"/>
-                <a:sym typeface="+mn-ea"/>
-              </a:rPr>
-              <a:t>）决策路径</a:t>
+              <a:t>决策路径</a:t>
             </a:r>
             <a:r>
               <a:rPr lang="zh-CN" altLang="en-US" sz="1400" b="1">
@@ -9968,8 +9952,8 @@
         </p:nvSpPr>
         <p:spPr>
           <a:xfrm>
-            <a:off x="3362325" y="1201420"/>
-            <a:ext cx="1347470" cy="306705"/>
+            <a:off x="3586480" y="1201420"/>
+            <a:ext cx="899160" cy="306705"/>
           </a:xfrm>
           <a:prstGeom prst="rect">
             <a:avLst/>
@@ -9988,23 +9972,7 @@
                 <a:ea typeface="宋体" panose="02010600030101010101" pitchFamily="2" charset="-122"/>
                 <a:sym typeface="+mn-ea"/>
               </a:rPr>
-              <a:t>（</a:t>
-            </a:r>
-            <a:r>
-              <a:rPr lang="en-US" altLang="zh-CN" sz="1400" b="1">
-                <a:latin typeface="宋体" panose="02010600030101010101" pitchFamily="2" charset="-122"/>
-                <a:ea typeface="宋体" panose="02010600030101010101" pitchFamily="2" charset="-122"/>
-                <a:sym typeface="+mn-ea"/>
-              </a:rPr>
-              <a:t>1</a:t>
-            </a:r>
-            <a:r>
-              <a:rPr lang="zh-CN" altLang="en-US" sz="1400" b="1">
-                <a:latin typeface="宋体" panose="02010600030101010101" pitchFamily="2" charset="-122"/>
-                <a:ea typeface="宋体" panose="02010600030101010101" pitchFamily="2" charset="-122"/>
-                <a:sym typeface="+mn-ea"/>
-              </a:rPr>
-              <a:t>）知识蒸馏</a:t>
+              <a:t>知识蒸馏</a:t>
             </a:r>
             <a:endParaRPr lang="zh-CN" altLang="en-US" sz="1400" b="1">
               <a:latin typeface="宋体" panose="02010600030101010101" pitchFamily="2" charset="-122"/>

--- a/images/ch3_2Btest.pptx
+++ b/images/ch3_2Btest.pptx
@@ -6,6 +6,7 @@
   </p:sldMasterIdLst>
   <p:sldIdLst>
     <p:sldId id="256" r:id="rId3"/>
+    <p:sldId id="258" r:id="rId4"/>
   </p:sldIdLst>
   <p:sldSz cx="12192000" cy="6858000"/>
   <p:notesSz cx="6858000" cy="9144000"/>
@@ -595,7 +596,7 @@
           <a:p>
             <a:pPr lvl="0"/>
             <a:r>
-              <a:rPr lang="zh-CN" altLang="en-US" smtClean="0"/>
+              <a:rPr lang="zh-CN" altLang="en-US"/>
               <a:t>单击此处编辑标题</a:t>
             </a:r>
             <a:endParaRPr lang="zh-CN" altLang="en-US"/>
@@ -696,7 +697,7 @@
           <a:p>
             <a:pPr lvl="0"/>
             <a:r>
-              <a:rPr lang="zh-CN" altLang="en-US" smtClean="0"/>
+              <a:rPr lang="zh-CN" altLang="en-US"/>
               <a:t>单击此处编辑母版标题样式</a:t>
             </a:r>
             <a:endParaRPr lang="zh-CN" altLang="en-US"/>
@@ -730,39 +731,39 @@
           <a:p>
             <a:pPr lvl="0"/>
             <a:r>
-              <a:rPr lang="zh-CN" altLang="en-US" smtClean="0"/>
+              <a:rPr lang="zh-CN" altLang="en-US"/>
               <a:t>单击此处编辑母版文本样式</a:t>
             </a:r>
-            <a:endParaRPr lang="zh-CN" altLang="en-US" smtClean="0"/>
+            <a:endParaRPr lang="zh-CN" altLang="en-US"/>
           </a:p>
           <a:p>
             <a:pPr lvl="1"/>
             <a:r>
-              <a:rPr lang="zh-CN" altLang="en-US" smtClean="0"/>
+              <a:rPr lang="zh-CN" altLang="en-US"/>
               <a:t>第二级</a:t>
             </a:r>
-            <a:endParaRPr lang="zh-CN" altLang="en-US" smtClean="0"/>
+            <a:endParaRPr lang="zh-CN" altLang="en-US"/>
           </a:p>
           <a:p>
             <a:pPr lvl="2"/>
             <a:r>
-              <a:rPr lang="zh-CN" altLang="en-US" smtClean="0"/>
+              <a:rPr lang="zh-CN" altLang="en-US"/>
               <a:t>第三级</a:t>
             </a:r>
-            <a:endParaRPr lang="zh-CN" altLang="en-US" smtClean="0"/>
+            <a:endParaRPr lang="zh-CN" altLang="en-US"/>
           </a:p>
           <a:p>
             <a:pPr lvl="3"/>
             <a:r>
-              <a:rPr lang="zh-CN" altLang="en-US" smtClean="0"/>
+              <a:rPr lang="zh-CN" altLang="en-US"/>
               <a:t>第四级</a:t>
             </a:r>
-            <a:endParaRPr lang="zh-CN" altLang="en-US" smtClean="0"/>
+            <a:endParaRPr lang="zh-CN" altLang="en-US"/>
           </a:p>
           <a:p>
             <a:pPr lvl="4"/>
             <a:r>
-              <a:rPr lang="zh-CN" altLang="en-US" smtClean="0"/>
+              <a:rPr lang="zh-CN" altLang="en-US"/>
               <a:t>第五级</a:t>
             </a:r>
             <a:endParaRPr lang="zh-CN" altLang="en-US"/>
@@ -1153,7 +1154,7 @@
           <a:p>
             <a:pPr lvl="0"/>
             <a:r>
-              <a:rPr lang="zh-CN" altLang="en-US" smtClean="0"/>
+              <a:rPr lang="zh-CN" altLang="en-US"/>
               <a:t>单击此处编辑母版标题样式</a:t>
             </a:r>
             <a:endParaRPr lang="zh-CN" altLang="en-US"/>
@@ -1187,39 +1188,39 @@
           <a:p>
             <a:pPr lvl="0"/>
             <a:r>
-              <a:rPr lang="zh-CN" altLang="en-US" smtClean="0"/>
+              <a:rPr lang="zh-CN" altLang="en-US"/>
               <a:t>单击此处编辑母版文本样式</a:t>
             </a:r>
-            <a:endParaRPr lang="zh-CN" altLang="en-US" smtClean="0"/>
+            <a:endParaRPr lang="zh-CN" altLang="en-US"/>
           </a:p>
           <a:p>
             <a:pPr lvl="1"/>
             <a:r>
-              <a:rPr lang="zh-CN" altLang="en-US" smtClean="0"/>
+              <a:rPr lang="zh-CN" altLang="en-US"/>
               <a:t>第二级</a:t>
             </a:r>
-            <a:endParaRPr lang="zh-CN" altLang="en-US" smtClean="0"/>
+            <a:endParaRPr lang="zh-CN" altLang="en-US"/>
           </a:p>
           <a:p>
             <a:pPr lvl="2"/>
             <a:r>
-              <a:rPr lang="zh-CN" altLang="en-US" smtClean="0"/>
+              <a:rPr lang="zh-CN" altLang="en-US"/>
               <a:t>第三级</a:t>
             </a:r>
-            <a:endParaRPr lang="zh-CN" altLang="en-US" smtClean="0"/>
+            <a:endParaRPr lang="zh-CN" altLang="en-US"/>
           </a:p>
           <a:p>
             <a:pPr lvl="3"/>
             <a:r>
-              <a:rPr lang="zh-CN" altLang="en-US" smtClean="0"/>
+              <a:rPr lang="zh-CN" altLang="en-US"/>
               <a:t>第四级</a:t>
             </a:r>
-            <a:endParaRPr lang="zh-CN" altLang="en-US" smtClean="0"/>
+            <a:endParaRPr lang="zh-CN" altLang="en-US"/>
           </a:p>
           <a:p>
             <a:pPr lvl="4"/>
             <a:r>
-              <a:rPr lang="zh-CN" altLang="en-US" smtClean="0"/>
+              <a:rPr lang="zh-CN" altLang="en-US"/>
               <a:t>第五级</a:t>
             </a:r>
             <a:endParaRPr lang="zh-CN" altLang="en-US"/>
@@ -1416,7 +1417,7 @@
           <a:p>
             <a:pPr lvl="0"/>
             <a:r>
-              <a:rPr lang="zh-CN" altLang="en-US" smtClean="0"/>
+              <a:rPr lang="zh-CN" altLang="en-US"/>
               <a:t>单击此处编辑母版标题样式</a:t>
             </a:r>
             <a:endParaRPr lang="zh-CN" altLang="en-US"/>
@@ -1531,39 +1532,39 @@
           <a:p>
             <a:pPr lvl="0"/>
             <a:r>
-              <a:rPr lang="zh-CN" altLang="en-US" smtClean="0"/>
+              <a:rPr lang="zh-CN" altLang="en-US"/>
               <a:t>单击此处编辑母版文本样式</a:t>
             </a:r>
-            <a:endParaRPr lang="zh-CN" altLang="en-US" smtClean="0"/>
+            <a:endParaRPr lang="zh-CN" altLang="en-US"/>
           </a:p>
           <a:p>
             <a:pPr lvl="1"/>
             <a:r>
-              <a:rPr lang="zh-CN" altLang="en-US" smtClean="0"/>
+              <a:rPr lang="zh-CN" altLang="en-US"/>
               <a:t>第二级</a:t>
             </a:r>
-            <a:endParaRPr lang="zh-CN" altLang="en-US" smtClean="0"/>
+            <a:endParaRPr lang="zh-CN" altLang="en-US"/>
           </a:p>
           <a:p>
             <a:pPr lvl="2"/>
             <a:r>
-              <a:rPr lang="zh-CN" altLang="en-US" smtClean="0"/>
+              <a:rPr lang="zh-CN" altLang="en-US"/>
               <a:t>第三级</a:t>
             </a:r>
-            <a:endParaRPr lang="zh-CN" altLang="en-US" smtClean="0"/>
+            <a:endParaRPr lang="zh-CN" altLang="en-US"/>
           </a:p>
           <a:p>
             <a:pPr lvl="3"/>
             <a:r>
-              <a:rPr lang="zh-CN" altLang="en-US" smtClean="0"/>
+              <a:rPr lang="zh-CN" altLang="en-US"/>
               <a:t>第四级</a:t>
             </a:r>
-            <a:endParaRPr lang="zh-CN" altLang="en-US" smtClean="0"/>
+            <a:endParaRPr lang="zh-CN" altLang="en-US"/>
           </a:p>
           <a:p>
             <a:pPr lvl="4"/>
             <a:r>
-              <a:rPr lang="zh-CN" altLang="en-US" smtClean="0"/>
+              <a:rPr lang="zh-CN" altLang="en-US"/>
               <a:t>第五级</a:t>
             </a:r>
             <a:endParaRPr lang="zh-CN" altLang="en-US"/>
@@ -1644,7 +1645,7 @@
           <a:p>
             <a:pPr lvl="0"/>
             <a:r>
-              <a:rPr lang="zh-CN" altLang="en-US" smtClean="0"/>
+              <a:rPr lang="zh-CN" altLang="en-US"/>
               <a:t>单击此处编辑文本</a:t>
             </a:r>
             <a:endParaRPr lang="zh-CN" altLang="en-US"/>
@@ -1678,39 +1679,39 @@
           <a:p>
             <a:pPr lvl="0"/>
             <a:r>
-              <a:rPr lang="zh-CN" altLang="en-US" smtClean="0"/>
+              <a:rPr lang="zh-CN" altLang="en-US"/>
               <a:t>单击此处编辑母版文本样式</a:t>
             </a:r>
-            <a:endParaRPr lang="zh-CN" altLang="en-US" smtClean="0"/>
+            <a:endParaRPr lang="zh-CN" altLang="en-US"/>
           </a:p>
           <a:p>
             <a:pPr lvl="1"/>
             <a:r>
-              <a:rPr lang="zh-CN" altLang="en-US" smtClean="0"/>
+              <a:rPr lang="zh-CN" altLang="en-US"/>
               <a:t>第二级</a:t>
             </a:r>
-            <a:endParaRPr lang="zh-CN" altLang="en-US" smtClean="0"/>
+            <a:endParaRPr lang="zh-CN" altLang="en-US"/>
           </a:p>
           <a:p>
             <a:pPr lvl="2"/>
             <a:r>
-              <a:rPr lang="zh-CN" altLang="en-US" smtClean="0"/>
+              <a:rPr lang="zh-CN" altLang="en-US"/>
               <a:t>第三级</a:t>
             </a:r>
-            <a:endParaRPr lang="zh-CN" altLang="en-US" smtClean="0"/>
+            <a:endParaRPr lang="zh-CN" altLang="en-US"/>
           </a:p>
           <a:p>
             <a:pPr lvl="3"/>
             <a:r>
-              <a:rPr lang="zh-CN" altLang="en-US" smtClean="0"/>
+              <a:rPr lang="zh-CN" altLang="en-US"/>
               <a:t>第四级</a:t>
             </a:r>
-            <a:endParaRPr lang="zh-CN" altLang="en-US" smtClean="0"/>
+            <a:endParaRPr lang="zh-CN" altLang="en-US"/>
           </a:p>
           <a:p>
             <a:pPr lvl="4"/>
             <a:r>
-              <a:rPr lang="zh-CN" altLang="en-US" smtClean="0"/>
+              <a:rPr lang="zh-CN" altLang="en-US"/>
               <a:t>第五级</a:t>
             </a:r>
             <a:endParaRPr lang="zh-CN" altLang="en-US"/>
@@ -1841,7 +1842,7 @@
           <a:p>
             <a:pPr lvl="0"/>
             <a:r>
-              <a:rPr lang="zh-CN" altLang="en-US" smtClean="0"/>
+              <a:rPr lang="zh-CN" altLang="en-US"/>
               <a:t>单击此处编辑母版标题样式</a:t>
             </a:r>
             <a:endParaRPr lang="zh-CN" altLang="en-US"/>
@@ -2109,7 +2110,7 @@
           <a:p>
             <a:pPr lvl="0"/>
             <a:r>
-              <a:rPr lang="zh-CN" altLang="en-US" smtClean="0"/>
+              <a:rPr lang="zh-CN" altLang="en-US"/>
               <a:t>单击此处编辑母版文本样式</a:t>
             </a:r>
             <a:endParaRPr lang="zh-CN" altLang="en-US"/>
@@ -2204,6 +2205,7 @@
         <p:spPr/>
         <p:txBody>
           <a:bodyPr/>
+          <a:lstStyle/>
           <a:p>
             <a:r>
               <a:rPr lang="zh-CN" altLang="en-US"/>
@@ -2270,7 +2272,7 @@
           <a:p>
             <a:pPr lvl="0"/>
             <a:r>
-              <a:rPr lang="zh-CN" altLang="en-US" smtClean="0"/>
+              <a:rPr lang="zh-CN" altLang="en-US"/>
               <a:t>单击此处编辑标题</a:t>
             </a:r>
             <a:endParaRPr lang="zh-CN" altLang="en-US"/>
@@ -3117,6 +3119,7 @@
         </p:style>
         <p:txBody>
           <a:bodyPr rtlCol="0" anchor="ctr"/>
+          <a:lstStyle/>
           <a:p>
             <a:pPr algn="ctr"/>
             <a:endParaRPr lang="zh-CN" altLang="en-US"/>
@@ -3144,7 +3147,7 @@
             <p:nvPr/>
           </p:nvGrpSpPr>
           <p:grpSpPr>
-            <a:xfrm rot="0">
+            <a:xfrm>
               <a:off x="8205" y="3999"/>
               <a:ext cx="1722" cy="1297"/>
               <a:chOff x="2036" y="4986"/>
@@ -3158,7 +3161,7 @@
               <p:nvPr/>
             </p:nvGrpSpPr>
             <p:grpSpPr>
-              <a:xfrm rot="0">
+              <a:xfrm>
                 <a:off x="2518" y="4986"/>
                 <a:ext cx="758" cy="282"/>
                 <a:chOff x="4041" y="4127"/>
@@ -3198,6 +3201,7 @@
               </p:style>
               <p:txBody>
                 <a:bodyPr rtlCol="0" anchor="ctr"/>
+                <a:lstStyle/>
                 <a:p>
                   <a:pPr algn="ctr"/>
                   <a:endParaRPr lang="zh-CN" altLang="en-US"/>
@@ -3237,6 +3241,7 @@
               </p:style>
               <p:txBody>
                 <a:bodyPr rtlCol="0" anchor="ctr"/>
+                <a:lstStyle/>
                 <a:p>
                   <a:pPr algn="ctr"/>
                   <a:endParaRPr lang="zh-CN" altLang="en-US"/>
@@ -3251,7 +3256,7 @@
               <p:nvPr/>
             </p:nvGrpSpPr>
             <p:grpSpPr>
-              <a:xfrm rot="0">
+              <a:xfrm>
                 <a:off x="2036" y="5469"/>
                 <a:ext cx="1723" cy="282"/>
                 <a:chOff x="3412" y="5025"/>
@@ -3291,6 +3296,7 @@
               </p:style>
               <p:txBody>
                 <a:bodyPr rtlCol="0" anchor="ctr"/>
+                <a:lstStyle/>
                 <a:p>
                   <a:pPr algn="ctr"/>
                   <a:endParaRPr lang="zh-CN" altLang="en-US"/>
@@ -3330,6 +3336,7 @@
               </p:style>
               <p:txBody>
                 <a:bodyPr rtlCol="0" anchor="ctr"/>
+                <a:lstStyle/>
                 <a:p>
                   <a:pPr algn="ctr"/>
                   <a:endParaRPr lang="zh-CN" altLang="en-US"/>
@@ -3369,6 +3376,7 @@
               </p:style>
               <p:txBody>
                 <a:bodyPr rtlCol="0" anchor="ctr"/>
+                <a:lstStyle/>
                 <a:p>
                   <a:pPr algn="ctr"/>
                   <a:endParaRPr lang="zh-CN" altLang="en-US"/>
@@ -3408,6 +3416,7 @@
               </p:style>
               <p:txBody>
                 <a:bodyPr rtlCol="0" anchor="ctr"/>
+                <a:lstStyle/>
                 <a:p>
                   <a:pPr algn="ctr"/>
                   <a:endParaRPr lang="zh-CN" altLang="en-US"/>
@@ -3422,7 +3431,7 @@
               <p:nvPr/>
             </p:nvGrpSpPr>
             <p:grpSpPr>
-              <a:xfrm rot="0">
+              <a:xfrm>
                 <a:off x="2294" y="6001"/>
                 <a:ext cx="1207" cy="282"/>
                 <a:chOff x="3623" y="5760"/>
@@ -3462,6 +3471,7 @@
               </p:style>
               <p:txBody>
                 <a:bodyPr rtlCol="0" anchor="ctr"/>
+                <a:lstStyle/>
                 <a:p>
                   <a:pPr algn="ctr"/>
                   <a:endParaRPr lang="zh-CN" altLang="en-US"/>
@@ -3501,6 +3511,7 @@
               </p:style>
               <p:txBody>
                 <a:bodyPr rtlCol="0" anchor="ctr"/>
+                <a:lstStyle/>
                 <a:p>
                   <a:pPr algn="ctr"/>
                   <a:endParaRPr lang="zh-CN" altLang="en-US"/>
@@ -3540,6 +3551,7 @@
               </p:style>
               <p:txBody>
                 <a:bodyPr rtlCol="0" anchor="ctr"/>
+                <a:lstStyle/>
                 <a:p>
                   <a:pPr algn="ctr"/>
                   <a:endParaRPr lang="zh-CN" altLang="en-US"/>
@@ -4354,7 +4366,7 @@
             <p:nvPr/>
           </p:nvGrpSpPr>
           <p:grpSpPr>
-            <a:xfrm rot="0">
+            <a:xfrm>
               <a:off x="8138" y="3966"/>
               <a:ext cx="1857" cy="1384"/>
               <a:chOff x="6916" y="2084"/>
@@ -4404,6 +4416,7 @@
             </p:style>
             <p:txBody>
               <a:bodyPr rtlCol="0" anchor="ctr"/>
+              <a:lstStyle/>
               <a:p>
                 <a:pPr algn="ctr"/>
                 <a:endParaRPr lang="zh-CN" altLang="en-US"/>
@@ -4430,6 +4443,7 @@
               <a:bodyPr wrap="square" rtlCol="0">
                 <a:spAutoFit/>
               </a:bodyPr>
+              <a:lstStyle/>
               <a:p>
                 <a:pPr algn="ctr"/>
                 <a:r>
@@ -4508,6 +4522,7 @@
               <a:bodyPr wrap="none" rtlCol="0">
                 <a:spAutoFit/>
               </a:bodyPr>
+              <a:lstStyle/>
               <a:p>
                 <a:pPr algn="ctr"/>
                 <a:r>
@@ -4535,7 +4550,7 @@
                       <m:r>
                         <a:rPr lang="en-US" altLang="zh-CN" sz="1400" i="1">
                           <a:latin typeface="Cambria Math" panose="02040503050406030204" charset="0"/>
-                          <a:ea typeface="MS Mincho" charset="0"/>
+                          <a:ea typeface="MS Mincho" panose="02020609040205080304" charset="-128"/>
                           <a:cs typeface="Cambria Math" panose="02040503050406030204" charset="0"/>
                         </a:rPr>
                         <m:t>𝒟</m:t>
@@ -4543,7 +4558,7 @@
                       <m:r>
                         <a:rPr lang="en-US" altLang="zh-CN" sz="1400" i="1">
                           <a:latin typeface="Cambria Math" panose="02040503050406030204" charset="0"/>
-                          <a:ea typeface="MS Mincho" charset="0"/>
+                          <a:ea typeface="MS Mincho" panose="02020609040205080304" charset="-128"/>
                           <a:cs typeface="Cambria Math" panose="02040503050406030204" charset="0"/>
                         </a:rPr>
                         <m:t>={</m:t>
@@ -4572,7 +4587,7 @@
                           <m:r>
                             <a:rPr lang="en-US" altLang="zh-CN" sz="1400" i="1">
                               <a:latin typeface="Cambria Math" panose="02040503050406030204" charset="0"/>
-                              <a:ea typeface="MS Mincho" charset="0"/>
+                              <a:ea typeface="MS Mincho" panose="02020609040205080304" charset="-128"/>
                               <a:cs typeface="Cambria Math" panose="02040503050406030204" charset="0"/>
                             </a:rPr>
                             <m:t>(</m:t>
@@ -4588,7 +4603,7 @@
                           <m:r>
                             <a:rPr lang="en-US" altLang="zh-CN" sz="1400" i="1">
                               <a:latin typeface="Cambria Math" panose="02040503050406030204" charset="0"/>
-                              <a:ea typeface="MS Mincho" charset="0"/>
+                              <a:ea typeface="MS Mincho" panose="02020609040205080304" charset="-128"/>
                               <a:cs typeface="Cambria Math" panose="02040503050406030204" charset="0"/>
                             </a:rPr>
                             <m:t>)</m:t>
@@ -4598,7 +4613,7 @@
                       <m:r>
                         <a:rPr lang="en-US" altLang="zh-CN" sz="1400" i="1">
                           <a:latin typeface="Cambria Math" panose="02040503050406030204" charset="0"/>
-                          <a:ea typeface="MS Mincho" charset="0"/>
+                          <a:ea typeface="MS Mincho" panose="02020609040205080304" charset="-128"/>
                           <a:cs typeface="Cambria Math" panose="02040503050406030204" charset="0"/>
                         </a:rPr>
                         <m:t>,</m:t>
@@ -4627,7 +4642,7 @@
                           <m:r>
                             <a:rPr lang="en-US" altLang="zh-CN" sz="1400" i="1">
                               <a:latin typeface="Cambria Math" panose="02040503050406030204" charset="0"/>
-                              <a:ea typeface="MS Mincho" charset="0"/>
+                              <a:ea typeface="MS Mincho" panose="02020609040205080304" charset="-128"/>
                               <a:cs typeface="Cambria Math" panose="02040503050406030204" charset="0"/>
                             </a:rPr>
                             <m:t>(</m:t>
@@ -4643,7 +4658,7 @@
                           <m:r>
                             <a:rPr lang="en-US" altLang="zh-CN" sz="1400" i="1">
                               <a:latin typeface="Cambria Math" panose="02040503050406030204" charset="0"/>
-                              <a:ea typeface="MS Mincho" charset="0"/>
+                              <a:ea typeface="MS Mincho" panose="02020609040205080304" charset="-128"/>
                               <a:cs typeface="Cambria Math" panose="02040503050406030204" charset="0"/>
                             </a:rPr>
                             <m:t>)</m:t>
@@ -4653,7 +4668,7 @@
                       <m:r>
                         <a:rPr lang="en-US" altLang="zh-CN" sz="1400" i="1">
                           <a:latin typeface="Cambria Math" panose="02040503050406030204" charset="0"/>
-                          <a:ea typeface="MS Mincho" charset="0"/>
+                          <a:ea typeface="MS Mincho" panose="02020609040205080304" charset="-128"/>
                           <a:cs typeface="Cambria Math" panose="02040503050406030204" charset="0"/>
                         </a:rPr>
                         <m:t>}</m:t>
@@ -4663,7 +4678,7 @@
                 </a14:m>
                 <a:endParaRPr lang="en-US" altLang="zh-CN" sz="1400" i="1">
                   <a:latin typeface="Cambria Math" panose="02040503050406030204" charset="0"/>
-                  <a:ea typeface="MS Mincho" charset="0"/>
+                  <a:ea typeface="MS Mincho" panose="02020609040205080304" charset="-128"/>
                   <a:cs typeface="Cambria Math" panose="02040503050406030204" charset="0"/>
                 </a:endParaRPr>
               </a:p>
@@ -4757,6 +4772,7 @@
           </p:style>
           <p:txBody>
             <a:bodyPr rtlCol="0" anchor="ctr"/>
+            <a:lstStyle/>
             <a:p>
               <a:pPr algn="ctr"/>
               <a:r>
@@ -4824,6 +4840,7 @@
           </p:style>
           <p:txBody>
             <a:bodyPr rtlCol="0" anchor="ctr"/>
+            <a:lstStyle/>
             <a:p>
               <a:pPr algn="ctr"/>
               <a:r>
@@ -4889,6 +4906,7 @@
           </p:style>
           <p:txBody>
             <a:bodyPr rtlCol="0" anchor="ctr"/>
+            <a:lstStyle/>
             <a:p>
               <a:pPr algn="ctr"/>
               <a:r>
@@ -4954,6 +4972,7 @@
           </p:style>
           <p:txBody>
             <a:bodyPr rtlCol="0" anchor="ctr"/>
+            <a:lstStyle/>
             <a:p>
               <a:pPr algn="ctr"/>
               <a:r>
@@ -5019,6 +5038,7 @@
           </p:style>
           <p:txBody>
             <a:bodyPr rtlCol="0" anchor="ctr"/>
+            <a:lstStyle/>
             <a:p>
               <a:pPr algn="ctr"/>
               <a:r>
@@ -5082,6 +5102,7 @@
           </p:style>
           <p:txBody>
             <a:bodyPr rtlCol="0" anchor="ctr"/>
+            <a:lstStyle/>
             <a:p>
               <a:pPr algn="ctr"/>
               <a:r>
@@ -5145,6 +5166,7 @@
           </p:style>
           <p:txBody>
             <a:bodyPr rtlCol="0" anchor="ctr"/>
+            <a:lstStyle/>
             <a:p>
               <a:pPr algn="ctr"/>
               <a:r>
@@ -5208,6 +5230,7 @@
           </p:style>
           <p:txBody>
             <a:bodyPr rtlCol="0" anchor="ctr"/>
+            <a:lstStyle/>
             <a:p>
               <a:pPr algn="ctr"/>
               <a:r>
@@ -5271,6 +5294,7 @@
           </p:style>
           <p:txBody>
             <a:bodyPr rtlCol="0" anchor="ctr"/>
+            <a:lstStyle/>
             <a:p>
               <a:pPr algn="ctr"/>
               <a:r>
@@ -5334,6 +5358,7 @@
           </p:style>
           <p:txBody>
             <a:bodyPr rtlCol="0" anchor="ctr"/>
+            <a:lstStyle/>
             <a:p>
               <a:pPr algn="ctr"/>
               <a:r>
@@ -5397,6 +5422,7 @@
           </p:style>
           <p:txBody>
             <a:bodyPr rtlCol="0" anchor="ctr"/>
+            <a:lstStyle/>
             <a:p>
               <a:pPr algn="ctr"/>
               <a:r>
@@ -5880,19 +5906,20 @@
           <a:bodyPr vert="eaVert" wrap="none" rtlCol="0">
             <a:spAutoFit/>
           </a:bodyPr>
+          <a:lstStyle/>
           <a:p>
             <a:pPr algn="ctr"/>
             <a:r>
               <a:rPr lang="zh-CN" altLang="en-US" sz="1400">
                 <a:latin typeface="Cambria Math" panose="02040503050406030204" charset="0"/>
-                <a:ea typeface="MS Mincho" charset="0"/>
+                <a:ea typeface="MS Mincho" panose="02020609040205080304" charset="-128"/>
                 <a:cs typeface="Cambria Math" panose="02040503050406030204" charset="0"/>
               </a:rPr>
               <a:t>基于树的模型</a:t>
             </a:r>
             <a:endParaRPr lang="zh-CN" altLang="en-US" sz="1400">
               <a:latin typeface="Cambria Math" panose="02040503050406030204" charset="0"/>
-              <a:ea typeface="MS Mincho" charset="0"/>
+              <a:ea typeface="MS Mincho" panose="02020609040205080304" charset="-128"/>
               <a:cs typeface="Cambria Math" panose="02040503050406030204" charset="0"/>
             </a:endParaRPr>
           </a:p>
@@ -5918,27 +5945,20 @@
           <a:bodyPr vert="eaVert" wrap="none" rtlCol="0">
             <a:spAutoFit/>
           </a:bodyPr>
+          <a:lstStyle/>
           <a:p>
             <a:pPr algn="ctr"/>
             <a:r>
               <a:rPr lang="zh-CN" altLang="en-US" sz="1400">
                 <a:latin typeface="Cambria Math" panose="02040503050406030204" charset="0"/>
-                <a:ea typeface="MS Mincho" charset="0"/>
+                <a:ea typeface="MS Mincho" panose="02020609040205080304" charset="-128"/>
                 <a:cs typeface="Cambria Math" panose="02040503050406030204" charset="0"/>
               </a:rPr>
-              <a:t>黑盒</a:t>
-            </a:r>
-            <a:r>
-              <a:rPr lang="zh-CN" altLang="en-US" sz="1400">
-                <a:latin typeface="Cambria Math" panose="02040503050406030204" charset="0"/>
-                <a:ea typeface="MS Mincho" charset="0"/>
-                <a:cs typeface="Cambria Math" panose="02040503050406030204" charset="0"/>
-              </a:rPr>
-              <a:t>模型</a:t>
+              <a:t>黑盒模型</a:t>
             </a:r>
             <a:endParaRPr lang="zh-CN" altLang="en-US" sz="1400">
               <a:latin typeface="Cambria Math" panose="02040503050406030204" charset="0"/>
-              <a:ea typeface="MS Mincho" charset="0"/>
+              <a:ea typeface="MS Mincho" panose="02020609040205080304" charset="-128"/>
               <a:cs typeface="Cambria Math" panose="02040503050406030204" charset="0"/>
             </a:endParaRPr>
           </a:p>
@@ -5966,12 +5986,13 @@
               <a:bodyPr wrap="none" rtlCol="0">
                 <a:spAutoFit/>
               </a:bodyPr>
+              <a:lstStyle/>
               <a:p>
                 <a:pPr algn="ctr"/>
                 <a:r>
                   <a:rPr lang="zh-CN" altLang="en-US" sz="1400">
                     <a:latin typeface="Cambria Math" panose="02040503050406030204" charset="0"/>
-                    <a:ea typeface="MS Mincho" charset="0"/>
+                    <a:ea typeface="MS Mincho" panose="02020609040205080304" charset="-128"/>
                     <a:cs typeface="Cambria Math" panose="02040503050406030204" charset="0"/>
                   </a:rPr>
                   <a:t>软目标：</a:t>
@@ -5983,7 +6004,7 @@
                         <m:ctrlPr>
                           <a:rPr lang="zh-CN" altLang="en-US" sz="1400" i="1">
                             <a:latin typeface="Cambria Math" panose="02040503050406030204" charset="0"/>
-                            <a:ea typeface="MS Mincho" charset="0"/>
+                            <a:ea typeface="MS Mincho" panose="02020609040205080304" charset="-128"/>
                             <a:cs typeface="Cambria Math" panose="02040503050406030204" charset="0"/>
                           </a:rPr>
                         </m:ctrlPr>
@@ -5992,7 +6013,7 @@
                         <m:r>
                           <a:rPr lang="en-US" altLang="zh-CN" sz="1400" i="1">
                             <a:latin typeface="Cambria Math" panose="02040503050406030204" charset="0"/>
-                            <a:ea typeface="MS Mincho" charset="0"/>
+                            <a:ea typeface="MS Mincho" panose="02020609040205080304" charset="-128"/>
                             <a:cs typeface="Cambria Math" panose="02040503050406030204" charset="0"/>
                           </a:rPr>
                           <m:t>𝑝</m:t>
@@ -6002,7 +6023,7 @@
                         <m:r>
                           <a:rPr lang="en-US" altLang="zh-CN" sz="1400" i="1">
                             <a:latin typeface="Cambria Math" panose="02040503050406030204" charset="0"/>
-                            <a:ea typeface="MS Mincho" charset="0"/>
+                            <a:ea typeface="MS Mincho" panose="02020609040205080304" charset="-128"/>
                             <a:cs typeface="Cambria Math" panose="02040503050406030204" charset="0"/>
                           </a:rPr>
                           <m:t>(</m:t>
@@ -6010,7 +6031,7 @@
                         <m:r>
                           <a:rPr lang="en-US" altLang="zh-CN" sz="1400" i="1">
                             <a:latin typeface="Cambria Math" panose="02040503050406030204" charset="0"/>
-                            <a:ea typeface="MS Mincho" charset="0"/>
+                            <a:ea typeface="MS Mincho" panose="02020609040205080304" charset="-128"/>
                             <a:cs typeface="Cambria Math" panose="02040503050406030204" charset="0"/>
                           </a:rPr>
                           <m:t>𝑖</m:t>
@@ -6018,7 +6039,7 @@
                         <m:r>
                           <a:rPr lang="en-US" altLang="zh-CN" sz="1400" i="1">
                             <a:latin typeface="Cambria Math" panose="02040503050406030204" charset="0"/>
-                            <a:ea typeface="MS Mincho" charset="0"/>
+                            <a:ea typeface="MS Mincho" panose="02020609040205080304" charset="-128"/>
                             <a:cs typeface="Cambria Math" panose="02040503050406030204" charset="0"/>
                           </a:rPr>
                           <m:t>)</m:t>
@@ -6028,7 +6049,7 @@
                     <m:r>
                       <a:rPr lang="en-US" altLang="zh-CN" sz="1400" i="1">
                         <a:latin typeface="Cambria Math" panose="02040503050406030204" charset="0"/>
-                        <a:ea typeface="MS Mincho" charset="0"/>
+                        <a:ea typeface="MS Mincho" panose="02020609040205080304" charset="-128"/>
                         <a:cs typeface="Cambria Math" panose="02040503050406030204" charset="0"/>
                       </a:rPr>
                       <m:t>=[</m:t>
@@ -6036,7 +6057,7 @@
                     <m:r>
                       <a:rPr lang="en-US" altLang="zh-CN" sz="1400" i="1">
                         <a:latin typeface="Cambria Math" panose="02040503050406030204" charset="0"/>
-                        <a:ea typeface="MS Mincho" charset="0"/>
+                        <a:ea typeface="MS Mincho" panose="02020609040205080304" charset="-128"/>
                         <a:cs typeface="Cambria Math" panose="02040503050406030204" charset="0"/>
                       </a:rPr>
                       <m:t>0</m:t>
@@ -6044,7 +6065,7 @@
                     <m:r>
                       <a:rPr lang="en-US" altLang="zh-CN" sz="1400" i="1">
                         <a:latin typeface="Cambria Math" panose="02040503050406030204" charset="0"/>
-                        <a:ea typeface="MS Mincho" charset="0"/>
+                        <a:ea typeface="MS Mincho" panose="02020609040205080304" charset="-128"/>
                         <a:cs typeface="Cambria Math" panose="02040503050406030204" charset="0"/>
                       </a:rPr>
                       <m:t>.</m:t>
@@ -6052,7 +6073,7 @@
                     <m:r>
                       <a:rPr lang="en-US" altLang="zh-CN" sz="1400" i="1">
                         <a:latin typeface="Cambria Math" panose="02040503050406030204" charset="0"/>
-                        <a:ea typeface="MS Mincho" charset="0"/>
+                        <a:ea typeface="MS Mincho" panose="02020609040205080304" charset="-128"/>
                         <a:cs typeface="Cambria Math" panose="02040503050406030204" charset="0"/>
                       </a:rPr>
                       <m:t>2</m:t>
@@ -6060,15 +6081,15 @@
                     <m:r>
                       <a:rPr lang="en-US" altLang="zh-CN" sz="1400" i="1">
                         <a:latin typeface="Cambria Math" panose="02040503050406030204" charset="0"/>
-                        <a:ea typeface="MS Mincho" charset="0"/>
+                        <a:ea typeface="MS Mincho" panose="02020609040205080304" charset="-128"/>
                         <a:cs typeface="Cambria Math" panose="02040503050406030204" charset="0"/>
                       </a:rPr>
-                      <m:t>, </m:t>
+                      <m:t>, </m:t>
                     </m:r>
                     <m:r>
                       <a:rPr lang="en-US" altLang="zh-CN" sz="1400" i="1">
                         <a:latin typeface="Cambria Math" panose="02040503050406030204" charset="0"/>
-                        <a:ea typeface="MS Mincho" charset="0"/>
+                        <a:ea typeface="MS Mincho" panose="02020609040205080304" charset="-128"/>
                         <a:cs typeface="Cambria Math" panose="02040503050406030204" charset="0"/>
                       </a:rPr>
                       <m:t>0</m:t>
@@ -6076,7 +6097,7 @@
                     <m:r>
                       <a:rPr lang="en-US" altLang="zh-CN" sz="1400" i="1">
                         <a:latin typeface="Cambria Math" panose="02040503050406030204" charset="0"/>
-                        <a:ea typeface="MS Mincho" charset="0"/>
+                        <a:ea typeface="MS Mincho" panose="02020609040205080304" charset="-128"/>
                         <a:cs typeface="Cambria Math" panose="02040503050406030204" charset="0"/>
                       </a:rPr>
                       <m:t>.</m:t>
@@ -6084,7 +6105,7 @@
                     <m:r>
                       <a:rPr lang="en-US" altLang="zh-CN" sz="1400" i="1">
                         <a:latin typeface="Cambria Math" panose="02040503050406030204" charset="0"/>
-                        <a:ea typeface="MS Mincho" charset="0"/>
+                        <a:ea typeface="MS Mincho" panose="02020609040205080304" charset="-128"/>
                         <a:cs typeface="Cambria Math" panose="02040503050406030204" charset="0"/>
                       </a:rPr>
                       <m:t>8</m:t>
@@ -6092,7 +6113,7 @@
                     <m:r>
                       <a:rPr lang="en-US" altLang="zh-CN" sz="1400" i="1">
                         <a:latin typeface="Cambria Math" panose="02040503050406030204" charset="0"/>
-                        <a:ea typeface="MS Mincho" charset="0"/>
+                        <a:ea typeface="MS Mincho" panose="02020609040205080304" charset="-128"/>
                         <a:cs typeface="Cambria Math" panose="02040503050406030204" charset="0"/>
                       </a:rPr>
                       <m:t>]</m:t>
@@ -6101,7 +6122,7 @@
                 </a14:m>
                 <a:endParaRPr lang="en-US" altLang="zh-CN" sz="1400" i="1">
                   <a:latin typeface="Cambria Math" panose="02040503050406030204" charset="0"/>
-                  <a:ea typeface="MS Mincho" charset="0"/>
+                  <a:ea typeface="MS Mincho" panose="02020609040205080304" charset="-128"/>
                   <a:cs typeface="Cambria Math" panose="02040503050406030204" charset="0"/>
                 </a:endParaRPr>
               </a:p>
@@ -6230,6 +6251,7 @@
         </p:style>
         <p:txBody>
           <a:bodyPr rtlCol="0" anchor="ctr"/>
+          <a:lstStyle/>
           <a:p>
             <a:pPr algn="ctr"/>
             <a:endParaRPr lang="en-US" altLang="zh-CN">
@@ -6310,6 +6332,7 @@
                     <a:tc>
                       <a:txBody>
                         <a:bodyPr/>
+                        <a:lstStyle/>
                         <a:p>
                           <a:pPr algn="ctr">
                             <a:buNone/>
@@ -6361,7 +6384,7 @@
                                         <a:schemeClr val="tx1"/>
                                       </a:solidFill>
                                       <a:latin typeface="Cambria Math" panose="02040503050406030204" charset="0"/>
-                                      <a:ea typeface="MS Mincho" charset="0"/>
+                                      <a:ea typeface="MS Mincho" panose="02020609040205080304" charset="-128"/>
                                       <a:cs typeface="Cambria Math" panose="02040503050406030204" charset="0"/>
                                     </a:rPr>
                                     <m:t>(</m:t>
@@ -6383,7 +6406,7 @@
                                         <a:schemeClr val="tx1"/>
                                       </a:solidFill>
                                       <a:latin typeface="Cambria Math" panose="02040503050406030204" charset="0"/>
-                                      <a:ea typeface="MS Mincho" charset="0"/>
+                                      <a:ea typeface="MS Mincho" panose="02020609040205080304" charset="-128"/>
                                       <a:cs typeface="Cambria Math" panose="02040503050406030204" charset="0"/>
                                     </a:rPr>
                                     <m:t>)</m:t>
@@ -6402,7 +6425,7 @@
                           </a:endParaRPr>
                         </a:p>
                       </a:txBody>
-                      <a:tcPr anchor="ctr" anchorCtr="0">
+                      <a:tcPr anchor="ctr">
                         <a:lnL w="12700">
                           <a:solidFill>
                             <a:schemeClr val="tx1"/>
@@ -6439,6 +6462,7 @@
                     <a:tc>
                       <a:txBody>
                         <a:bodyPr/>
+                        <a:lstStyle/>
                         <a:p>
                           <a:pPr algn="ctr">
                             <a:buNone/>
@@ -6490,7 +6514,7 @@
                                         <a:schemeClr val="tx1"/>
                                       </a:solidFill>
                                       <a:latin typeface="Cambria Math" panose="02040503050406030204" charset="0"/>
-                                      <a:ea typeface="MS Mincho" charset="0"/>
+                                      <a:ea typeface="MS Mincho" panose="02020609040205080304" charset="-128"/>
                                       <a:cs typeface="Cambria Math" panose="02040503050406030204" charset="0"/>
                                     </a:rPr>
                                     <m:t>(</m:t>
@@ -6512,7 +6536,7 @@
                                         <a:schemeClr val="tx1"/>
                                       </a:solidFill>
                                       <a:latin typeface="Cambria Math" panose="02040503050406030204" charset="0"/>
-                                      <a:ea typeface="MS Mincho" charset="0"/>
+                                      <a:ea typeface="MS Mincho" panose="02020609040205080304" charset="-128"/>
                                       <a:cs typeface="Cambria Math" panose="02040503050406030204" charset="0"/>
                                     </a:rPr>
                                     <m:t>)</m:t>
@@ -6531,7 +6555,7 @@
                           </a:endParaRPr>
                         </a:p>
                       </a:txBody>
-                      <a:tcPr anchor="ctr" anchorCtr="0">
+                      <a:tcPr anchor="ctr">
                         <a:lnL w="12700">
                           <a:solidFill>
                             <a:schemeClr val="tx1"/>
@@ -6605,7 +6629,7 @@
                           <a:endParaRPr lang="zh-CN"/>
                         </a:p>
                       </a:txBody>
-                      <a:tcPr anchor="ctr" anchorCtr="0">
+                      <a:tcPr anchor="ctr">
                         <a:lnL w="12700">
                           <a:solidFill>
                             <a:schemeClr val="tx1"/>
@@ -6649,7 +6673,7 @@
                           <a:endParaRPr lang="zh-CN"/>
                         </a:p>
                       </a:txBody>
-                      <a:tcPr anchor="ctr" anchorCtr="0">
+                      <a:tcPr anchor="ctr">
                         <a:lnL w="12700">
                           <a:solidFill>
                             <a:schemeClr val="tx1"/>
@@ -6717,19 +6741,20 @@
           <a:bodyPr wrap="square" rtlCol="0">
             <a:spAutoFit/>
           </a:bodyPr>
+          <a:lstStyle/>
           <a:p>
             <a:pPr algn="ctr"/>
             <a:r>
               <a:rPr lang="zh-CN" altLang="en-US" sz="1400">
                 <a:latin typeface="Cambria Math" panose="02040503050406030204" charset="0"/>
-                <a:ea typeface="MS Mincho" charset="0"/>
+                <a:ea typeface="MS Mincho" panose="02020609040205080304" charset="-128"/>
                 <a:cs typeface="Cambria Math" panose="02040503050406030204" charset="0"/>
               </a:rPr>
               <a:t>损失函数</a:t>
             </a:r>
             <a:endParaRPr lang="zh-CN" altLang="en-US" sz="1400">
               <a:latin typeface="Cambria Math" panose="02040503050406030204" charset="0"/>
-              <a:ea typeface="MS Mincho" charset="0"/>
+              <a:ea typeface="MS Mincho" panose="02020609040205080304" charset="-128"/>
               <a:cs typeface="Cambria Math" panose="02040503050406030204" charset="0"/>
             </a:endParaRPr>
           </a:p>
@@ -6837,6 +6862,7 @@
               <a:bodyPr wrap="none" rtlCol="0" anchor="t">
                 <a:spAutoFit/>
               </a:bodyPr>
+              <a:lstStyle/>
               <a:p>
                 <a:pPr algn="l"/>
                 <a14:m>
@@ -6848,7 +6874,7 @@
                       <m:r>
                         <a:rPr lang="en-US" altLang="zh-CN" sz="1200" i="1">
                           <a:latin typeface="Cambria Math" panose="02040503050406030204" charset="0"/>
-                          <a:ea typeface="MS Mincho" charset="0"/>
+                          <a:ea typeface="MS Mincho" panose="02020609040205080304" charset="-128"/>
                           <a:cs typeface="Cambria Math" panose="02040503050406030204" charset="0"/>
                         </a:rPr>
                         <m:t>𝜆</m:t>
@@ -6858,7 +6884,7 @@
                 </a14:m>
                 <a:endParaRPr lang="en-US" altLang="zh-CN" sz="1200" i="1">
                   <a:latin typeface="Cambria Math" panose="02040503050406030204" charset="0"/>
-                  <a:ea typeface="MS Mincho" charset="0"/>
+                  <a:ea typeface="MS Mincho" panose="02020609040205080304" charset="-128"/>
                   <a:cs typeface="Cambria Math" panose="02040503050406030204" charset="0"/>
                 </a:endParaRPr>
               </a:p>
@@ -6926,6 +6952,7 @@
               <a:bodyPr wrap="none" rtlCol="0" anchor="t">
                 <a:spAutoFit/>
               </a:bodyPr>
+              <a:lstStyle/>
               <a:p>
                 <a:pPr algn="l"/>
                 <a14:m>
@@ -6937,7 +6964,7 @@
                       <m:r>
                         <a:rPr lang="en-US" altLang="zh-CN" sz="1200" i="1">
                           <a:latin typeface="Cambria Math" panose="02040503050406030204" charset="0"/>
-                          <a:ea typeface="MS Mincho" charset="0"/>
+                          <a:ea typeface="MS Mincho" panose="02020609040205080304" charset="-128"/>
                           <a:cs typeface="Cambria Math" panose="02040503050406030204" charset="0"/>
                         </a:rPr>
                         <m:t>1</m:t>
@@ -6945,7 +6972,7 @@
                       <m:r>
                         <a:rPr lang="en-US" altLang="zh-CN" sz="1200" i="1">
                           <a:latin typeface="Cambria Math" panose="02040503050406030204" charset="0"/>
-                          <a:ea typeface="MS Mincho" charset="0"/>
+                          <a:ea typeface="MS Mincho" panose="02020609040205080304" charset="-128"/>
                           <a:cs typeface="Cambria Math" panose="02040503050406030204" charset="0"/>
                         </a:rPr>
                         <m:t>−</m:t>
@@ -6953,7 +6980,7 @@
                       <m:r>
                         <a:rPr lang="en-US" altLang="zh-CN" sz="1200" i="1">
                           <a:latin typeface="Cambria Math" panose="02040503050406030204" charset="0"/>
-                          <a:ea typeface="MS Mincho" charset="0"/>
+                          <a:ea typeface="MS Mincho" panose="02020609040205080304" charset="-128"/>
                           <a:cs typeface="Cambria Math" panose="02040503050406030204" charset="0"/>
                         </a:rPr>
                         <m:t>𝜆</m:t>
@@ -6963,7 +6990,7 @@
                 </a14:m>
                 <a:endParaRPr lang="en-US" altLang="zh-CN" sz="1200" i="1">
                   <a:latin typeface="Cambria Math" panose="02040503050406030204" charset="0"/>
-                  <a:ea typeface="MS Mincho" charset="0"/>
+                  <a:ea typeface="MS Mincho" panose="02020609040205080304" charset="-128"/>
                   <a:cs typeface="Cambria Math" panose="02040503050406030204" charset="0"/>
                 </a:endParaRPr>
               </a:p>
@@ -7140,6 +7167,7 @@
           </p:style>
           <p:txBody>
             <a:bodyPr rtlCol="0" anchor="ctr"/>
+            <a:lstStyle/>
             <a:p>
               <a:pPr algn="ctr"/>
               <a:r>
@@ -7207,6 +7235,7 @@
           </p:style>
           <p:txBody>
             <a:bodyPr rtlCol="0" anchor="ctr"/>
+            <a:lstStyle/>
             <a:p>
               <a:pPr algn="ctr"/>
               <a:r>
@@ -7270,6 +7299,7 @@
           </p:style>
           <p:txBody>
             <a:bodyPr rtlCol="0" anchor="ctr"/>
+            <a:lstStyle/>
             <a:p>
               <a:pPr algn="ctr"/>
               <a:r>
@@ -7429,6 +7459,7 @@
           </p:style>
           <p:txBody>
             <a:bodyPr rtlCol="0" anchor="ctr"/>
+            <a:lstStyle/>
             <a:p>
               <a:pPr algn="ctr"/>
               <a:r>
@@ -7496,6 +7527,7 @@
           </p:style>
           <p:txBody>
             <a:bodyPr rtlCol="0" anchor="ctr"/>
+            <a:lstStyle/>
             <a:p>
               <a:pPr algn="ctr"/>
               <a:r>
@@ -7561,6 +7593,7 @@
           </p:style>
           <p:txBody>
             <a:bodyPr rtlCol="0" anchor="ctr"/>
+            <a:lstStyle/>
             <a:p>
               <a:pPr algn="ctr"/>
               <a:r>
@@ -7624,6 +7657,7 @@
           </p:style>
           <p:txBody>
             <a:bodyPr rtlCol="0" anchor="ctr"/>
+            <a:lstStyle/>
             <a:p>
               <a:pPr algn="ctr"/>
               <a:r>
@@ -7826,6 +7860,7 @@
           </p:style>
           <p:txBody>
             <a:bodyPr rtlCol="0" anchor="ctr"/>
+            <a:lstStyle/>
             <a:p>
               <a:pPr algn="ctr"/>
               <a:r>
@@ -7893,6 +7928,7 @@
           </p:style>
           <p:txBody>
             <a:bodyPr rtlCol="0" anchor="ctr"/>
+            <a:lstStyle/>
             <a:p>
               <a:pPr algn="ctr"/>
               <a:r>
@@ -7958,6 +7994,7 @@
           </p:style>
           <p:txBody>
             <a:bodyPr rtlCol="0" anchor="ctr"/>
+            <a:lstStyle/>
             <a:p>
               <a:pPr algn="ctr"/>
               <a:r>
@@ -8021,6 +8058,7 @@
           </p:style>
           <p:txBody>
             <a:bodyPr rtlCol="0" anchor="ctr"/>
+            <a:lstStyle/>
             <a:p>
               <a:pPr algn="ctr"/>
               <a:r>
@@ -8229,6 +8267,7 @@
         </p:style>
         <p:txBody>
           <a:bodyPr rtlCol="0" anchor="ctr"/>
+          <a:lstStyle/>
           <a:p>
             <a:pPr algn="ctr"/>
             <a:endParaRPr lang="zh-CN" altLang="en-US"/>
@@ -8283,6 +8322,7 @@
           </p:style>
           <p:txBody>
             <a:bodyPr rtlCol="0" anchor="ctr"/>
+            <a:lstStyle/>
             <a:p>
               <a:pPr algn="ctr"/>
               <a:r>
@@ -8350,6 +8390,7 @@
           </p:style>
           <p:txBody>
             <a:bodyPr rtlCol="0" anchor="ctr"/>
+            <a:lstStyle/>
             <a:p>
               <a:pPr algn="ctr"/>
               <a:r>
@@ -8413,6 +8454,7 @@
           </p:style>
           <p:txBody>
             <a:bodyPr rtlCol="0" anchor="ctr"/>
+            <a:lstStyle/>
             <a:p>
               <a:pPr algn="ctr"/>
               <a:r>
@@ -8542,19 +8584,20 @@
           <a:bodyPr wrap="none" rtlCol="0">
             <a:spAutoFit/>
           </a:bodyPr>
+          <a:lstStyle/>
           <a:p>
             <a:pPr algn="ctr"/>
             <a:r>
               <a:rPr lang="zh-CN" altLang="en-US" sz="1400">
                 <a:latin typeface="Cambria Math" panose="02040503050406030204" charset="0"/>
-                <a:ea typeface="MS Mincho" charset="0"/>
+                <a:ea typeface="MS Mincho" panose="02020609040205080304" charset="-128"/>
                 <a:cs typeface="Cambria Math" panose="02040503050406030204" charset="0"/>
               </a:rPr>
               <a:t>决策路径抽取</a:t>
             </a:r>
             <a:endParaRPr lang="zh-CN" altLang="en-US" sz="1400">
               <a:latin typeface="Cambria Math" panose="02040503050406030204" charset="0"/>
-              <a:ea typeface="MS Mincho" charset="0"/>
+              <a:ea typeface="MS Mincho" panose="02020609040205080304" charset="-128"/>
               <a:cs typeface="Cambria Math" panose="02040503050406030204" charset="0"/>
             </a:endParaRPr>
           </a:p>
@@ -8596,6 +8639,7 @@
         </p:style>
         <p:txBody>
           <a:bodyPr rtlCol="0" anchor="ctr"/>
+          <a:lstStyle/>
           <a:p>
             <a:pPr algn="ctr"/>
             <a:endParaRPr lang="zh-CN" altLang="en-US"/>
@@ -8659,6 +8703,7 @@
           </p:style>
           <p:txBody>
             <a:bodyPr rtlCol="0" anchor="ctr"/>
+            <a:lstStyle/>
             <a:p>
               <a:pPr algn="ctr"/>
               <a:endParaRPr lang="zh-CN" altLang="en-US"/>
@@ -8672,7 +8717,7 @@
             <p:nvPr/>
           </p:nvGrpSpPr>
           <p:grpSpPr>
-            <a:xfrm rot="0">
+            <a:xfrm>
               <a:off x="8621" y="4953"/>
               <a:ext cx="2083" cy="1726"/>
               <a:chOff x="8959" y="4958"/>
@@ -8722,6 +8767,7 @@
             </p:style>
             <p:txBody>
               <a:bodyPr rtlCol="0" anchor="ctr"/>
+              <a:lstStyle/>
               <a:p>
                 <a:pPr algn="ctr"/>
                 <a:endParaRPr lang="zh-CN" altLang="en-US"/>
@@ -8771,6 +8817,7 @@
             </p:style>
             <p:txBody>
               <a:bodyPr rtlCol="0" anchor="ctr"/>
+              <a:lstStyle/>
               <a:p>
                 <a:pPr algn="ctr"/>
                 <a:endParaRPr lang="zh-CN" altLang="en-US"/>
@@ -8820,6 +8867,7 @@
             </p:style>
             <p:txBody>
               <a:bodyPr rtlCol="0" anchor="ctr"/>
+              <a:lstStyle/>
               <a:p>
                 <a:pPr algn="ctr"/>
                 <a:endParaRPr lang="zh-CN" altLang="en-US"/>
@@ -8869,6 +8917,7 @@
             </p:style>
             <p:txBody>
               <a:bodyPr rtlCol="0" anchor="ctr"/>
+              <a:lstStyle/>
               <a:p>
                 <a:pPr algn="ctr"/>
                 <a:endParaRPr lang="zh-CN" altLang="en-US"/>
@@ -8918,6 +8967,7 @@
             </p:style>
             <p:txBody>
               <a:bodyPr rtlCol="0" anchor="ctr"/>
+              <a:lstStyle/>
               <a:p>
                 <a:pPr algn="ctr"/>
                 <a:endParaRPr lang="zh-CN" altLang="en-US"/>
@@ -8965,6 +9015,7 @@
             </p:style>
             <p:txBody>
               <a:bodyPr rtlCol="0" anchor="ctr"/>
+              <a:lstStyle/>
               <a:p>
                 <a:pPr algn="ctr"/>
                 <a:endParaRPr lang="zh-CN" altLang="en-US"/>
@@ -9012,6 +9063,7 @@
             </p:style>
             <p:txBody>
               <a:bodyPr rtlCol="0" anchor="ctr"/>
+              <a:lstStyle/>
               <a:p>
                 <a:pPr algn="ctr"/>
                 <a:endParaRPr lang="zh-CN" altLang="en-US"/>
@@ -9059,6 +9111,7 @@
             </p:style>
             <p:txBody>
               <a:bodyPr rtlCol="0" anchor="ctr"/>
+              <a:lstStyle/>
               <a:p>
                 <a:pPr algn="ctr"/>
                 <a:endParaRPr lang="zh-CN" altLang="en-US"/>
@@ -9106,6 +9159,7 @@
             </p:style>
             <p:txBody>
               <a:bodyPr rtlCol="0" anchor="ctr"/>
+              <a:lstStyle/>
               <a:p>
                 <a:pPr algn="ctr"/>
                 <a:endParaRPr lang="zh-CN" altLang="en-US"/>
@@ -9153,6 +9207,7 @@
             </p:style>
             <p:txBody>
               <a:bodyPr rtlCol="0" anchor="ctr"/>
+              <a:lstStyle/>
               <a:p>
                 <a:pPr algn="ctr"/>
                 <a:endParaRPr lang="zh-CN" altLang="en-US"/>
@@ -9200,6 +9255,7 @@
             </p:style>
             <p:txBody>
               <a:bodyPr rtlCol="0" anchor="ctr"/>
+              <a:lstStyle/>
               <a:p>
                 <a:pPr algn="ctr"/>
                 <a:endParaRPr lang="zh-CN" altLang="en-US"/>
@@ -9747,6 +9803,7 @@
             </p:style>
             <p:txBody>
               <a:bodyPr rtlCol="0" anchor="ctr"/>
+              <a:lstStyle/>
               <a:p>
                 <a:pPr algn="ctr"/>
                 <a:endParaRPr lang="zh-CN" altLang="en-US"/>
@@ -9847,6 +9904,7 @@
             </p:style>
             <p:txBody>
               <a:bodyPr rtlCol="0" anchor="ctr"/>
+              <a:lstStyle/>
               <a:p>
                 <a:pPr algn="ctr"/>
                 <a:endParaRPr lang="zh-CN" altLang="en-US"/>
@@ -9875,6 +9933,7 @@
           <a:bodyPr wrap="none" rtlCol="0" anchor="t">
             <a:spAutoFit/>
           </a:bodyPr>
+          <a:lstStyle/>
           <a:p>
             <a:pPr algn="ctr"/>
             <a:r>
@@ -9883,15 +9942,7 @@
                 <a:ea typeface="宋体" panose="02010600030101010101" pitchFamily="2" charset="-122"/>
                 <a:sym typeface="+mn-ea"/>
               </a:rPr>
-              <a:t>决策路径</a:t>
-            </a:r>
-            <a:r>
-              <a:rPr lang="zh-CN" altLang="en-US" sz="1400" b="1">
-                <a:latin typeface="宋体" panose="02010600030101010101" pitchFamily="2" charset="-122"/>
-                <a:ea typeface="宋体" panose="02010600030101010101" pitchFamily="2" charset="-122"/>
-                <a:sym typeface="+mn-ea"/>
-              </a:rPr>
-              <a:t>覆盖度</a:t>
+              <a:t>决策路径覆盖度</a:t>
             </a:r>
             <a:endParaRPr lang="zh-CN" altLang="en-US" sz="1400" b="1">
               <a:latin typeface="宋体" panose="02010600030101010101" pitchFamily="2" charset="-122"/>
@@ -9964,6 +10015,7 @@
           <a:bodyPr wrap="none" rtlCol="0" anchor="t">
             <a:spAutoFit/>
           </a:bodyPr>
+          <a:lstStyle/>
           <a:p>
             <a:pPr algn="ctr"/>
             <a:r>
@@ -10042,6 +10094,7 @@
           <a:bodyPr wrap="none" rtlCol="0">
             <a:spAutoFit/>
           </a:bodyPr>
+          <a:lstStyle/>
           <a:p>
             <a:pPr algn="ctr"/>
             <a:r>
@@ -10086,6 +10139,7 @@
           <a:bodyPr wrap="none" rtlCol="0">
             <a:spAutoFit/>
           </a:bodyPr>
+          <a:lstStyle/>
           <a:p>
             <a:pPr algn="ctr"/>
             <a:r>
@@ -10110,6 +10164,7265 @@
           </a:p>
         </p:txBody>
       </p:sp>
+    </p:spTree>
+    <p:custDataLst>
+      <p:tags r:id="rId10"/>
+    </p:custDataLst>
+  </p:cSld>
+  <p:clrMapOvr>
+    <a:masterClrMapping/>
+  </p:clrMapOvr>
+</p:sld>
+</file>
+
+<file path=ppt/slides/slide2.xml><?xml version="1.0" encoding="utf-8"?>
+<p:sld xmlns:a="http://schemas.openxmlformats.org/drawingml/2006/main" xmlns:r="http://schemas.openxmlformats.org/officeDocument/2006/relationships" xmlns:p="http://schemas.openxmlformats.org/presentationml/2006/main">
+  <p:cSld>
+    <p:spTree>
+      <p:nvGrpSpPr>
+        <p:cNvPr id="1" name=""/>
+        <p:cNvGrpSpPr/>
+        <p:nvPr/>
+      </p:nvGrpSpPr>
+      <p:grpSpPr>
+        <a:xfrm>
+          <a:off x="0" y="0"/>
+          <a:ext cx="0" cy="0"/>
+          <a:chOff x="0" y="0"/>
+          <a:chExt cx="0" cy="0"/>
+        </a:xfrm>
+      </p:grpSpPr>
+      <p:sp>
+        <p:nvSpPr>
+          <p:cNvPr id="54" name="圆角矩形 53"/>
+          <p:cNvSpPr/>
+          <p:nvPr/>
+        </p:nvSpPr>
+        <p:spPr>
+          <a:xfrm>
+            <a:off x="3311208" y="3025775"/>
+            <a:ext cx="1447800" cy="1223010"/>
+          </a:xfrm>
+          <a:prstGeom prst="roundRect">
+            <a:avLst>
+              <a:gd name="adj" fmla="val 8325"/>
+            </a:avLst>
+          </a:prstGeom>
+          <a:noFill/>
+          <a:ln>
+            <a:solidFill>
+              <a:schemeClr val="tx1"/>
+            </a:solidFill>
+            <a:prstDash val="lgDash"/>
+          </a:ln>
+          <a:extLst>
+            <a:ext uri="{909E8E84-426E-40DD-AFC4-6F175D3DCCD1}">
+              <a14:hiddenFill xmlns:a14="http://schemas.microsoft.com/office/drawing/2010/main">
+                <a:solidFill>
+                  <a:schemeClr val="accent4">
+                    <a:lumMod val="20000"/>
+                    <a:lumOff val="80000"/>
+                  </a:schemeClr>
+                </a:solidFill>
+              </a14:hiddenFill>
+            </a:ext>
+          </a:extLst>
+        </p:spPr>
+        <p:style>
+          <a:lnRef idx="2">
+            <a:schemeClr val="accent1">
+              <a:shade val="50000"/>
+            </a:schemeClr>
+          </a:lnRef>
+          <a:fillRef idx="1">
+            <a:schemeClr val="accent1"/>
+          </a:fillRef>
+          <a:effectRef idx="0">
+            <a:schemeClr val="accent1"/>
+          </a:effectRef>
+          <a:fontRef idx="minor">
+            <a:schemeClr val="lt1"/>
+          </a:fontRef>
+        </p:style>
+        <p:txBody>
+          <a:bodyPr rtlCol="0" anchor="ctr"/>
+          <a:lstStyle/>
+          <a:p>
+            <a:pPr algn="ctr"/>
+            <a:endParaRPr lang="zh-CN" altLang="en-US">
+              <a:latin typeface="宋体" panose="02010600030101010101" pitchFamily="2" charset="-122"/>
+              <a:ea typeface="宋体" panose="02010600030101010101" pitchFamily="2" charset="-122"/>
+            </a:endParaRPr>
+          </a:p>
+        </p:txBody>
+      </p:sp>
+      <p:grpSp>
+        <p:nvGrpSpPr>
+          <p:cNvPr id="40" name="组合 39"/>
+          <p:cNvGrpSpPr/>
+          <p:nvPr/>
+        </p:nvGrpSpPr>
+        <p:grpSpPr>
+          <a:xfrm>
+            <a:off x="991553" y="3181985"/>
+            <a:ext cx="1178560" cy="878840"/>
+            <a:chOff x="8138" y="3966"/>
+            <a:chExt cx="1856" cy="1384"/>
+          </a:xfrm>
+        </p:grpSpPr>
+        <p:grpSp>
+          <p:nvGrpSpPr>
+            <p:cNvPr id="45" name="组合 44"/>
+            <p:cNvGrpSpPr/>
+            <p:nvPr/>
+          </p:nvGrpSpPr>
+          <p:grpSpPr>
+            <a:xfrm>
+              <a:off x="8205" y="3999"/>
+              <a:ext cx="1722" cy="1297"/>
+              <a:chOff x="2036" y="4986"/>
+              <a:chExt cx="1722" cy="1297"/>
+            </a:xfrm>
+          </p:grpSpPr>
+          <p:grpSp>
+            <p:nvGrpSpPr>
+              <p:cNvPr id="15" name="组合 14"/>
+              <p:cNvGrpSpPr/>
+              <p:nvPr/>
+            </p:nvGrpSpPr>
+            <p:grpSpPr>
+              <a:xfrm>
+                <a:off x="2518" y="4986"/>
+                <a:ext cx="758" cy="282"/>
+                <a:chOff x="4041" y="4127"/>
+                <a:chExt cx="989" cy="360"/>
+              </a:xfrm>
+            </p:grpSpPr>
+            <p:sp>
+              <p:nvSpPr>
+                <p:cNvPr id="4" name="椭圆 3"/>
+                <p:cNvSpPr/>
+                <p:nvPr/>
+              </p:nvSpPr>
+              <p:spPr>
+                <a:xfrm>
+                  <a:off x="4041" y="4127"/>
+                  <a:ext cx="360" cy="360"/>
+                </a:xfrm>
+                <a:prstGeom prst="ellipse">
+                  <a:avLst/>
+                </a:prstGeom>
+              </p:spPr>
+              <p:style>
+                <a:lnRef idx="2">
+                  <a:schemeClr val="accent3">
+                    <a:shade val="50000"/>
+                  </a:schemeClr>
+                </a:lnRef>
+                <a:fillRef idx="1">
+                  <a:schemeClr val="accent3"/>
+                </a:fillRef>
+                <a:effectRef idx="0">
+                  <a:schemeClr val="accent3"/>
+                </a:effectRef>
+                <a:fontRef idx="minor">
+                  <a:schemeClr val="lt1"/>
+                </a:fontRef>
+              </p:style>
+              <p:txBody>
+                <a:bodyPr rtlCol="0" anchor="ctr"/>
+                <a:lstStyle/>
+                <a:p>
+                  <a:pPr algn="ctr"/>
+                  <a:endParaRPr lang="zh-CN" altLang="en-US">
+                    <a:latin typeface="宋体" panose="02010600030101010101" pitchFamily="2" charset="-122"/>
+                    <a:ea typeface="宋体" panose="02010600030101010101" pitchFamily="2" charset="-122"/>
+                  </a:endParaRPr>
+                </a:p>
+              </p:txBody>
+            </p:sp>
+            <p:sp>
+              <p:nvSpPr>
+                <p:cNvPr id="5" name="椭圆 4"/>
+                <p:cNvSpPr/>
+                <p:nvPr/>
+              </p:nvSpPr>
+              <p:spPr>
+                <a:xfrm>
+                  <a:off x="4670" y="4127"/>
+                  <a:ext cx="360" cy="360"/>
+                </a:xfrm>
+                <a:prstGeom prst="ellipse">
+                  <a:avLst/>
+                </a:prstGeom>
+              </p:spPr>
+              <p:style>
+                <a:lnRef idx="2">
+                  <a:schemeClr val="accent3">
+                    <a:shade val="50000"/>
+                  </a:schemeClr>
+                </a:lnRef>
+                <a:fillRef idx="1">
+                  <a:schemeClr val="accent3"/>
+                </a:fillRef>
+                <a:effectRef idx="0">
+                  <a:schemeClr val="accent3"/>
+                </a:effectRef>
+                <a:fontRef idx="minor">
+                  <a:schemeClr val="lt1"/>
+                </a:fontRef>
+              </p:style>
+              <p:txBody>
+                <a:bodyPr rtlCol="0" anchor="ctr"/>
+                <a:lstStyle/>
+                <a:p>
+                  <a:pPr algn="ctr"/>
+                  <a:endParaRPr lang="zh-CN" altLang="en-US">
+                    <a:latin typeface="宋体" panose="02010600030101010101" pitchFamily="2" charset="-122"/>
+                    <a:ea typeface="宋体" panose="02010600030101010101" pitchFamily="2" charset="-122"/>
+                  </a:endParaRPr>
+                </a:p>
+              </p:txBody>
+            </p:sp>
+          </p:grpSp>
+          <p:grpSp>
+            <p:nvGrpSpPr>
+              <p:cNvPr id="14" name="组合 13"/>
+              <p:cNvGrpSpPr/>
+              <p:nvPr/>
+            </p:nvGrpSpPr>
+            <p:grpSpPr>
+              <a:xfrm>
+                <a:off x="2036" y="5469"/>
+                <a:ext cx="1723" cy="282"/>
+                <a:chOff x="3412" y="5025"/>
+                <a:chExt cx="2247" cy="360"/>
+              </a:xfrm>
+            </p:grpSpPr>
+            <p:sp>
+              <p:nvSpPr>
+                <p:cNvPr id="6" name="椭圆 5"/>
+                <p:cNvSpPr/>
+                <p:nvPr/>
+              </p:nvSpPr>
+              <p:spPr>
+                <a:xfrm>
+                  <a:off x="3412" y="5025"/>
+                  <a:ext cx="360" cy="360"/>
+                </a:xfrm>
+                <a:prstGeom prst="ellipse">
+                  <a:avLst/>
+                </a:prstGeom>
+              </p:spPr>
+              <p:style>
+                <a:lnRef idx="2">
+                  <a:schemeClr val="accent4">
+                    <a:shade val="50000"/>
+                  </a:schemeClr>
+                </a:lnRef>
+                <a:fillRef idx="1">
+                  <a:schemeClr val="accent4"/>
+                </a:fillRef>
+                <a:effectRef idx="0">
+                  <a:schemeClr val="accent4"/>
+                </a:effectRef>
+                <a:fontRef idx="minor">
+                  <a:schemeClr val="lt1"/>
+                </a:fontRef>
+              </p:style>
+              <p:txBody>
+                <a:bodyPr rtlCol="0" anchor="ctr"/>
+                <a:lstStyle/>
+                <a:p>
+                  <a:pPr algn="ctr"/>
+                  <a:endParaRPr lang="zh-CN" altLang="en-US">
+                    <a:latin typeface="宋体" panose="02010600030101010101" pitchFamily="2" charset="-122"/>
+                    <a:ea typeface="宋体" panose="02010600030101010101" pitchFamily="2" charset="-122"/>
+                  </a:endParaRPr>
+                </a:p>
+              </p:txBody>
+            </p:sp>
+            <p:sp>
+              <p:nvSpPr>
+                <p:cNvPr id="7" name="椭圆 6"/>
+                <p:cNvSpPr/>
+                <p:nvPr/>
+              </p:nvSpPr>
+              <p:spPr>
+                <a:xfrm>
+                  <a:off x="4041" y="5025"/>
+                  <a:ext cx="360" cy="360"/>
+                </a:xfrm>
+                <a:prstGeom prst="ellipse">
+                  <a:avLst/>
+                </a:prstGeom>
+              </p:spPr>
+              <p:style>
+                <a:lnRef idx="2">
+                  <a:schemeClr val="accent4">
+                    <a:shade val="50000"/>
+                  </a:schemeClr>
+                </a:lnRef>
+                <a:fillRef idx="1">
+                  <a:schemeClr val="accent4"/>
+                </a:fillRef>
+                <a:effectRef idx="0">
+                  <a:schemeClr val="accent4"/>
+                </a:effectRef>
+                <a:fontRef idx="minor">
+                  <a:schemeClr val="lt1"/>
+                </a:fontRef>
+              </p:style>
+              <p:txBody>
+                <a:bodyPr rtlCol="0" anchor="ctr"/>
+                <a:lstStyle/>
+                <a:p>
+                  <a:pPr algn="ctr"/>
+                  <a:endParaRPr lang="zh-CN" altLang="en-US">
+                    <a:latin typeface="宋体" panose="02010600030101010101" pitchFamily="2" charset="-122"/>
+                    <a:ea typeface="宋体" panose="02010600030101010101" pitchFamily="2" charset="-122"/>
+                  </a:endParaRPr>
+                </a:p>
+              </p:txBody>
+            </p:sp>
+            <p:sp>
+              <p:nvSpPr>
+                <p:cNvPr id="8" name="椭圆 7"/>
+                <p:cNvSpPr/>
+                <p:nvPr/>
+              </p:nvSpPr>
+              <p:spPr>
+                <a:xfrm>
+                  <a:off x="4670" y="5025"/>
+                  <a:ext cx="360" cy="360"/>
+                </a:xfrm>
+                <a:prstGeom prst="ellipse">
+                  <a:avLst/>
+                </a:prstGeom>
+              </p:spPr>
+              <p:style>
+                <a:lnRef idx="2">
+                  <a:schemeClr val="accent4">
+                    <a:shade val="50000"/>
+                  </a:schemeClr>
+                </a:lnRef>
+                <a:fillRef idx="1">
+                  <a:schemeClr val="accent4"/>
+                </a:fillRef>
+                <a:effectRef idx="0">
+                  <a:schemeClr val="accent4"/>
+                </a:effectRef>
+                <a:fontRef idx="minor">
+                  <a:schemeClr val="lt1"/>
+                </a:fontRef>
+              </p:style>
+              <p:txBody>
+                <a:bodyPr rtlCol="0" anchor="ctr"/>
+                <a:lstStyle/>
+                <a:p>
+                  <a:pPr algn="ctr"/>
+                  <a:endParaRPr lang="zh-CN" altLang="en-US">
+                    <a:latin typeface="宋体" panose="02010600030101010101" pitchFamily="2" charset="-122"/>
+                    <a:ea typeface="宋体" panose="02010600030101010101" pitchFamily="2" charset="-122"/>
+                  </a:endParaRPr>
+                </a:p>
+              </p:txBody>
+            </p:sp>
+            <p:sp>
+              <p:nvSpPr>
+                <p:cNvPr id="9" name="椭圆 8"/>
+                <p:cNvSpPr/>
+                <p:nvPr/>
+              </p:nvSpPr>
+              <p:spPr>
+                <a:xfrm>
+                  <a:off x="5299" y="5025"/>
+                  <a:ext cx="360" cy="360"/>
+                </a:xfrm>
+                <a:prstGeom prst="ellipse">
+                  <a:avLst/>
+                </a:prstGeom>
+              </p:spPr>
+              <p:style>
+                <a:lnRef idx="2">
+                  <a:schemeClr val="accent4">
+                    <a:shade val="50000"/>
+                  </a:schemeClr>
+                </a:lnRef>
+                <a:fillRef idx="1">
+                  <a:schemeClr val="accent4"/>
+                </a:fillRef>
+                <a:effectRef idx="0">
+                  <a:schemeClr val="accent4"/>
+                </a:effectRef>
+                <a:fontRef idx="minor">
+                  <a:schemeClr val="lt1"/>
+                </a:fontRef>
+              </p:style>
+              <p:txBody>
+                <a:bodyPr rtlCol="0" anchor="ctr"/>
+                <a:lstStyle/>
+                <a:p>
+                  <a:pPr algn="ctr"/>
+                  <a:endParaRPr lang="zh-CN" altLang="en-US">
+                    <a:latin typeface="宋体" panose="02010600030101010101" pitchFamily="2" charset="-122"/>
+                    <a:ea typeface="宋体" panose="02010600030101010101" pitchFamily="2" charset="-122"/>
+                  </a:endParaRPr>
+                </a:p>
+              </p:txBody>
+            </p:sp>
+          </p:grpSp>
+          <p:grpSp>
+            <p:nvGrpSpPr>
+              <p:cNvPr id="13" name="组合 12"/>
+              <p:cNvGrpSpPr/>
+              <p:nvPr/>
+            </p:nvGrpSpPr>
+            <p:grpSpPr>
+              <a:xfrm>
+                <a:off x="2294" y="6001"/>
+                <a:ext cx="1207" cy="282"/>
+                <a:chOff x="3623" y="5760"/>
+                <a:chExt cx="1574" cy="360"/>
+              </a:xfrm>
+            </p:grpSpPr>
+            <p:sp>
+              <p:nvSpPr>
+                <p:cNvPr id="10" name="椭圆 9"/>
+                <p:cNvSpPr/>
+                <p:nvPr/>
+              </p:nvSpPr>
+              <p:spPr>
+                <a:xfrm>
+                  <a:off x="3623" y="5760"/>
+                  <a:ext cx="360" cy="360"/>
+                </a:xfrm>
+                <a:prstGeom prst="ellipse">
+                  <a:avLst/>
+                </a:prstGeom>
+              </p:spPr>
+              <p:style>
+                <a:lnRef idx="2">
+                  <a:schemeClr val="accent1">
+                    <a:shade val="50000"/>
+                  </a:schemeClr>
+                </a:lnRef>
+                <a:fillRef idx="1">
+                  <a:schemeClr val="accent1"/>
+                </a:fillRef>
+                <a:effectRef idx="0">
+                  <a:schemeClr val="accent1"/>
+                </a:effectRef>
+                <a:fontRef idx="minor">
+                  <a:schemeClr val="lt1"/>
+                </a:fontRef>
+              </p:style>
+              <p:txBody>
+                <a:bodyPr rtlCol="0" anchor="ctr"/>
+                <a:lstStyle/>
+                <a:p>
+                  <a:pPr algn="ctr"/>
+                  <a:endParaRPr lang="zh-CN" altLang="en-US">
+                    <a:latin typeface="宋体" panose="02010600030101010101" pitchFamily="2" charset="-122"/>
+                    <a:ea typeface="宋体" panose="02010600030101010101" pitchFamily="2" charset="-122"/>
+                  </a:endParaRPr>
+                </a:p>
+              </p:txBody>
+            </p:sp>
+            <p:sp>
+              <p:nvSpPr>
+                <p:cNvPr id="11" name="椭圆 10"/>
+                <p:cNvSpPr/>
+                <p:nvPr/>
+              </p:nvSpPr>
+              <p:spPr>
+                <a:xfrm>
+                  <a:off x="4230" y="5760"/>
+                  <a:ext cx="360" cy="360"/>
+                </a:xfrm>
+                <a:prstGeom prst="ellipse">
+                  <a:avLst/>
+                </a:prstGeom>
+              </p:spPr>
+              <p:style>
+                <a:lnRef idx="2">
+                  <a:schemeClr val="accent1">
+                    <a:shade val="50000"/>
+                  </a:schemeClr>
+                </a:lnRef>
+                <a:fillRef idx="1">
+                  <a:schemeClr val="accent1"/>
+                </a:fillRef>
+                <a:effectRef idx="0">
+                  <a:schemeClr val="accent1"/>
+                </a:effectRef>
+                <a:fontRef idx="minor">
+                  <a:schemeClr val="lt1"/>
+                </a:fontRef>
+              </p:style>
+              <p:txBody>
+                <a:bodyPr rtlCol="0" anchor="ctr"/>
+                <a:lstStyle/>
+                <a:p>
+                  <a:pPr algn="ctr"/>
+                  <a:endParaRPr lang="zh-CN" altLang="en-US">
+                    <a:latin typeface="宋体" panose="02010600030101010101" pitchFamily="2" charset="-122"/>
+                    <a:ea typeface="宋体" panose="02010600030101010101" pitchFamily="2" charset="-122"/>
+                  </a:endParaRPr>
+                </a:p>
+              </p:txBody>
+            </p:sp>
+            <p:sp>
+              <p:nvSpPr>
+                <p:cNvPr id="12" name="椭圆 11"/>
+                <p:cNvSpPr/>
+                <p:nvPr/>
+              </p:nvSpPr>
+              <p:spPr>
+                <a:xfrm>
+                  <a:off x="4837" y="5760"/>
+                  <a:ext cx="360" cy="360"/>
+                </a:xfrm>
+                <a:prstGeom prst="ellipse">
+                  <a:avLst/>
+                </a:prstGeom>
+              </p:spPr>
+              <p:style>
+                <a:lnRef idx="2">
+                  <a:schemeClr val="accent1">
+                    <a:shade val="50000"/>
+                  </a:schemeClr>
+                </a:lnRef>
+                <a:fillRef idx="1">
+                  <a:schemeClr val="accent1"/>
+                </a:fillRef>
+                <a:effectRef idx="0">
+                  <a:schemeClr val="accent1"/>
+                </a:effectRef>
+                <a:fontRef idx="minor">
+                  <a:schemeClr val="lt1"/>
+                </a:fontRef>
+              </p:style>
+              <p:txBody>
+                <a:bodyPr rtlCol="0" anchor="ctr"/>
+                <a:lstStyle/>
+                <a:p>
+                  <a:pPr algn="ctr"/>
+                  <a:endParaRPr lang="zh-CN" altLang="en-US">
+                    <a:latin typeface="宋体" panose="02010600030101010101" pitchFamily="2" charset="-122"/>
+                    <a:ea typeface="宋体" panose="02010600030101010101" pitchFamily="2" charset="-122"/>
+                  </a:endParaRPr>
+                </a:p>
+              </p:txBody>
+            </p:sp>
+          </p:grpSp>
+          <p:cxnSp>
+            <p:nvCxnSpPr>
+              <p:cNvPr id="16" name="直接连接符 15"/>
+              <p:cNvCxnSpPr>
+                <a:stCxn id="10" idx="0"/>
+                <a:endCxn id="7" idx="4"/>
+              </p:cNvCxnSpPr>
+              <p:nvPr/>
+            </p:nvCxnSpPr>
+            <p:spPr>
+              <a:xfrm flipV="1">
+                <a:off x="2432" y="5751"/>
+                <a:ext cx="224" cy="250"/>
+              </a:xfrm>
+              <a:prstGeom prst="line">
+                <a:avLst/>
+              </a:prstGeom>
+              <a:ln>
+                <a:solidFill>
+                  <a:schemeClr val="bg1">
+                    <a:lumMod val="50000"/>
+                  </a:schemeClr>
+                </a:solidFill>
+              </a:ln>
+            </p:spPr>
+            <p:style>
+              <a:lnRef idx="1">
+                <a:schemeClr val="accent1"/>
+              </a:lnRef>
+              <a:fillRef idx="0">
+                <a:schemeClr val="accent1"/>
+              </a:fillRef>
+              <a:effectRef idx="0">
+                <a:schemeClr val="accent1"/>
+              </a:effectRef>
+              <a:fontRef idx="minor">
+                <a:schemeClr val="tx1"/>
+              </a:fontRef>
+            </p:style>
+          </p:cxnSp>
+          <p:cxnSp>
+            <p:nvCxnSpPr>
+              <p:cNvPr id="17" name="直接连接符 16"/>
+              <p:cNvCxnSpPr>
+                <a:stCxn id="10" idx="0"/>
+                <a:endCxn id="6" idx="4"/>
+              </p:cNvCxnSpPr>
+              <p:nvPr/>
+            </p:nvCxnSpPr>
+            <p:spPr>
+              <a:xfrm flipH="1" flipV="1">
+                <a:off x="2174" y="5751"/>
+                <a:ext cx="258" cy="250"/>
+              </a:xfrm>
+              <a:prstGeom prst="line">
+                <a:avLst/>
+              </a:prstGeom>
+              <a:ln>
+                <a:solidFill>
+                  <a:schemeClr val="bg1">
+                    <a:lumMod val="50000"/>
+                  </a:schemeClr>
+                </a:solidFill>
+              </a:ln>
+            </p:spPr>
+            <p:style>
+              <a:lnRef idx="1">
+                <a:schemeClr val="accent1"/>
+              </a:lnRef>
+              <a:fillRef idx="0">
+                <a:schemeClr val="accent1"/>
+              </a:fillRef>
+              <a:effectRef idx="0">
+                <a:schemeClr val="accent1"/>
+              </a:effectRef>
+              <a:fontRef idx="minor">
+                <a:schemeClr val="tx1"/>
+              </a:fontRef>
+            </p:style>
+          </p:cxnSp>
+          <p:cxnSp>
+            <p:nvCxnSpPr>
+              <p:cNvPr id="18" name="直接连接符 17"/>
+              <p:cNvCxnSpPr>
+                <a:stCxn id="10" idx="0"/>
+                <a:endCxn id="8" idx="4"/>
+              </p:cNvCxnSpPr>
+              <p:nvPr/>
+            </p:nvCxnSpPr>
+            <p:spPr>
+              <a:xfrm flipV="1">
+                <a:off x="2432" y="5751"/>
+                <a:ext cx="707" cy="250"/>
+              </a:xfrm>
+              <a:prstGeom prst="line">
+                <a:avLst/>
+              </a:prstGeom>
+              <a:ln>
+                <a:solidFill>
+                  <a:schemeClr val="bg1">
+                    <a:lumMod val="50000"/>
+                  </a:schemeClr>
+                </a:solidFill>
+              </a:ln>
+            </p:spPr>
+            <p:style>
+              <a:lnRef idx="1">
+                <a:schemeClr val="accent1"/>
+              </a:lnRef>
+              <a:fillRef idx="0">
+                <a:schemeClr val="accent1"/>
+              </a:fillRef>
+              <a:effectRef idx="0">
+                <a:schemeClr val="accent1"/>
+              </a:effectRef>
+              <a:fontRef idx="minor">
+                <a:schemeClr val="tx1"/>
+              </a:fontRef>
+            </p:style>
+          </p:cxnSp>
+          <p:cxnSp>
+            <p:nvCxnSpPr>
+              <p:cNvPr id="19" name="直接连接符 18"/>
+              <p:cNvCxnSpPr>
+                <a:stCxn id="10" idx="0"/>
+                <a:endCxn id="9" idx="4"/>
+              </p:cNvCxnSpPr>
+              <p:nvPr/>
+            </p:nvCxnSpPr>
+            <p:spPr>
+              <a:xfrm flipV="1">
+                <a:off x="2432" y="5751"/>
+                <a:ext cx="1189" cy="250"/>
+              </a:xfrm>
+              <a:prstGeom prst="line">
+                <a:avLst/>
+              </a:prstGeom>
+              <a:ln>
+                <a:solidFill>
+                  <a:schemeClr val="bg1">
+                    <a:lumMod val="50000"/>
+                  </a:schemeClr>
+                </a:solidFill>
+              </a:ln>
+            </p:spPr>
+            <p:style>
+              <a:lnRef idx="1">
+                <a:schemeClr val="accent1"/>
+              </a:lnRef>
+              <a:fillRef idx="0">
+                <a:schemeClr val="accent1"/>
+              </a:fillRef>
+              <a:effectRef idx="0">
+                <a:schemeClr val="accent1"/>
+              </a:effectRef>
+              <a:fontRef idx="minor">
+                <a:schemeClr val="tx1"/>
+              </a:fontRef>
+            </p:style>
+          </p:cxnSp>
+          <p:cxnSp>
+            <p:nvCxnSpPr>
+              <p:cNvPr id="20" name="直接连接符 19"/>
+              <p:cNvCxnSpPr>
+                <a:stCxn id="11" idx="0"/>
+                <a:endCxn id="6" idx="4"/>
+              </p:cNvCxnSpPr>
+              <p:nvPr/>
+            </p:nvCxnSpPr>
+            <p:spPr>
+              <a:xfrm flipH="1" flipV="1">
+                <a:off x="2174" y="5751"/>
+                <a:ext cx="723" cy="250"/>
+              </a:xfrm>
+              <a:prstGeom prst="line">
+                <a:avLst/>
+              </a:prstGeom>
+              <a:ln>
+                <a:solidFill>
+                  <a:schemeClr val="bg1">
+                    <a:lumMod val="50000"/>
+                  </a:schemeClr>
+                </a:solidFill>
+              </a:ln>
+            </p:spPr>
+            <p:style>
+              <a:lnRef idx="1">
+                <a:schemeClr val="accent1"/>
+              </a:lnRef>
+              <a:fillRef idx="0">
+                <a:schemeClr val="accent1"/>
+              </a:fillRef>
+              <a:effectRef idx="0">
+                <a:schemeClr val="accent1"/>
+              </a:effectRef>
+              <a:fontRef idx="minor">
+                <a:schemeClr val="tx1"/>
+              </a:fontRef>
+            </p:style>
+          </p:cxnSp>
+          <p:cxnSp>
+            <p:nvCxnSpPr>
+              <p:cNvPr id="21" name="直接连接符 20"/>
+              <p:cNvCxnSpPr>
+                <a:stCxn id="12" idx="0"/>
+                <a:endCxn id="6" idx="4"/>
+              </p:cNvCxnSpPr>
+              <p:nvPr/>
+            </p:nvCxnSpPr>
+            <p:spPr>
+              <a:xfrm flipH="1" flipV="1">
+                <a:off x="2174" y="5751"/>
+                <a:ext cx="1189" cy="250"/>
+              </a:xfrm>
+              <a:prstGeom prst="line">
+                <a:avLst/>
+              </a:prstGeom>
+              <a:ln>
+                <a:solidFill>
+                  <a:schemeClr val="bg1">
+                    <a:lumMod val="50000"/>
+                  </a:schemeClr>
+                </a:solidFill>
+              </a:ln>
+            </p:spPr>
+            <p:style>
+              <a:lnRef idx="1">
+                <a:schemeClr val="accent1"/>
+              </a:lnRef>
+              <a:fillRef idx="0">
+                <a:schemeClr val="accent1"/>
+              </a:fillRef>
+              <a:effectRef idx="0">
+                <a:schemeClr val="accent1"/>
+              </a:effectRef>
+              <a:fontRef idx="minor">
+                <a:schemeClr val="tx1"/>
+              </a:fontRef>
+            </p:style>
+          </p:cxnSp>
+          <p:cxnSp>
+            <p:nvCxnSpPr>
+              <p:cNvPr id="22" name="直接连接符 21"/>
+              <p:cNvCxnSpPr>
+                <a:stCxn id="11" idx="0"/>
+                <a:endCxn id="7" idx="4"/>
+              </p:cNvCxnSpPr>
+              <p:nvPr/>
+            </p:nvCxnSpPr>
+            <p:spPr>
+              <a:xfrm flipH="1" flipV="1">
+                <a:off x="2656" y="5751"/>
+                <a:ext cx="241" cy="250"/>
+              </a:xfrm>
+              <a:prstGeom prst="line">
+                <a:avLst/>
+              </a:prstGeom>
+              <a:ln>
+                <a:solidFill>
+                  <a:schemeClr val="bg1">
+                    <a:lumMod val="50000"/>
+                  </a:schemeClr>
+                </a:solidFill>
+              </a:ln>
+            </p:spPr>
+            <p:style>
+              <a:lnRef idx="1">
+                <a:schemeClr val="accent1"/>
+              </a:lnRef>
+              <a:fillRef idx="0">
+                <a:schemeClr val="accent1"/>
+              </a:fillRef>
+              <a:effectRef idx="0">
+                <a:schemeClr val="accent1"/>
+              </a:effectRef>
+              <a:fontRef idx="minor">
+                <a:schemeClr val="tx1"/>
+              </a:fontRef>
+            </p:style>
+          </p:cxnSp>
+          <p:cxnSp>
+            <p:nvCxnSpPr>
+              <p:cNvPr id="23" name="直接连接符 22"/>
+              <p:cNvCxnSpPr>
+                <a:endCxn id="8" idx="4"/>
+              </p:cNvCxnSpPr>
+              <p:nvPr/>
+            </p:nvCxnSpPr>
+            <p:spPr>
+              <a:xfrm flipV="1">
+                <a:off x="2909" y="5751"/>
+                <a:ext cx="230" cy="365"/>
+              </a:xfrm>
+              <a:prstGeom prst="line">
+                <a:avLst/>
+              </a:prstGeom>
+              <a:ln>
+                <a:solidFill>
+                  <a:schemeClr val="bg1">
+                    <a:lumMod val="50000"/>
+                  </a:schemeClr>
+                </a:solidFill>
+              </a:ln>
+            </p:spPr>
+            <p:style>
+              <a:lnRef idx="1">
+                <a:schemeClr val="accent1"/>
+              </a:lnRef>
+              <a:fillRef idx="0">
+                <a:schemeClr val="accent1"/>
+              </a:fillRef>
+              <a:effectRef idx="0">
+                <a:schemeClr val="accent1"/>
+              </a:effectRef>
+              <a:fontRef idx="minor">
+                <a:schemeClr val="tx1"/>
+              </a:fontRef>
+            </p:style>
+          </p:cxnSp>
+          <p:cxnSp>
+            <p:nvCxnSpPr>
+              <p:cNvPr id="24" name="直接连接符 23"/>
+              <p:cNvCxnSpPr>
+                <a:stCxn id="11" idx="0"/>
+                <a:endCxn id="9" idx="4"/>
+              </p:cNvCxnSpPr>
+              <p:nvPr/>
+            </p:nvCxnSpPr>
+            <p:spPr>
+              <a:xfrm flipV="1">
+                <a:off x="2897" y="5751"/>
+                <a:ext cx="724" cy="250"/>
+              </a:xfrm>
+              <a:prstGeom prst="line">
+                <a:avLst/>
+              </a:prstGeom>
+              <a:ln>
+                <a:solidFill>
+                  <a:schemeClr val="bg1">
+                    <a:lumMod val="50000"/>
+                  </a:schemeClr>
+                </a:solidFill>
+              </a:ln>
+            </p:spPr>
+            <p:style>
+              <a:lnRef idx="1">
+                <a:schemeClr val="accent1"/>
+              </a:lnRef>
+              <a:fillRef idx="0">
+                <a:schemeClr val="accent1"/>
+              </a:fillRef>
+              <a:effectRef idx="0">
+                <a:schemeClr val="accent1"/>
+              </a:effectRef>
+              <a:fontRef idx="minor">
+                <a:schemeClr val="tx1"/>
+              </a:fontRef>
+            </p:style>
+          </p:cxnSp>
+          <p:cxnSp>
+            <p:nvCxnSpPr>
+              <p:cNvPr id="25" name="直接连接符 24"/>
+              <p:cNvCxnSpPr>
+                <a:stCxn id="12" idx="0"/>
+                <a:endCxn id="8" idx="4"/>
+              </p:cNvCxnSpPr>
+              <p:nvPr/>
+            </p:nvCxnSpPr>
+            <p:spPr>
+              <a:xfrm flipH="1" flipV="1">
+                <a:off x="3139" y="5751"/>
+                <a:ext cx="224" cy="250"/>
+              </a:xfrm>
+              <a:prstGeom prst="line">
+                <a:avLst/>
+              </a:prstGeom>
+              <a:ln>
+                <a:solidFill>
+                  <a:schemeClr val="bg1">
+                    <a:lumMod val="50000"/>
+                  </a:schemeClr>
+                </a:solidFill>
+              </a:ln>
+            </p:spPr>
+            <p:style>
+              <a:lnRef idx="1">
+                <a:schemeClr val="accent1"/>
+              </a:lnRef>
+              <a:fillRef idx="0">
+                <a:schemeClr val="accent1"/>
+              </a:fillRef>
+              <a:effectRef idx="0">
+                <a:schemeClr val="accent1"/>
+              </a:effectRef>
+              <a:fontRef idx="minor">
+                <a:schemeClr val="tx1"/>
+              </a:fontRef>
+            </p:style>
+          </p:cxnSp>
+          <p:cxnSp>
+            <p:nvCxnSpPr>
+              <p:cNvPr id="26" name="直接连接符 25"/>
+              <p:cNvCxnSpPr>
+                <a:stCxn id="12" idx="0"/>
+                <a:endCxn id="7" idx="4"/>
+              </p:cNvCxnSpPr>
+              <p:nvPr/>
+            </p:nvCxnSpPr>
+            <p:spPr>
+              <a:xfrm flipH="1" flipV="1">
+                <a:off x="2656" y="5751"/>
+                <a:ext cx="707" cy="250"/>
+              </a:xfrm>
+              <a:prstGeom prst="line">
+                <a:avLst/>
+              </a:prstGeom>
+              <a:ln>
+                <a:solidFill>
+                  <a:schemeClr val="bg1">
+                    <a:lumMod val="50000"/>
+                  </a:schemeClr>
+                </a:solidFill>
+              </a:ln>
+            </p:spPr>
+            <p:style>
+              <a:lnRef idx="1">
+                <a:schemeClr val="accent1"/>
+              </a:lnRef>
+              <a:fillRef idx="0">
+                <a:schemeClr val="accent1"/>
+              </a:fillRef>
+              <a:effectRef idx="0">
+                <a:schemeClr val="accent1"/>
+              </a:effectRef>
+              <a:fontRef idx="minor">
+                <a:schemeClr val="tx1"/>
+              </a:fontRef>
+            </p:style>
+          </p:cxnSp>
+          <p:cxnSp>
+            <p:nvCxnSpPr>
+              <p:cNvPr id="27" name="直接连接符 26"/>
+              <p:cNvCxnSpPr>
+                <a:stCxn id="12" idx="0"/>
+                <a:endCxn id="9" idx="4"/>
+              </p:cNvCxnSpPr>
+              <p:nvPr/>
+            </p:nvCxnSpPr>
+            <p:spPr>
+              <a:xfrm flipV="1">
+                <a:off x="3363" y="5751"/>
+                <a:ext cx="258" cy="250"/>
+              </a:xfrm>
+              <a:prstGeom prst="line">
+                <a:avLst/>
+              </a:prstGeom>
+              <a:ln>
+                <a:solidFill>
+                  <a:schemeClr val="bg1">
+                    <a:lumMod val="50000"/>
+                  </a:schemeClr>
+                </a:solidFill>
+              </a:ln>
+            </p:spPr>
+            <p:style>
+              <a:lnRef idx="1">
+                <a:schemeClr val="accent1"/>
+              </a:lnRef>
+              <a:fillRef idx="0">
+                <a:schemeClr val="accent1"/>
+              </a:fillRef>
+              <a:effectRef idx="0">
+                <a:schemeClr val="accent1"/>
+              </a:effectRef>
+              <a:fontRef idx="minor">
+                <a:schemeClr val="tx1"/>
+              </a:fontRef>
+            </p:style>
+          </p:cxnSp>
+          <p:cxnSp>
+            <p:nvCxnSpPr>
+              <p:cNvPr id="28" name="直接连接符 27"/>
+              <p:cNvCxnSpPr>
+                <a:stCxn id="7" idx="0"/>
+                <a:endCxn id="4" idx="4"/>
+              </p:cNvCxnSpPr>
+              <p:nvPr/>
+            </p:nvCxnSpPr>
+            <p:spPr>
+              <a:xfrm flipV="1">
+                <a:off x="2656" y="5268"/>
+                <a:ext cx="0" cy="201"/>
+              </a:xfrm>
+              <a:prstGeom prst="line">
+                <a:avLst/>
+              </a:prstGeom>
+              <a:ln>
+                <a:solidFill>
+                  <a:schemeClr val="bg1">
+                    <a:lumMod val="50000"/>
+                  </a:schemeClr>
+                </a:solidFill>
+              </a:ln>
+            </p:spPr>
+            <p:style>
+              <a:lnRef idx="1">
+                <a:schemeClr val="accent1"/>
+              </a:lnRef>
+              <a:fillRef idx="0">
+                <a:schemeClr val="accent1"/>
+              </a:fillRef>
+              <a:effectRef idx="0">
+                <a:schemeClr val="accent1"/>
+              </a:effectRef>
+              <a:fontRef idx="minor">
+                <a:schemeClr val="tx1"/>
+              </a:fontRef>
+            </p:style>
+          </p:cxnSp>
+          <p:cxnSp>
+            <p:nvCxnSpPr>
+              <p:cNvPr id="29" name="直接连接符 28"/>
+              <p:cNvCxnSpPr>
+                <a:stCxn id="8" idx="0"/>
+                <a:endCxn id="5" idx="4"/>
+              </p:cNvCxnSpPr>
+              <p:nvPr/>
+            </p:nvCxnSpPr>
+            <p:spPr>
+              <a:xfrm flipH="1" flipV="1">
+                <a:off x="3138" y="5268"/>
+                <a:ext cx="1" cy="201"/>
+              </a:xfrm>
+              <a:prstGeom prst="line">
+                <a:avLst/>
+              </a:prstGeom>
+              <a:ln>
+                <a:solidFill>
+                  <a:schemeClr val="bg1">
+                    <a:lumMod val="50000"/>
+                  </a:schemeClr>
+                </a:solidFill>
+              </a:ln>
+            </p:spPr>
+            <p:style>
+              <a:lnRef idx="1">
+                <a:schemeClr val="accent1"/>
+              </a:lnRef>
+              <a:fillRef idx="0">
+                <a:schemeClr val="accent1"/>
+              </a:fillRef>
+              <a:effectRef idx="0">
+                <a:schemeClr val="accent1"/>
+              </a:effectRef>
+              <a:fontRef idx="minor">
+                <a:schemeClr val="tx1"/>
+              </a:fontRef>
+            </p:style>
+          </p:cxnSp>
+          <p:cxnSp>
+            <p:nvCxnSpPr>
+              <p:cNvPr id="30" name="直接连接符 29"/>
+              <p:cNvCxnSpPr>
+                <a:stCxn id="8" idx="0"/>
+                <a:endCxn id="4" idx="4"/>
+              </p:cNvCxnSpPr>
+              <p:nvPr/>
+            </p:nvCxnSpPr>
+            <p:spPr>
+              <a:xfrm flipH="1" flipV="1">
+                <a:off x="2656" y="5268"/>
+                <a:ext cx="483" cy="201"/>
+              </a:xfrm>
+              <a:prstGeom prst="line">
+                <a:avLst/>
+              </a:prstGeom>
+              <a:ln>
+                <a:solidFill>
+                  <a:schemeClr val="bg1">
+                    <a:lumMod val="50000"/>
+                  </a:schemeClr>
+                </a:solidFill>
+              </a:ln>
+            </p:spPr>
+            <p:style>
+              <a:lnRef idx="1">
+                <a:schemeClr val="accent1"/>
+              </a:lnRef>
+              <a:fillRef idx="0">
+                <a:schemeClr val="accent1"/>
+              </a:fillRef>
+              <a:effectRef idx="0">
+                <a:schemeClr val="accent1"/>
+              </a:effectRef>
+              <a:fontRef idx="minor">
+                <a:schemeClr val="tx1"/>
+              </a:fontRef>
+            </p:style>
+          </p:cxnSp>
+          <p:cxnSp>
+            <p:nvCxnSpPr>
+              <p:cNvPr id="31" name="直接连接符 30"/>
+              <p:cNvCxnSpPr>
+                <a:stCxn id="7" idx="0"/>
+                <a:endCxn id="5" idx="4"/>
+              </p:cNvCxnSpPr>
+              <p:nvPr/>
+            </p:nvCxnSpPr>
+            <p:spPr>
+              <a:xfrm flipV="1">
+                <a:off x="2656" y="5268"/>
+                <a:ext cx="482" cy="201"/>
+              </a:xfrm>
+              <a:prstGeom prst="line">
+                <a:avLst/>
+              </a:prstGeom>
+              <a:ln>
+                <a:solidFill>
+                  <a:schemeClr val="bg1">
+                    <a:lumMod val="50000"/>
+                  </a:schemeClr>
+                </a:solidFill>
+              </a:ln>
+            </p:spPr>
+            <p:style>
+              <a:lnRef idx="1">
+                <a:schemeClr val="accent1"/>
+              </a:lnRef>
+              <a:fillRef idx="0">
+                <a:schemeClr val="accent1"/>
+              </a:fillRef>
+              <a:effectRef idx="0">
+                <a:schemeClr val="accent1"/>
+              </a:effectRef>
+              <a:fontRef idx="minor">
+                <a:schemeClr val="tx1"/>
+              </a:fontRef>
+            </p:style>
+          </p:cxnSp>
+          <p:cxnSp>
+            <p:nvCxnSpPr>
+              <p:cNvPr id="32" name="直接连接符 31"/>
+              <p:cNvCxnSpPr>
+                <a:stCxn id="9" idx="0"/>
+                <a:endCxn id="5" idx="4"/>
+              </p:cNvCxnSpPr>
+              <p:nvPr/>
+            </p:nvCxnSpPr>
+            <p:spPr>
+              <a:xfrm flipH="1" flipV="1">
+                <a:off x="3138" y="5268"/>
+                <a:ext cx="483" cy="201"/>
+              </a:xfrm>
+              <a:prstGeom prst="line">
+                <a:avLst/>
+              </a:prstGeom>
+              <a:ln>
+                <a:solidFill>
+                  <a:schemeClr val="bg1">
+                    <a:lumMod val="50000"/>
+                  </a:schemeClr>
+                </a:solidFill>
+              </a:ln>
+            </p:spPr>
+            <p:style>
+              <a:lnRef idx="1">
+                <a:schemeClr val="accent1"/>
+              </a:lnRef>
+              <a:fillRef idx="0">
+                <a:schemeClr val="accent1"/>
+              </a:fillRef>
+              <a:effectRef idx="0">
+                <a:schemeClr val="accent1"/>
+              </a:effectRef>
+              <a:fontRef idx="minor">
+                <a:schemeClr val="tx1"/>
+              </a:fontRef>
+            </p:style>
+          </p:cxnSp>
+          <p:cxnSp>
+            <p:nvCxnSpPr>
+              <p:cNvPr id="33" name="直接连接符 32"/>
+              <p:cNvCxnSpPr>
+                <a:stCxn id="9" idx="0"/>
+                <a:endCxn id="4" idx="4"/>
+              </p:cNvCxnSpPr>
+              <p:nvPr/>
+            </p:nvCxnSpPr>
+            <p:spPr>
+              <a:xfrm flipH="1" flipV="1">
+                <a:off x="2656" y="5268"/>
+                <a:ext cx="965" cy="201"/>
+              </a:xfrm>
+              <a:prstGeom prst="line">
+                <a:avLst/>
+              </a:prstGeom>
+              <a:ln>
+                <a:solidFill>
+                  <a:schemeClr val="bg1">
+                    <a:lumMod val="50000"/>
+                  </a:schemeClr>
+                </a:solidFill>
+              </a:ln>
+            </p:spPr>
+            <p:style>
+              <a:lnRef idx="1">
+                <a:schemeClr val="accent1"/>
+              </a:lnRef>
+              <a:fillRef idx="0">
+                <a:schemeClr val="accent1"/>
+              </a:fillRef>
+              <a:effectRef idx="0">
+                <a:schemeClr val="accent1"/>
+              </a:effectRef>
+              <a:fontRef idx="minor">
+                <a:schemeClr val="tx1"/>
+              </a:fontRef>
+            </p:style>
+          </p:cxnSp>
+          <p:cxnSp>
+            <p:nvCxnSpPr>
+              <p:cNvPr id="34" name="直接连接符 33"/>
+              <p:cNvCxnSpPr>
+                <a:stCxn id="6" idx="0"/>
+                <a:endCxn id="4" idx="4"/>
+              </p:cNvCxnSpPr>
+              <p:nvPr/>
+            </p:nvCxnSpPr>
+            <p:spPr>
+              <a:xfrm flipV="1">
+                <a:off x="2174" y="5268"/>
+                <a:ext cx="482" cy="201"/>
+              </a:xfrm>
+              <a:prstGeom prst="line">
+                <a:avLst/>
+              </a:prstGeom>
+              <a:ln>
+                <a:solidFill>
+                  <a:schemeClr val="bg1">
+                    <a:lumMod val="50000"/>
+                  </a:schemeClr>
+                </a:solidFill>
+              </a:ln>
+            </p:spPr>
+            <p:style>
+              <a:lnRef idx="1">
+                <a:schemeClr val="accent1"/>
+              </a:lnRef>
+              <a:fillRef idx="0">
+                <a:schemeClr val="accent1"/>
+              </a:fillRef>
+              <a:effectRef idx="0">
+                <a:schemeClr val="accent1"/>
+              </a:effectRef>
+              <a:fontRef idx="minor">
+                <a:schemeClr val="tx1"/>
+              </a:fontRef>
+            </p:style>
+          </p:cxnSp>
+          <p:cxnSp>
+            <p:nvCxnSpPr>
+              <p:cNvPr id="35" name="直接连接符 34"/>
+              <p:cNvCxnSpPr>
+                <a:stCxn id="6" idx="0"/>
+                <a:endCxn id="5" idx="4"/>
+              </p:cNvCxnSpPr>
+              <p:nvPr/>
+            </p:nvCxnSpPr>
+            <p:spPr>
+              <a:xfrm flipV="1">
+                <a:off x="2174" y="5268"/>
+                <a:ext cx="964" cy="201"/>
+              </a:xfrm>
+              <a:prstGeom prst="line">
+                <a:avLst/>
+              </a:prstGeom>
+              <a:ln>
+                <a:solidFill>
+                  <a:schemeClr val="bg1">
+                    <a:lumMod val="50000"/>
+                  </a:schemeClr>
+                </a:solidFill>
+              </a:ln>
+            </p:spPr>
+            <p:style>
+              <a:lnRef idx="1">
+                <a:schemeClr val="accent1"/>
+              </a:lnRef>
+              <a:fillRef idx="0">
+                <a:schemeClr val="accent1"/>
+              </a:fillRef>
+              <a:effectRef idx="0">
+                <a:schemeClr val="accent1"/>
+              </a:effectRef>
+              <a:fontRef idx="minor">
+                <a:schemeClr val="tx1"/>
+              </a:fontRef>
+            </p:style>
+          </p:cxnSp>
+        </p:grpSp>
+        <p:grpSp>
+          <p:nvGrpSpPr>
+            <p:cNvPr id="238" name="组合 237"/>
+            <p:cNvGrpSpPr/>
+            <p:nvPr/>
+          </p:nvGrpSpPr>
+          <p:grpSpPr>
+            <a:xfrm>
+              <a:off x="8138" y="3966"/>
+              <a:ext cx="1857" cy="1384"/>
+              <a:chOff x="6916" y="2084"/>
+              <a:chExt cx="1887" cy="1727"/>
+            </a:xfrm>
+          </p:grpSpPr>
+          <p:sp>
+            <p:nvSpPr>
+              <p:cNvPr id="41" name="圆角矩形 40"/>
+              <p:cNvSpPr/>
+              <p:nvPr/>
+            </p:nvSpPr>
+            <p:spPr>
+              <a:xfrm>
+                <a:off x="6916" y="2084"/>
+                <a:ext cx="1887" cy="1727"/>
+              </a:xfrm>
+              <a:prstGeom prst="roundRect">
+                <a:avLst>
+                  <a:gd name="adj" fmla="val 15188"/>
+                </a:avLst>
+              </a:prstGeom>
+              <a:solidFill>
+                <a:schemeClr val="tx1">
+                  <a:alpha val="81000"/>
+                </a:schemeClr>
+              </a:solidFill>
+              <a:ln>
+                <a:noFill/>
+              </a:ln>
+            </p:spPr>
+            <p:style>
+              <a:lnRef idx="2">
+                <a:schemeClr val="accent1">
+                  <a:shade val="50000"/>
+                </a:schemeClr>
+              </a:lnRef>
+              <a:fillRef idx="1">
+                <a:schemeClr val="accent1"/>
+              </a:fillRef>
+              <a:effectRef idx="0">
+                <a:schemeClr val="accent1"/>
+              </a:effectRef>
+              <a:fontRef idx="minor">
+                <a:schemeClr val="lt1"/>
+              </a:fontRef>
+            </p:style>
+            <p:txBody>
+              <a:bodyPr rtlCol="0" anchor="ctr"/>
+              <a:lstStyle/>
+              <a:p>
+                <a:pPr algn="ctr"/>
+                <a:endParaRPr lang="zh-CN" altLang="en-US">
+                  <a:latin typeface="宋体" panose="02010600030101010101" pitchFamily="2" charset="-122"/>
+                  <a:ea typeface="宋体" panose="02010600030101010101" pitchFamily="2" charset="-122"/>
+                </a:endParaRPr>
+              </a:p>
+            </p:txBody>
+          </p:sp>
+          <p:sp>
+            <p:nvSpPr>
+              <p:cNvPr id="42" name="文本框 41"/>
+              <p:cNvSpPr txBox="1"/>
+              <p:nvPr/>
+            </p:nvSpPr>
+            <p:spPr>
+              <a:xfrm>
+                <a:off x="7200" y="2393"/>
+                <a:ext cx="1273" cy="1025"/>
+              </a:xfrm>
+              <a:prstGeom prst="rect">
+                <a:avLst/>
+              </a:prstGeom>
+              <a:noFill/>
+            </p:spPr>
+            <p:txBody>
+              <a:bodyPr wrap="square" rtlCol="0">
+                <a:spAutoFit/>
+              </a:bodyPr>
+              <a:lstStyle/>
+              <a:p>
+                <a:pPr algn="ctr"/>
+                <a:r>
+                  <a:rPr lang="zh-CN" altLang="en-US" sz="1400">
+                    <a:solidFill>
+                      <a:schemeClr val="bg1"/>
+                    </a:solidFill>
+                    <a:latin typeface="宋体" panose="02010600030101010101" pitchFamily="2" charset="-122"/>
+                    <a:ea typeface="宋体" panose="02010600030101010101" pitchFamily="2" charset="-122"/>
+                    <a:cs typeface="Times New Roman" panose="02020603050405020304" charset="0"/>
+                  </a:rPr>
+                  <a:t>深度学习模型</a:t>
+                </a:r>
+                <a:endParaRPr lang="zh-CN" altLang="en-US" sz="1400">
+                  <a:solidFill>
+                    <a:schemeClr val="bg1"/>
+                  </a:solidFill>
+                  <a:latin typeface="宋体" panose="02010600030101010101" pitchFamily="2" charset="-122"/>
+                  <a:ea typeface="宋体" panose="02010600030101010101" pitchFamily="2" charset="-122"/>
+                  <a:cs typeface="Times New Roman" panose="02020603050405020304" charset="0"/>
+                </a:endParaRPr>
+              </a:p>
+            </p:txBody>
+          </p:sp>
+        </p:grpSp>
+      </p:grpSp>
+      <mc:AlternateContent xmlns:mc="http://schemas.openxmlformats.org/markup-compatibility/2006">
+        <mc:Choice xmlns:a14="http://schemas.microsoft.com/office/drawing/2010/main" Requires="a14">
+          <p:sp>
+            <p:nvSpPr>
+              <p:cNvPr id="39" name="文本框 38"/>
+              <p:cNvSpPr txBox="1"/>
+              <p:nvPr/>
+            </p:nvSpPr>
+            <p:spPr>
+              <a:xfrm>
+                <a:off x="781685" y="5142230"/>
+                <a:ext cx="3897630" cy="309880"/>
+              </a:xfrm>
+              <a:prstGeom prst="rect">
+                <a:avLst/>
+              </a:prstGeom>
+              <a:noFill/>
+            </p:spPr>
+            <p:txBody>
+              <a:bodyPr wrap="square" rtlCol="0">
+                <a:spAutoFit/>
+              </a:bodyPr>
+              <a:lstStyle/>
+              <a:p>
+                <a:pPr algn="ctr"/>
+                <a:r>
+                  <a:rPr lang="zh-CN" altLang="en-US" sz="1400">
+                    <a:latin typeface="宋体" panose="02010600030101010101" pitchFamily="2" charset="-122"/>
+                    <a:ea typeface="宋体" panose="02010600030101010101" pitchFamily="2" charset="-122"/>
+                    <a:cs typeface="宋体" panose="02010600030101010101" pitchFamily="2" charset="-122"/>
+                  </a:rPr>
+                  <a:t>测试数据集</a:t>
+                </a:r>
+                <a14:m>
+                  <m:oMath xmlns:m="http://schemas.openxmlformats.org/officeDocument/2006/math">
+                    <m:r>
+                      <a:rPr lang="en-US" altLang="zh-CN" sz="1400" i="1">
+                        <a:latin typeface="Cambria Math" panose="02040503050406030204" charset="0"/>
+                        <a:ea typeface="MS Mincho" panose="02020609040205080304" charset="-128"/>
+                        <a:cs typeface="Cambria Math" panose="02040503050406030204" charset="0"/>
+                      </a:rPr>
+                      <m:t> </m:t>
+                    </m:r>
+                    <m:r>
+                      <a:rPr lang="en-US" altLang="zh-CN" sz="1400" i="1">
+                        <a:latin typeface="Cambria Math" panose="02040503050406030204" charset="0"/>
+                        <a:ea typeface="MS Mincho" panose="02020609040205080304" charset="-128"/>
+                        <a:cs typeface="Cambria Math" panose="02040503050406030204" charset="0"/>
+                      </a:rPr>
+                      <m:t>𝒟</m:t>
+                    </m:r>
+                    <m:r>
+                      <a:rPr lang="en-US" altLang="zh-CN" sz="1400" i="1">
+                        <a:latin typeface="Cambria Math" panose="02040503050406030204" charset="0"/>
+                        <a:ea typeface="MS Mincho" panose="02020609040205080304" charset="-128"/>
+                        <a:cs typeface="Cambria Math" panose="02040503050406030204" charset="0"/>
+                      </a:rPr>
+                      <m:t>={</m:t>
+                    </m:r>
+                    <m:sSup>
+                      <m:sSupPr>
+                        <m:ctrlPr>
+                          <a:rPr lang="en-US" altLang="zh-CN" sz="1400" i="1">
+                            <a:latin typeface="Cambria Math" panose="02040503050406030204" charset="0"/>
+                            <a:ea typeface="宋体" panose="02010600030101010101" pitchFamily="2" charset="-122"/>
+                            <a:cs typeface="Cambria Math" panose="02040503050406030204" charset="0"/>
+                          </a:rPr>
+                        </m:ctrlPr>
+                      </m:sSupPr>
+                      <m:e>
+                        <m:r>
+                          <a:rPr lang="en-US" altLang="zh-CN" sz="1400" i="1">
+                            <a:latin typeface="Cambria Math" panose="02040503050406030204" charset="0"/>
+                            <a:ea typeface="宋体" panose="02010600030101010101" pitchFamily="2" charset="-122"/>
+                            <a:cs typeface="Cambria Math" panose="02040503050406030204" charset="0"/>
+                          </a:rPr>
+                          <m:t>𝑥</m:t>
+                        </m:r>
+                      </m:e>
+                      <m:sup>
+                        <m:r>
+                          <a:rPr lang="en-US" altLang="zh-CN" sz="1400" i="1">
+                            <a:latin typeface="Cambria Math" panose="02040503050406030204" charset="0"/>
+                            <a:ea typeface="MS Mincho" panose="02020609040205080304" charset="-128"/>
+                            <a:cs typeface="Cambria Math" panose="02040503050406030204" charset="0"/>
+                          </a:rPr>
+                          <m:t>(</m:t>
+                        </m:r>
+                        <m:r>
+                          <a:rPr lang="en-US" altLang="zh-CN" sz="1400" i="1">
+                            <a:latin typeface="Cambria Math" panose="02040503050406030204" charset="0"/>
+                            <a:ea typeface="宋体" panose="02010600030101010101" pitchFamily="2" charset="-122"/>
+                            <a:cs typeface="Cambria Math" panose="02040503050406030204" charset="0"/>
+                          </a:rPr>
+                          <m:t>𝑖</m:t>
+                        </m:r>
+                        <m:r>
+                          <a:rPr lang="en-US" altLang="zh-CN" sz="1400" i="1">
+                            <a:latin typeface="Cambria Math" panose="02040503050406030204" charset="0"/>
+                            <a:ea typeface="MS Mincho" panose="02020609040205080304" charset="-128"/>
+                            <a:cs typeface="Cambria Math" panose="02040503050406030204" charset="0"/>
+                          </a:rPr>
+                          <m:t>)</m:t>
+                        </m:r>
+                      </m:sup>
+                    </m:sSup>
+                    <m:r>
+                      <a:rPr lang="en-US" altLang="zh-CN" sz="1400" i="1">
+                        <a:latin typeface="Cambria Math" panose="02040503050406030204" charset="0"/>
+                        <a:ea typeface="MS Mincho" panose="02020609040205080304" charset="-128"/>
+                        <a:cs typeface="Cambria Math" panose="02040503050406030204" charset="0"/>
+                      </a:rPr>
+                      <m:t>,</m:t>
+                    </m:r>
+                    <m:sSup>
+                      <m:sSupPr>
+                        <m:ctrlPr>
+                          <a:rPr lang="en-US" altLang="zh-CN" sz="1400" i="1">
+                            <a:latin typeface="Cambria Math" panose="02040503050406030204" charset="0"/>
+                            <a:ea typeface="宋体" panose="02010600030101010101" pitchFamily="2" charset="-122"/>
+                            <a:cs typeface="Cambria Math" panose="02040503050406030204" charset="0"/>
+                          </a:rPr>
+                        </m:ctrlPr>
+                      </m:sSupPr>
+                      <m:e>
+                        <m:r>
+                          <a:rPr lang="en-US" altLang="zh-CN" sz="1400" i="1">
+                            <a:latin typeface="Cambria Math" panose="02040503050406030204" charset="0"/>
+                            <a:ea typeface="宋体" panose="02010600030101010101" pitchFamily="2" charset="-122"/>
+                            <a:cs typeface="Cambria Math" panose="02040503050406030204" charset="0"/>
+                          </a:rPr>
+                          <m:t>𝑦</m:t>
+                        </m:r>
+                      </m:e>
+                      <m:sup>
+                        <m:r>
+                          <a:rPr lang="en-US" altLang="zh-CN" sz="1400" i="1">
+                            <a:latin typeface="Cambria Math" panose="02040503050406030204" charset="0"/>
+                            <a:ea typeface="MS Mincho" panose="02020609040205080304" charset="-128"/>
+                            <a:cs typeface="Cambria Math" panose="02040503050406030204" charset="0"/>
+                          </a:rPr>
+                          <m:t>(</m:t>
+                        </m:r>
+                        <m:r>
+                          <a:rPr lang="en-US" altLang="zh-CN" sz="1400" i="1">
+                            <a:latin typeface="Cambria Math" panose="02040503050406030204" charset="0"/>
+                            <a:ea typeface="宋体" panose="02010600030101010101" pitchFamily="2" charset="-122"/>
+                            <a:cs typeface="Cambria Math" panose="02040503050406030204" charset="0"/>
+                          </a:rPr>
+                          <m:t>𝑖</m:t>
+                        </m:r>
+                        <m:r>
+                          <a:rPr lang="en-US" altLang="zh-CN" sz="1400" i="1">
+                            <a:latin typeface="Cambria Math" panose="02040503050406030204" charset="0"/>
+                            <a:ea typeface="MS Mincho" panose="02020609040205080304" charset="-128"/>
+                            <a:cs typeface="Cambria Math" panose="02040503050406030204" charset="0"/>
+                          </a:rPr>
+                          <m:t>)</m:t>
+                        </m:r>
+                      </m:sup>
+                    </m:sSup>
+                    <m:r>
+                      <a:rPr lang="en-US" altLang="zh-CN" sz="1400" i="1">
+                        <a:latin typeface="Cambria Math" panose="02040503050406030204" charset="0"/>
+                        <a:ea typeface="MS Mincho" panose="02020609040205080304" charset="-128"/>
+                        <a:cs typeface="Cambria Math" panose="02040503050406030204" charset="0"/>
+                      </a:rPr>
+                      <m:t>}</m:t>
+                    </m:r>
+                  </m:oMath>
+                </a14:m>
+                <a:endParaRPr lang="en-US" altLang="zh-CN" sz="1400" i="1">
+                  <a:latin typeface="宋体" panose="02010600030101010101" pitchFamily="2" charset="-122"/>
+                  <a:ea typeface="宋体" panose="02010600030101010101" pitchFamily="2" charset="-122"/>
+                  <a:cs typeface="宋体" panose="02010600030101010101" pitchFamily="2" charset="-122"/>
+                </a:endParaRPr>
+              </a:p>
+            </p:txBody>
+          </p:sp>
+        </mc:Choice>
+        <mc:Fallback>
+          <p:sp>
+            <p:nvSpPr>
+              <p:cNvPr id="39" name="文本框 38"/>
+              <p:cNvSpPr txBox="1">
+                <a:spLocks noRot="1" noChangeAspect="1" noMove="1" noResize="1" noEditPoints="1" noAdjustHandles="1" noChangeArrowheads="1" noChangeShapeType="1" noTextEdit="1"/>
+              </p:cNvSpPr>
+              <p:nvPr/>
+            </p:nvSpPr>
+            <p:spPr>
+              <a:xfrm>
+                <a:off x="781685" y="5142230"/>
+                <a:ext cx="3897630" cy="309880"/>
+              </a:xfrm>
+              <a:prstGeom prst="rect">
+                <a:avLst/>
+              </a:prstGeom>
+              <a:blipFill rotWithShape="1">
+                <a:blip r:embed="rId1"/>
+                <a:stretch>
+                  <a:fillRect/>
+                </a:stretch>
+              </a:blipFill>
+            </p:spPr>
+            <p:txBody>
+              <a:bodyPr/>
+              <a:lstStyle/>
+              <a:p>
+                <a:r>
+                  <a:rPr lang="zh-CN" altLang="en-US">
+                    <a:noFill/>
+                  </a:rPr>
+                  <a:t> </a:t>
+                </a:r>
+              </a:p>
+            </p:txBody>
+          </p:sp>
+        </mc:Fallback>
+      </mc:AlternateContent>
+      <p:grpSp>
+        <p:nvGrpSpPr>
+          <p:cNvPr id="53" name="组合 52"/>
+          <p:cNvGrpSpPr/>
+          <p:nvPr/>
+        </p:nvGrpSpPr>
+        <p:grpSpPr>
+          <a:xfrm>
+            <a:off x="3373755" y="3068320"/>
+            <a:ext cx="1322705" cy="1096010"/>
+            <a:chOff x="5829" y="4166"/>
+            <a:chExt cx="2083" cy="1726"/>
+          </a:xfrm>
+        </p:grpSpPr>
+        <p:sp>
+          <p:nvSpPr>
+            <p:cNvPr id="70" name="椭圆 69"/>
+            <p:cNvSpPr/>
+            <p:nvPr/>
+          </p:nvSpPr>
+          <p:spPr>
+            <a:xfrm>
+              <a:off x="6628" y="4166"/>
+              <a:ext cx="315" cy="315"/>
+            </a:xfrm>
+            <a:prstGeom prst="ellipse">
+              <a:avLst/>
+            </a:prstGeom>
+            <a:solidFill>
+              <a:srgbClr val="BFBFBF"/>
+            </a:solidFill>
+          </p:spPr>
+          <p:style>
+            <a:lnRef idx="2">
+              <a:schemeClr val="dk1"/>
+            </a:lnRef>
+            <a:fillRef idx="1">
+              <a:schemeClr val="lt1"/>
+            </a:fillRef>
+            <a:effectRef idx="0">
+              <a:schemeClr val="dk1"/>
+            </a:effectRef>
+            <a:fontRef idx="minor">
+              <a:schemeClr val="dk1"/>
+            </a:fontRef>
+          </p:style>
+          <p:txBody>
+            <a:bodyPr rtlCol="0" anchor="ctr"/>
+            <a:lstStyle/>
+            <a:p>
+              <a:pPr algn="ctr"/>
+              <a:r>
+                <a:rPr lang="en-US" altLang="zh-CN" sz="1200" i="1">
+                  <a:solidFill>
+                    <a:schemeClr val="tx1"/>
+                  </a:solidFill>
+                  <a:latin typeface="宋体" panose="02010600030101010101" pitchFamily="2" charset="-122"/>
+                  <a:ea typeface="宋体" panose="02010600030101010101" pitchFamily="2" charset="-122"/>
+                  <a:cs typeface="Times New Roman" panose="02020603050405020304" charset="0"/>
+                </a:rPr>
+                <a:t>a</a:t>
+              </a:r>
+              <a:endParaRPr lang="en-US" altLang="zh-CN" sz="1200" i="1">
+                <a:solidFill>
+                  <a:schemeClr val="tx1"/>
+                </a:solidFill>
+                <a:latin typeface="宋体" panose="02010600030101010101" pitchFamily="2" charset="-122"/>
+                <a:ea typeface="宋体" panose="02010600030101010101" pitchFamily="2" charset="-122"/>
+                <a:cs typeface="Times New Roman" panose="02020603050405020304" charset="0"/>
+              </a:endParaRPr>
+            </a:p>
+          </p:txBody>
+        </p:sp>
+        <p:sp>
+          <p:nvSpPr>
+            <p:cNvPr id="71" name="椭圆 70"/>
+            <p:cNvSpPr/>
+            <p:nvPr/>
+          </p:nvSpPr>
+          <p:spPr>
+            <a:xfrm>
+              <a:off x="6131" y="4581"/>
+              <a:ext cx="315" cy="315"/>
+            </a:xfrm>
+            <a:prstGeom prst="ellipse">
+              <a:avLst/>
+            </a:prstGeom>
+            <a:solidFill>
+              <a:schemeClr val="bg1">
+                <a:lumMod val="75000"/>
+              </a:schemeClr>
+            </a:solidFill>
+            <a:ln>
+              <a:solidFill>
+                <a:schemeClr val="tx1"/>
+              </a:solidFill>
+            </a:ln>
+          </p:spPr>
+          <p:style>
+            <a:lnRef idx="2">
+              <a:schemeClr val="accent1">
+                <a:shade val="50000"/>
+              </a:schemeClr>
+            </a:lnRef>
+            <a:fillRef idx="1">
+              <a:schemeClr val="accent1"/>
+            </a:fillRef>
+            <a:effectRef idx="0">
+              <a:schemeClr val="accent1"/>
+            </a:effectRef>
+            <a:fontRef idx="minor">
+              <a:schemeClr val="lt1"/>
+            </a:fontRef>
+          </p:style>
+          <p:txBody>
+            <a:bodyPr rtlCol="0" anchor="ctr"/>
+            <a:lstStyle/>
+            <a:p>
+              <a:pPr algn="ctr"/>
+              <a:r>
+                <a:rPr lang="en-US" altLang="zh-CN" sz="1200" i="1">
+                  <a:solidFill>
+                    <a:schemeClr val="tx1"/>
+                  </a:solidFill>
+                  <a:latin typeface="宋体" panose="02010600030101010101" pitchFamily="2" charset="-122"/>
+                  <a:ea typeface="宋体" panose="02010600030101010101" pitchFamily="2" charset="-122"/>
+                  <a:cs typeface="Times New Roman" panose="02020603050405020304" charset="0"/>
+                </a:rPr>
+                <a:t>b</a:t>
+              </a:r>
+              <a:endParaRPr lang="en-US" altLang="zh-CN" sz="1200" i="1">
+                <a:solidFill>
+                  <a:schemeClr val="tx1"/>
+                </a:solidFill>
+                <a:latin typeface="宋体" panose="02010600030101010101" pitchFamily="2" charset="-122"/>
+                <a:ea typeface="宋体" panose="02010600030101010101" pitchFamily="2" charset="-122"/>
+                <a:cs typeface="Times New Roman" panose="02020603050405020304" charset="0"/>
+              </a:endParaRPr>
+            </a:p>
+          </p:txBody>
+        </p:sp>
+        <p:sp>
+          <p:nvSpPr>
+            <p:cNvPr id="72" name="椭圆 71"/>
+            <p:cNvSpPr/>
+            <p:nvPr/>
+          </p:nvSpPr>
+          <p:spPr>
+            <a:xfrm>
+              <a:off x="7092" y="4581"/>
+              <a:ext cx="315" cy="315"/>
+            </a:xfrm>
+            <a:prstGeom prst="ellipse">
+              <a:avLst/>
+            </a:prstGeom>
+            <a:solidFill>
+              <a:schemeClr val="bg1">
+                <a:lumMod val="75000"/>
+              </a:schemeClr>
+            </a:solidFill>
+            <a:ln>
+              <a:solidFill>
+                <a:schemeClr val="tx1"/>
+              </a:solidFill>
+            </a:ln>
+          </p:spPr>
+          <p:style>
+            <a:lnRef idx="2">
+              <a:schemeClr val="accent1">
+                <a:shade val="50000"/>
+              </a:schemeClr>
+            </a:lnRef>
+            <a:fillRef idx="1">
+              <a:schemeClr val="accent1"/>
+            </a:fillRef>
+            <a:effectRef idx="0">
+              <a:schemeClr val="accent1"/>
+            </a:effectRef>
+            <a:fontRef idx="minor">
+              <a:schemeClr val="lt1"/>
+            </a:fontRef>
+          </p:style>
+          <p:txBody>
+            <a:bodyPr rtlCol="0" anchor="ctr"/>
+            <a:lstStyle/>
+            <a:p>
+              <a:pPr algn="ctr"/>
+              <a:r>
+                <a:rPr lang="en-US" altLang="zh-CN" sz="1200" i="1">
+                  <a:solidFill>
+                    <a:schemeClr val="tx1"/>
+                  </a:solidFill>
+                  <a:latin typeface="宋体" panose="02010600030101010101" pitchFamily="2" charset="-122"/>
+                  <a:ea typeface="宋体" panose="02010600030101010101" pitchFamily="2" charset="-122"/>
+                  <a:cs typeface="Times New Roman" panose="02020603050405020304" charset="0"/>
+                </a:rPr>
+                <a:t>c</a:t>
+              </a:r>
+              <a:endParaRPr lang="en-US" altLang="zh-CN" sz="1200" i="1">
+                <a:solidFill>
+                  <a:schemeClr val="tx1"/>
+                </a:solidFill>
+                <a:latin typeface="宋体" panose="02010600030101010101" pitchFamily="2" charset="-122"/>
+                <a:ea typeface="宋体" panose="02010600030101010101" pitchFamily="2" charset="-122"/>
+                <a:cs typeface="Times New Roman" panose="02020603050405020304" charset="0"/>
+              </a:endParaRPr>
+            </a:p>
+          </p:txBody>
+        </p:sp>
+        <p:sp>
+          <p:nvSpPr>
+            <p:cNvPr id="77" name="椭圆 76"/>
+            <p:cNvSpPr/>
+            <p:nvPr/>
+          </p:nvSpPr>
+          <p:spPr>
+            <a:xfrm>
+              <a:off x="6234" y="5058"/>
+              <a:ext cx="315" cy="315"/>
+            </a:xfrm>
+            <a:prstGeom prst="ellipse">
+              <a:avLst/>
+            </a:prstGeom>
+            <a:solidFill>
+              <a:schemeClr val="bg1">
+                <a:lumMod val="75000"/>
+              </a:schemeClr>
+            </a:solidFill>
+            <a:ln>
+              <a:solidFill>
+                <a:schemeClr val="tx1"/>
+              </a:solidFill>
+            </a:ln>
+          </p:spPr>
+          <p:style>
+            <a:lnRef idx="2">
+              <a:schemeClr val="accent1">
+                <a:shade val="50000"/>
+              </a:schemeClr>
+            </a:lnRef>
+            <a:fillRef idx="1">
+              <a:schemeClr val="accent1"/>
+            </a:fillRef>
+            <a:effectRef idx="0">
+              <a:schemeClr val="accent1"/>
+            </a:effectRef>
+            <a:fontRef idx="minor">
+              <a:schemeClr val="lt1"/>
+            </a:fontRef>
+          </p:style>
+          <p:txBody>
+            <a:bodyPr rtlCol="0" anchor="ctr"/>
+            <a:lstStyle/>
+            <a:p>
+              <a:pPr algn="ctr"/>
+              <a:r>
+                <a:rPr lang="en-US" altLang="zh-CN" sz="1200" i="1">
+                  <a:solidFill>
+                    <a:schemeClr val="tx1"/>
+                  </a:solidFill>
+                  <a:latin typeface="宋体" panose="02010600030101010101" pitchFamily="2" charset="-122"/>
+                  <a:ea typeface="宋体" panose="02010600030101010101" pitchFamily="2" charset="-122"/>
+                  <a:cs typeface="Times New Roman" panose="02020603050405020304" charset="0"/>
+                </a:rPr>
+                <a:t>e</a:t>
+              </a:r>
+              <a:endParaRPr lang="en-US" altLang="zh-CN" sz="1200" i="1">
+                <a:solidFill>
+                  <a:schemeClr val="tx1"/>
+                </a:solidFill>
+                <a:latin typeface="宋体" panose="02010600030101010101" pitchFamily="2" charset="-122"/>
+                <a:ea typeface="宋体" panose="02010600030101010101" pitchFamily="2" charset="-122"/>
+                <a:cs typeface="Times New Roman" panose="02020603050405020304" charset="0"/>
+              </a:endParaRPr>
+            </a:p>
+          </p:txBody>
+        </p:sp>
+        <p:sp>
+          <p:nvSpPr>
+            <p:cNvPr id="78" name="椭圆 77"/>
+            <p:cNvSpPr/>
+            <p:nvPr/>
+          </p:nvSpPr>
+          <p:spPr>
+            <a:xfrm>
+              <a:off x="7380" y="5058"/>
+              <a:ext cx="315" cy="315"/>
+            </a:xfrm>
+            <a:prstGeom prst="ellipse">
+              <a:avLst/>
+            </a:prstGeom>
+            <a:solidFill>
+              <a:schemeClr val="bg1">
+                <a:lumMod val="75000"/>
+              </a:schemeClr>
+            </a:solidFill>
+            <a:ln>
+              <a:solidFill>
+                <a:schemeClr val="tx1"/>
+              </a:solidFill>
+            </a:ln>
+          </p:spPr>
+          <p:style>
+            <a:lnRef idx="2">
+              <a:schemeClr val="accent1">
+                <a:shade val="50000"/>
+              </a:schemeClr>
+            </a:lnRef>
+            <a:fillRef idx="1">
+              <a:schemeClr val="accent1"/>
+            </a:fillRef>
+            <a:effectRef idx="0">
+              <a:schemeClr val="accent1"/>
+            </a:effectRef>
+            <a:fontRef idx="minor">
+              <a:schemeClr val="lt1"/>
+            </a:fontRef>
+          </p:style>
+          <p:txBody>
+            <a:bodyPr rtlCol="0" anchor="ctr"/>
+            <a:lstStyle/>
+            <a:p>
+              <a:pPr algn="ctr"/>
+              <a:r>
+                <a:rPr lang="en-US" altLang="zh-CN" sz="1200" i="1">
+                  <a:solidFill>
+                    <a:schemeClr val="tx1"/>
+                  </a:solidFill>
+                  <a:latin typeface="宋体" panose="02010600030101010101" pitchFamily="2" charset="-122"/>
+                  <a:ea typeface="宋体" panose="02010600030101010101" pitchFamily="2" charset="-122"/>
+                  <a:cs typeface="Times New Roman" panose="02020603050405020304" charset="0"/>
+                </a:rPr>
+                <a:t>g</a:t>
+              </a:r>
+              <a:endParaRPr lang="en-US" altLang="zh-CN" sz="1200" i="1">
+                <a:solidFill>
+                  <a:schemeClr val="tx1"/>
+                </a:solidFill>
+                <a:latin typeface="宋体" panose="02010600030101010101" pitchFamily="2" charset="-122"/>
+                <a:ea typeface="宋体" panose="02010600030101010101" pitchFamily="2" charset="-122"/>
+                <a:cs typeface="Times New Roman" panose="02020603050405020304" charset="0"/>
+              </a:endParaRPr>
+            </a:p>
+          </p:txBody>
+        </p:sp>
+        <p:sp>
+          <p:nvSpPr>
+            <p:cNvPr id="80" name="矩形 79"/>
+            <p:cNvSpPr/>
+            <p:nvPr/>
+          </p:nvSpPr>
+          <p:spPr>
+            <a:xfrm>
+              <a:off x="5829" y="5079"/>
+              <a:ext cx="293" cy="293"/>
+            </a:xfrm>
+            <a:prstGeom prst="rect">
+              <a:avLst/>
+            </a:prstGeom>
+            <a:solidFill>
+              <a:srgbClr val="FFC000"/>
+            </a:solidFill>
+            <a:ln>
+              <a:solidFill>
+                <a:schemeClr val="tx1"/>
+              </a:solidFill>
+            </a:ln>
+          </p:spPr>
+          <p:style>
+            <a:lnRef idx="2">
+              <a:schemeClr val="accent1">
+                <a:shade val="50000"/>
+              </a:schemeClr>
+            </a:lnRef>
+            <a:fillRef idx="1">
+              <a:schemeClr val="accent1"/>
+            </a:fillRef>
+            <a:effectRef idx="0">
+              <a:schemeClr val="accent1"/>
+            </a:effectRef>
+            <a:fontRef idx="minor">
+              <a:schemeClr val="lt1"/>
+            </a:fontRef>
+          </p:style>
+          <p:txBody>
+            <a:bodyPr rtlCol="0" anchor="ctr"/>
+            <a:lstStyle/>
+            <a:p>
+              <a:pPr algn="ctr"/>
+              <a:r>
+                <a:rPr lang="en-US" altLang="zh-CN" sz="1200" i="1">
+                  <a:solidFill>
+                    <a:schemeClr val="tx1"/>
+                  </a:solidFill>
+                  <a:latin typeface="宋体" panose="02010600030101010101" pitchFamily="2" charset="-122"/>
+                  <a:ea typeface="宋体" panose="02010600030101010101" pitchFamily="2" charset="-122"/>
+                  <a:cs typeface="Times New Roman" panose="02020603050405020304" charset="0"/>
+                </a:rPr>
+                <a:t>d</a:t>
+              </a:r>
+              <a:endParaRPr lang="en-US" altLang="zh-CN" sz="1200" i="1">
+                <a:solidFill>
+                  <a:schemeClr val="tx1"/>
+                </a:solidFill>
+                <a:latin typeface="宋体" panose="02010600030101010101" pitchFamily="2" charset="-122"/>
+                <a:ea typeface="宋体" panose="02010600030101010101" pitchFamily="2" charset="-122"/>
+                <a:cs typeface="Times New Roman" panose="02020603050405020304" charset="0"/>
+              </a:endParaRPr>
+            </a:p>
+          </p:txBody>
+        </p:sp>
+        <p:sp>
+          <p:nvSpPr>
+            <p:cNvPr id="81" name="矩形 80"/>
+            <p:cNvSpPr/>
+            <p:nvPr/>
+          </p:nvSpPr>
+          <p:spPr>
+            <a:xfrm>
+              <a:off x="6975" y="5079"/>
+              <a:ext cx="293" cy="293"/>
+            </a:xfrm>
+            <a:prstGeom prst="rect">
+              <a:avLst/>
+            </a:prstGeom>
+            <a:solidFill>
+              <a:srgbClr val="FFC000"/>
+            </a:solidFill>
+            <a:ln>
+              <a:solidFill>
+                <a:schemeClr val="tx1"/>
+              </a:solidFill>
+            </a:ln>
+          </p:spPr>
+          <p:style>
+            <a:lnRef idx="2">
+              <a:schemeClr val="accent1">
+                <a:shade val="50000"/>
+              </a:schemeClr>
+            </a:lnRef>
+            <a:fillRef idx="1">
+              <a:schemeClr val="accent1"/>
+            </a:fillRef>
+            <a:effectRef idx="0">
+              <a:schemeClr val="accent1"/>
+            </a:effectRef>
+            <a:fontRef idx="minor">
+              <a:schemeClr val="lt1"/>
+            </a:fontRef>
+          </p:style>
+          <p:txBody>
+            <a:bodyPr rtlCol="0" anchor="ctr"/>
+            <a:lstStyle/>
+            <a:p>
+              <a:pPr algn="ctr"/>
+              <a:r>
+                <a:rPr lang="en-US" altLang="zh-CN" sz="1200" i="1">
+                  <a:solidFill>
+                    <a:schemeClr val="tx1"/>
+                  </a:solidFill>
+                  <a:latin typeface="宋体" panose="02010600030101010101" pitchFamily="2" charset="-122"/>
+                  <a:ea typeface="宋体" panose="02010600030101010101" pitchFamily="2" charset="-122"/>
+                  <a:cs typeface="Times New Roman" panose="02020603050405020304" charset="0"/>
+                </a:rPr>
+                <a:t>f</a:t>
+              </a:r>
+              <a:endParaRPr lang="en-US" altLang="zh-CN" sz="1200" i="1">
+                <a:solidFill>
+                  <a:schemeClr val="tx1"/>
+                </a:solidFill>
+                <a:latin typeface="宋体" panose="02010600030101010101" pitchFamily="2" charset="-122"/>
+                <a:ea typeface="宋体" panose="02010600030101010101" pitchFamily="2" charset="-122"/>
+                <a:cs typeface="Times New Roman" panose="02020603050405020304" charset="0"/>
+              </a:endParaRPr>
+            </a:p>
+          </p:txBody>
+        </p:sp>
+        <p:sp>
+          <p:nvSpPr>
+            <p:cNvPr id="82" name="矩形 81"/>
+            <p:cNvSpPr/>
+            <p:nvPr/>
+          </p:nvSpPr>
+          <p:spPr>
+            <a:xfrm>
+              <a:off x="6029" y="5600"/>
+              <a:ext cx="293" cy="293"/>
+            </a:xfrm>
+            <a:prstGeom prst="rect">
+              <a:avLst/>
+            </a:prstGeom>
+            <a:solidFill>
+              <a:srgbClr val="FFC000"/>
+            </a:solidFill>
+            <a:ln>
+              <a:solidFill>
+                <a:schemeClr val="tx1"/>
+              </a:solidFill>
+            </a:ln>
+          </p:spPr>
+          <p:style>
+            <a:lnRef idx="2">
+              <a:schemeClr val="accent1">
+                <a:shade val="50000"/>
+              </a:schemeClr>
+            </a:lnRef>
+            <a:fillRef idx="1">
+              <a:schemeClr val="accent1"/>
+            </a:fillRef>
+            <a:effectRef idx="0">
+              <a:schemeClr val="accent1"/>
+            </a:effectRef>
+            <a:fontRef idx="minor">
+              <a:schemeClr val="lt1"/>
+            </a:fontRef>
+          </p:style>
+          <p:txBody>
+            <a:bodyPr rtlCol="0" anchor="ctr"/>
+            <a:lstStyle/>
+            <a:p>
+              <a:pPr algn="ctr"/>
+              <a:r>
+                <a:rPr lang="en-US" altLang="zh-CN" sz="1200" i="1">
+                  <a:solidFill>
+                    <a:schemeClr val="tx1"/>
+                  </a:solidFill>
+                  <a:latin typeface="宋体" panose="02010600030101010101" pitchFamily="2" charset="-122"/>
+                  <a:ea typeface="宋体" panose="02010600030101010101" pitchFamily="2" charset="-122"/>
+                  <a:cs typeface="Times New Roman" panose="02020603050405020304" charset="0"/>
+                </a:rPr>
+                <a:t>h</a:t>
+              </a:r>
+              <a:endParaRPr lang="en-US" altLang="zh-CN" sz="1200" i="1">
+                <a:solidFill>
+                  <a:schemeClr val="tx1"/>
+                </a:solidFill>
+                <a:latin typeface="宋体" panose="02010600030101010101" pitchFamily="2" charset="-122"/>
+                <a:ea typeface="宋体" panose="02010600030101010101" pitchFamily="2" charset="-122"/>
+                <a:cs typeface="Times New Roman" panose="02020603050405020304" charset="0"/>
+              </a:endParaRPr>
+            </a:p>
+          </p:txBody>
+        </p:sp>
+        <p:sp>
+          <p:nvSpPr>
+            <p:cNvPr id="83" name="矩形 82"/>
+            <p:cNvSpPr/>
+            <p:nvPr/>
+          </p:nvSpPr>
+          <p:spPr>
+            <a:xfrm>
+              <a:off x="6446" y="5600"/>
+              <a:ext cx="293" cy="293"/>
+            </a:xfrm>
+            <a:prstGeom prst="rect">
+              <a:avLst/>
+            </a:prstGeom>
+            <a:solidFill>
+              <a:srgbClr val="FFC000"/>
+            </a:solidFill>
+            <a:ln>
+              <a:solidFill>
+                <a:schemeClr val="tx1"/>
+              </a:solidFill>
+            </a:ln>
+          </p:spPr>
+          <p:style>
+            <a:lnRef idx="2">
+              <a:schemeClr val="accent1">
+                <a:shade val="50000"/>
+              </a:schemeClr>
+            </a:lnRef>
+            <a:fillRef idx="1">
+              <a:schemeClr val="accent1"/>
+            </a:fillRef>
+            <a:effectRef idx="0">
+              <a:schemeClr val="accent1"/>
+            </a:effectRef>
+            <a:fontRef idx="minor">
+              <a:schemeClr val="lt1"/>
+            </a:fontRef>
+          </p:style>
+          <p:txBody>
+            <a:bodyPr rtlCol="0" anchor="ctr"/>
+            <a:lstStyle/>
+            <a:p>
+              <a:pPr algn="ctr"/>
+              <a:r>
+                <a:rPr lang="en-US" altLang="zh-CN" sz="1200" i="1">
+                  <a:solidFill>
+                    <a:schemeClr val="tx1"/>
+                  </a:solidFill>
+                  <a:latin typeface="宋体" panose="02010600030101010101" pitchFamily="2" charset="-122"/>
+                  <a:ea typeface="宋体" panose="02010600030101010101" pitchFamily="2" charset="-122"/>
+                  <a:cs typeface="Times New Roman" panose="02020603050405020304" charset="0"/>
+                </a:rPr>
+                <a:t>i</a:t>
+              </a:r>
+              <a:endParaRPr lang="en-US" altLang="zh-CN" sz="1200" i="1">
+                <a:solidFill>
+                  <a:schemeClr val="tx1"/>
+                </a:solidFill>
+                <a:latin typeface="宋体" panose="02010600030101010101" pitchFamily="2" charset="-122"/>
+                <a:ea typeface="宋体" panose="02010600030101010101" pitchFamily="2" charset="-122"/>
+                <a:cs typeface="Times New Roman" panose="02020603050405020304" charset="0"/>
+              </a:endParaRPr>
+            </a:p>
+          </p:txBody>
+        </p:sp>
+        <p:sp>
+          <p:nvSpPr>
+            <p:cNvPr id="84" name="矩形 83"/>
+            <p:cNvSpPr/>
+            <p:nvPr/>
+          </p:nvSpPr>
+          <p:spPr>
+            <a:xfrm>
+              <a:off x="7194" y="5600"/>
+              <a:ext cx="293" cy="293"/>
+            </a:xfrm>
+            <a:prstGeom prst="rect">
+              <a:avLst/>
+            </a:prstGeom>
+            <a:solidFill>
+              <a:srgbClr val="FFC000"/>
+            </a:solidFill>
+            <a:ln>
+              <a:solidFill>
+                <a:schemeClr val="tx1"/>
+              </a:solidFill>
+            </a:ln>
+          </p:spPr>
+          <p:style>
+            <a:lnRef idx="2">
+              <a:schemeClr val="accent1">
+                <a:shade val="50000"/>
+              </a:schemeClr>
+            </a:lnRef>
+            <a:fillRef idx="1">
+              <a:schemeClr val="accent1"/>
+            </a:fillRef>
+            <a:effectRef idx="0">
+              <a:schemeClr val="accent1"/>
+            </a:effectRef>
+            <a:fontRef idx="minor">
+              <a:schemeClr val="lt1"/>
+            </a:fontRef>
+          </p:style>
+          <p:txBody>
+            <a:bodyPr rtlCol="0" anchor="ctr"/>
+            <a:lstStyle/>
+            <a:p>
+              <a:pPr algn="ctr"/>
+              <a:r>
+                <a:rPr lang="en-US" altLang="zh-CN" sz="1200" i="1">
+                  <a:solidFill>
+                    <a:schemeClr val="tx1"/>
+                  </a:solidFill>
+                  <a:latin typeface="宋体" panose="02010600030101010101" pitchFamily="2" charset="-122"/>
+                  <a:ea typeface="宋体" panose="02010600030101010101" pitchFamily="2" charset="-122"/>
+                  <a:cs typeface="Times New Roman" panose="02020603050405020304" charset="0"/>
+                </a:rPr>
+                <a:t>j</a:t>
+              </a:r>
+              <a:endParaRPr lang="en-US" altLang="zh-CN" sz="1200" i="1">
+                <a:solidFill>
+                  <a:schemeClr val="tx1"/>
+                </a:solidFill>
+                <a:latin typeface="宋体" panose="02010600030101010101" pitchFamily="2" charset="-122"/>
+                <a:ea typeface="宋体" panose="02010600030101010101" pitchFamily="2" charset="-122"/>
+                <a:cs typeface="Times New Roman" panose="02020603050405020304" charset="0"/>
+              </a:endParaRPr>
+            </a:p>
+          </p:txBody>
+        </p:sp>
+        <p:sp>
+          <p:nvSpPr>
+            <p:cNvPr id="85" name="矩形 84"/>
+            <p:cNvSpPr/>
+            <p:nvPr/>
+          </p:nvSpPr>
+          <p:spPr>
+            <a:xfrm>
+              <a:off x="7620" y="5600"/>
+              <a:ext cx="293" cy="293"/>
+            </a:xfrm>
+            <a:prstGeom prst="rect">
+              <a:avLst/>
+            </a:prstGeom>
+            <a:solidFill>
+              <a:srgbClr val="FFC000"/>
+            </a:solidFill>
+            <a:ln>
+              <a:solidFill>
+                <a:schemeClr val="tx1"/>
+              </a:solidFill>
+            </a:ln>
+          </p:spPr>
+          <p:style>
+            <a:lnRef idx="2">
+              <a:schemeClr val="accent1">
+                <a:shade val="50000"/>
+              </a:schemeClr>
+            </a:lnRef>
+            <a:fillRef idx="1">
+              <a:schemeClr val="accent1"/>
+            </a:fillRef>
+            <a:effectRef idx="0">
+              <a:schemeClr val="accent1"/>
+            </a:effectRef>
+            <a:fontRef idx="minor">
+              <a:schemeClr val="lt1"/>
+            </a:fontRef>
+          </p:style>
+          <p:txBody>
+            <a:bodyPr rtlCol="0" anchor="ctr"/>
+            <a:lstStyle/>
+            <a:p>
+              <a:pPr algn="ctr"/>
+              <a:r>
+                <a:rPr lang="en-US" altLang="zh-CN" sz="1200" i="1">
+                  <a:solidFill>
+                    <a:schemeClr val="tx1"/>
+                  </a:solidFill>
+                  <a:latin typeface="宋体" panose="02010600030101010101" pitchFamily="2" charset="-122"/>
+                  <a:ea typeface="宋体" panose="02010600030101010101" pitchFamily="2" charset="-122"/>
+                  <a:cs typeface="Times New Roman" panose="02020603050405020304" charset="0"/>
+                </a:rPr>
+                <a:t>k</a:t>
+              </a:r>
+              <a:endParaRPr lang="en-US" altLang="zh-CN" sz="1200" i="1">
+                <a:solidFill>
+                  <a:schemeClr val="tx1"/>
+                </a:solidFill>
+                <a:latin typeface="宋体" panose="02010600030101010101" pitchFamily="2" charset="-122"/>
+                <a:ea typeface="宋体" panose="02010600030101010101" pitchFamily="2" charset="-122"/>
+                <a:cs typeface="Times New Roman" panose="02020603050405020304" charset="0"/>
+              </a:endParaRPr>
+            </a:p>
+          </p:txBody>
+        </p:sp>
+        <p:cxnSp>
+          <p:nvCxnSpPr>
+            <p:cNvPr id="86" name="直接箭头连接符 85"/>
+            <p:cNvCxnSpPr>
+              <a:stCxn id="70" idx="4"/>
+              <a:endCxn id="71" idx="0"/>
+            </p:cNvCxnSpPr>
+            <p:nvPr/>
+          </p:nvCxnSpPr>
+          <p:spPr>
+            <a:xfrm flipH="1">
+              <a:off x="6289" y="4481"/>
+              <a:ext cx="496" cy="100"/>
+            </a:xfrm>
+            <a:prstGeom prst="straightConnector1">
+              <a:avLst/>
+            </a:prstGeom>
+            <a:solidFill>
+              <a:srgbClr val="00B0F0"/>
+            </a:solidFill>
+            <a:ln>
+              <a:solidFill>
+                <a:schemeClr val="tx1"/>
+              </a:solidFill>
+              <a:headEnd type="none"/>
+              <a:tailEnd type="triangle" w="med" len="med"/>
+            </a:ln>
+          </p:spPr>
+          <p:style>
+            <a:lnRef idx="1">
+              <a:schemeClr val="accent1"/>
+            </a:lnRef>
+            <a:fillRef idx="0">
+              <a:schemeClr val="accent1"/>
+            </a:fillRef>
+            <a:effectRef idx="0">
+              <a:schemeClr val="accent1"/>
+            </a:effectRef>
+            <a:fontRef idx="minor">
+              <a:schemeClr val="tx1"/>
+            </a:fontRef>
+          </p:style>
+        </p:cxnSp>
+        <p:cxnSp>
+          <p:nvCxnSpPr>
+            <p:cNvPr id="87" name="直接箭头连接符 86"/>
+            <p:cNvCxnSpPr>
+              <a:stCxn id="70" idx="4"/>
+              <a:endCxn id="72" idx="0"/>
+            </p:cNvCxnSpPr>
+            <p:nvPr/>
+          </p:nvCxnSpPr>
+          <p:spPr>
+            <a:xfrm>
+              <a:off x="6785" y="4481"/>
+              <a:ext cx="464" cy="100"/>
+            </a:xfrm>
+            <a:prstGeom prst="straightConnector1">
+              <a:avLst/>
+            </a:prstGeom>
+            <a:solidFill>
+              <a:srgbClr val="00B0F0"/>
+            </a:solidFill>
+            <a:ln>
+              <a:solidFill>
+                <a:schemeClr val="tx1"/>
+              </a:solidFill>
+              <a:headEnd type="none"/>
+              <a:tailEnd type="triangle" w="med" len="med"/>
+            </a:ln>
+          </p:spPr>
+          <p:style>
+            <a:lnRef idx="1">
+              <a:schemeClr val="accent1"/>
+            </a:lnRef>
+            <a:fillRef idx="0">
+              <a:schemeClr val="accent1"/>
+            </a:fillRef>
+            <a:effectRef idx="0">
+              <a:schemeClr val="accent1"/>
+            </a:effectRef>
+            <a:fontRef idx="minor">
+              <a:schemeClr val="tx1"/>
+            </a:fontRef>
+          </p:style>
+        </p:cxnSp>
+        <p:cxnSp>
+          <p:nvCxnSpPr>
+            <p:cNvPr id="88" name="直接箭头连接符 87"/>
+            <p:cNvCxnSpPr>
+              <a:stCxn id="71" idx="4"/>
+              <a:endCxn id="80" idx="0"/>
+            </p:cNvCxnSpPr>
+            <p:nvPr/>
+          </p:nvCxnSpPr>
+          <p:spPr>
+            <a:xfrm flipH="1">
+              <a:off x="5976" y="4895"/>
+              <a:ext cx="313" cy="184"/>
+            </a:xfrm>
+            <a:prstGeom prst="straightConnector1">
+              <a:avLst/>
+            </a:prstGeom>
+            <a:solidFill>
+              <a:schemeClr val="accent3">
+                <a:lumMod val="75000"/>
+              </a:schemeClr>
+            </a:solidFill>
+            <a:ln>
+              <a:solidFill>
+                <a:schemeClr val="tx1"/>
+              </a:solidFill>
+              <a:headEnd type="none"/>
+              <a:tailEnd type="triangle" w="med" len="med"/>
+            </a:ln>
+          </p:spPr>
+          <p:style>
+            <a:lnRef idx="1">
+              <a:schemeClr val="accent1"/>
+            </a:lnRef>
+            <a:fillRef idx="0">
+              <a:schemeClr val="accent1"/>
+            </a:fillRef>
+            <a:effectRef idx="0">
+              <a:schemeClr val="accent1"/>
+            </a:effectRef>
+            <a:fontRef idx="minor">
+              <a:schemeClr val="tx1"/>
+            </a:fontRef>
+          </p:style>
+        </p:cxnSp>
+        <p:cxnSp>
+          <p:nvCxnSpPr>
+            <p:cNvPr id="89" name="直接箭头连接符 88"/>
+            <p:cNvCxnSpPr>
+              <a:stCxn id="71" idx="4"/>
+              <a:endCxn id="77" idx="0"/>
+            </p:cNvCxnSpPr>
+            <p:nvPr/>
+          </p:nvCxnSpPr>
+          <p:spPr>
+            <a:xfrm>
+              <a:off x="6289" y="4895"/>
+              <a:ext cx="103" cy="162"/>
+            </a:xfrm>
+            <a:prstGeom prst="straightConnector1">
+              <a:avLst/>
+            </a:prstGeom>
+            <a:solidFill>
+              <a:srgbClr val="00B0F0"/>
+            </a:solidFill>
+            <a:ln>
+              <a:solidFill>
+                <a:schemeClr val="tx1"/>
+              </a:solidFill>
+              <a:headEnd type="none"/>
+              <a:tailEnd type="triangle" w="med" len="med"/>
+            </a:ln>
+          </p:spPr>
+          <p:style>
+            <a:lnRef idx="1">
+              <a:schemeClr val="accent1"/>
+            </a:lnRef>
+            <a:fillRef idx="0">
+              <a:schemeClr val="accent1"/>
+            </a:fillRef>
+            <a:effectRef idx="0">
+              <a:schemeClr val="accent1"/>
+            </a:effectRef>
+            <a:fontRef idx="minor">
+              <a:schemeClr val="tx1"/>
+            </a:fontRef>
+          </p:style>
+        </p:cxnSp>
+        <p:cxnSp>
+          <p:nvCxnSpPr>
+            <p:cNvPr id="90" name="直接箭头连接符 89"/>
+            <p:cNvCxnSpPr>
+              <a:stCxn id="72" idx="4"/>
+              <a:endCxn id="81" idx="0"/>
+            </p:cNvCxnSpPr>
+            <p:nvPr/>
+          </p:nvCxnSpPr>
+          <p:spPr>
+            <a:xfrm flipH="1">
+              <a:off x="7122" y="4895"/>
+              <a:ext cx="127" cy="184"/>
+            </a:xfrm>
+            <a:prstGeom prst="straightConnector1">
+              <a:avLst/>
+            </a:prstGeom>
+            <a:solidFill>
+              <a:srgbClr val="00B0F0"/>
+            </a:solidFill>
+            <a:ln>
+              <a:solidFill>
+                <a:schemeClr val="tx1"/>
+              </a:solidFill>
+              <a:headEnd type="none"/>
+              <a:tailEnd type="triangle" w="med" len="med"/>
+            </a:ln>
+          </p:spPr>
+          <p:style>
+            <a:lnRef idx="1">
+              <a:schemeClr val="accent1"/>
+            </a:lnRef>
+            <a:fillRef idx="0">
+              <a:schemeClr val="accent1"/>
+            </a:fillRef>
+            <a:effectRef idx="0">
+              <a:schemeClr val="accent1"/>
+            </a:effectRef>
+            <a:fontRef idx="minor">
+              <a:schemeClr val="tx1"/>
+            </a:fontRef>
+          </p:style>
+        </p:cxnSp>
+        <p:cxnSp>
+          <p:nvCxnSpPr>
+            <p:cNvPr id="91" name="直接箭头连接符 90"/>
+            <p:cNvCxnSpPr>
+              <a:stCxn id="72" idx="4"/>
+              <a:endCxn id="78" idx="0"/>
+            </p:cNvCxnSpPr>
+            <p:nvPr/>
+          </p:nvCxnSpPr>
+          <p:spPr>
+            <a:xfrm>
+              <a:off x="7249" y="4895"/>
+              <a:ext cx="288" cy="162"/>
+            </a:xfrm>
+            <a:prstGeom prst="straightConnector1">
+              <a:avLst/>
+            </a:prstGeom>
+            <a:solidFill>
+              <a:srgbClr val="00B0F0"/>
+            </a:solidFill>
+            <a:ln>
+              <a:solidFill>
+                <a:schemeClr val="tx1"/>
+              </a:solidFill>
+              <a:headEnd type="none"/>
+              <a:tailEnd type="triangle" w="med" len="med"/>
+            </a:ln>
+          </p:spPr>
+          <p:style>
+            <a:lnRef idx="1">
+              <a:schemeClr val="accent1"/>
+            </a:lnRef>
+            <a:fillRef idx="0">
+              <a:schemeClr val="accent1"/>
+            </a:fillRef>
+            <a:effectRef idx="0">
+              <a:schemeClr val="accent1"/>
+            </a:effectRef>
+            <a:fontRef idx="minor">
+              <a:schemeClr val="tx1"/>
+            </a:fontRef>
+          </p:style>
+        </p:cxnSp>
+        <p:cxnSp>
+          <p:nvCxnSpPr>
+            <p:cNvPr id="92" name="直接箭头连接符 91"/>
+            <p:cNvCxnSpPr>
+              <a:stCxn id="77" idx="4"/>
+              <a:endCxn id="82" idx="0"/>
+            </p:cNvCxnSpPr>
+            <p:nvPr/>
+          </p:nvCxnSpPr>
+          <p:spPr>
+            <a:xfrm flipH="1">
+              <a:off x="6176" y="5372"/>
+              <a:ext cx="216" cy="227"/>
+            </a:xfrm>
+            <a:prstGeom prst="straightConnector1">
+              <a:avLst/>
+            </a:prstGeom>
+            <a:solidFill>
+              <a:schemeClr val="bg1">
+                <a:lumMod val="75000"/>
+              </a:schemeClr>
+            </a:solidFill>
+            <a:ln>
+              <a:solidFill>
+                <a:schemeClr val="tx1"/>
+              </a:solidFill>
+              <a:headEnd type="none"/>
+              <a:tailEnd type="triangle" w="med" len="med"/>
+            </a:ln>
+          </p:spPr>
+          <p:style>
+            <a:lnRef idx="1">
+              <a:schemeClr val="accent1"/>
+            </a:lnRef>
+            <a:fillRef idx="0">
+              <a:schemeClr val="accent1"/>
+            </a:fillRef>
+            <a:effectRef idx="0">
+              <a:schemeClr val="accent1"/>
+            </a:effectRef>
+            <a:fontRef idx="minor">
+              <a:schemeClr val="tx1"/>
+            </a:fontRef>
+          </p:style>
+        </p:cxnSp>
+        <p:cxnSp>
+          <p:nvCxnSpPr>
+            <p:cNvPr id="93" name="直接箭头连接符 92"/>
+            <p:cNvCxnSpPr>
+              <a:stCxn id="77" idx="4"/>
+              <a:endCxn id="83" idx="0"/>
+            </p:cNvCxnSpPr>
+            <p:nvPr/>
+          </p:nvCxnSpPr>
+          <p:spPr>
+            <a:xfrm>
+              <a:off x="6392" y="5372"/>
+              <a:ext cx="201" cy="227"/>
+            </a:xfrm>
+            <a:prstGeom prst="straightConnector1">
+              <a:avLst/>
+            </a:prstGeom>
+            <a:solidFill>
+              <a:schemeClr val="bg1">
+                <a:lumMod val="75000"/>
+              </a:schemeClr>
+            </a:solidFill>
+            <a:ln>
+              <a:solidFill>
+                <a:schemeClr val="tx1"/>
+              </a:solidFill>
+              <a:headEnd type="none"/>
+              <a:tailEnd type="triangle" w="med" len="med"/>
+            </a:ln>
+          </p:spPr>
+          <p:style>
+            <a:lnRef idx="1">
+              <a:schemeClr val="accent1"/>
+            </a:lnRef>
+            <a:fillRef idx="0">
+              <a:schemeClr val="accent1"/>
+            </a:fillRef>
+            <a:effectRef idx="0">
+              <a:schemeClr val="accent1"/>
+            </a:effectRef>
+            <a:fontRef idx="minor">
+              <a:schemeClr val="tx1"/>
+            </a:fontRef>
+          </p:style>
+        </p:cxnSp>
+        <p:cxnSp>
+          <p:nvCxnSpPr>
+            <p:cNvPr id="94" name="直接箭头连接符 93"/>
+            <p:cNvCxnSpPr>
+              <a:stCxn id="78" idx="4"/>
+              <a:endCxn id="84" idx="0"/>
+            </p:cNvCxnSpPr>
+            <p:nvPr/>
+          </p:nvCxnSpPr>
+          <p:spPr>
+            <a:xfrm flipH="1">
+              <a:off x="7341" y="5372"/>
+              <a:ext cx="196" cy="227"/>
+            </a:xfrm>
+            <a:prstGeom prst="straightConnector1">
+              <a:avLst/>
+            </a:prstGeom>
+            <a:solidFill>
+              <a:schemeClr val="bg1">
+                <a:lumMod val="75000"/>
+              </a:schemeClr>
+            </a:solidFill>
+            <a:ln>
+              <a:solidFill>
+                <a:schemeClr val="tx1"/>
+              </a:solidFill>
+              <a:headEnd type="none"/>
+              <a:tailEnd type="triangle" w="med" len="med"/>
+            </a:ln>
+          </p:spPr>
+          <p:style>
+            <a:lnRef idx="1">
+              <a:schemeClr val="accent1"/>
+            </a:lnRef>
+            <a:fillRef idx="0">
+              <a:schemeClr val="accent1"/>
+            </a:fillRef>
+            <a:effectRef idx="0">
+              <a:schemeClr val="accent1"/>
+            </a:effectRef>
+            <a:fontRef idx="minor">
+              <a:schemeClr val="tx1"/>
+            </a:fontRef>
+          </p:style>
+        </p:cxnSp>
+        <p:cxnSp>
+          <p:nvCxnSpPr>
+            <p:cNvPr id="95" name="直接箭头连接符 94"/>
+            <p:cNvCxnSpPr>
+              <a:stCxn id="78" idx="4"/>
+              <a:endCxn id="85" idx="0"/>
+            </p:cNvCxnSpPr>
+            <p:nvPr/>
+          </p:nvCxnSpPr>
+          <p:spPr>
+            <a:xfrm>
+              <a:off x="7537" y="5372"/>
+              <a:ext cx="229" cy="227"/>
+            </a:xfrm>
+            <a:prstGeom prst="straightConnector1">
+              <a:avLst/>
+            </a:prstGeom>
+            <a:solidFill>
+              <a:schemeClr val="bg1">
+                <a:lumMod val="75000"/>
+              </a:schemeClr>
+            </a:solidFill>
+            <a:ln>
+              <a:solidFill>
+                <a:schemeClr val="tx1"/>
+              </a:solidFill>
+              <a:headEnd type="none"/>
+              <a:tailEnd type="triangle" w="med" len="med"/>
+            </a:ln>
+          </p:spPr>
+          <p:style>
+            <a:lnRef idx="1">
+              <a:schemeClr val="accent1"/>
+            </a:lnRef>
+            <a:fillRef idx="0">
+              <a:schemeClr val="accent1"/>
+            </a:fillRef>
+            <a:effectRef idx="0">
+              <a:schemeClr val="accent1"/>
+            </a:effectRef>
+            <a:fontRef idx="minor">
+              <a:schemeClr val="tx1"/>
+            </a:fontRef>
+          </p:style>
+        </p:cxnSp>
+      </p:grpSp>
+      <p:sp>
+        <p:nvSpPr>
+          <p:cNvPr id="46" name="文本框 45"/>
+          <p:cNvSpPr txBox="1"/>
+          <p:nvPr/>
+        </p:nvSpPr>
+        <p:spPr>
+          <a:xfrm>
+            <a:off x="2913063" y="3057843"/>
+            <a:ext cx="398145" cy="1158240"/>
+          </a:xfrm>
+          <a:prstGeom prst="rect">
+            <a:avLst/>
+          </a:prstGeom>
+          <a:noFill/>
+        </p:spPr>
+        <p:txBody>
+          <a:bodyPr vert="eaVert" wrap="none" rtlCol="0">
+            <a:spAutoFit/>
+          </a:bodyPr>
+          <a:lstStyle/>
+          <a:p>
+            <a:pPr algn="ctr"/>
+            <a:r>
+              <a:rPr lang="zh-CN" altLang="en-US" sz="1400">
+                <a:latin typeface="宋体" panose="02010600030101010101" pitchFamily="2" charset="-122"/>
+                <a:ea typeface="宋体" panose="02010600030101010101" pitchFamily="2" charset="-122"/>
+                <a:cs typeface="Cambria Math" panose="02040503050406030204" charset="0"/>
+              </a:rPr>
+              <a:t>基于树的模型</a:t>
+            </a:r>
+            <a:endParaRPr lang="zh-CN" altLang="en-US" sz="1400">
+              <a:latin typeface="宋体" panose="02010600030101010101" pitchFamily="2" charset="-122"/>
+              <a:ea typeface="宋体" panose="02010600030101010101" pitchFamily="2" charset="-122"/>
+              <a:cs typeface="Cambria Math" panose="02040503050406030204" charset="0"/>
+            </a:endParaRPr>
+          </a:p>
+        </p:txBody>
+      </p:sp>
+      <p:sp>
+        <p:nvSpPr>
+          <p:cNvPr id="47" name="文本框 46"/>
+          <p:cNvSpPr txBox="1"/>
+          <p:nvPr/>
+        </p:nvSpPr>
+        <p:spPr>
+          <a:xfrm>
+            <a:off x="593408" y="3219768"/>
+            <a:ext cx="398145" cy="802640"/>
+          </a:xfrm>
+          <a:prstGeom prst="rect">
+            <a:avLst/>
+          </a:prstGeom>
+          <a:noFill/>
+        </p:spPr>
+        <p:txBody>
+          <a:bodyPr vert="eaVert" wrap="none" rtlCol="0">
+            <a:spAutoFit/>
+          </a:bodyPr>
+          <a:lstStyle/>
+          <a:p>
+            <a:pPr algn="ctr"/>
+            <a:r>
+              <a:rPr lang="zh-CN" altLang="en-US" sz="1400">
+                <a:latin typeface="宋体" panose="02010600030101010101" pitchFamily="2" charset="-122"/>
+                <a:ea typeface="宋体" panose="02010600030101010101" pitchFamily="2" charset="-122"/>
+                <a:cs typeface="Cambria Math" panose="02040503050406030204" charset="0"/>
+              </a:rPr>
+              <a:t>黑盒模型</a:t>
+            </a:r>
+            <a:endParaRPr lang="zh-CN" altLang="en-US" sz="1400">
+              <a:latin typeface="宋体" panose="02010600030101010101" pitchFamily="2" charset="-122"/>
+              <a:ea typeface="宋体" panose="02010600030101010101" pitchFamily="2" charset="-122"/>
+              <a:cs typeface="Cambria Math" panose="02040503050406030204" charset="0"/>
+            </a:endParaRPr>
+          </a:p>
+        </p:txBody>
+      </p:sp>
+      <mc:AlternateContent xmlns:mc="http://schemas.openxmlformats.org/markup-compatibility/2006">
+        <mc:Choice xmlns:a14="http://schemas.microsoft.com/office/drawing/2010/main" Requires="a14">
+          <p:sp>
+            <p:nvSpPr>
+              <p:cNvPr id="49" name="文本框 48"/>
+              <p:cNvSpPr txBox="1"/>
+              <p:nvPr/>
+            </p:nvSpPr>
+            <p:spPr>
+              <a:xfrm>
+                <a:off x="556895" y="2509520"/>
+                <a:ext cx="2047875" cy="309880"/>
+              </a:xfrm>
+              <a:prstGeom prst="rect">
+                <a:avLst/>
+              </a:prstGeom>
+              <a:noFill/>
+            </p:spPr>
+            <p:txBody>
+              <a:bodyPr wrap="none" rtlCol="0">
+                <a:spAutoFit/>
+              </a:bodyPr>
+              <a:lstStyle/>
+              <a:p>
+                <a:pPr algn="ctr"/>
+                <a:r>
+                  <a:rPr lang="zh-CN" altLang="en-US" sz="1400">
+                    <a:latin typeface="宋体" panose="02010600030101010101" pitchFamily="2" charset="-122"/>
+                    <a:ea typeface="宋体" panose="02010600030101010101" pitchFamily="2" charset="-122"/>
+                    <a:cs typeface="宋体" panose="02010600030101010101" pitchFamily="2" charset="-122"/>
+                  </a:rPr>
+                  <a:t>软目标：</a:t>
+                </a:r>
+                <a14:m>
+                  <m:oMath xmlns:m="http://schemas.openxmlformats.org/officeDocument/2006/math">
+                    <m:sSup>
+                      <m:sSupPr>
+                        <m:ctrlPr>
+                          <a:rPr lang="zh-CN" altLang="en-US" sz="1400" i="1">
+                            <a:latin typeface="Cambria Math" panose="02040503050406030204" charset="0"/>
+                            <a:ea typeface="宋体" panose="02010600030101010101" pitchFamily="2" charset="-122"/>
+                            <a:cs typeface="Cambria Math" panose="02040503050406030204" charset="0"/>
+                          </a:rPr>
+                        </m:ctrlPr>
+                      </m:sSupPr>
+                      <m:e>
+                        <m:r>
+                          <a:rPr lang="en-US" altLang="zh-CN" sz="1400" i="1">
+                            <a:latin typeface="Cambria Math" panose="02040503050406030204" charset="0"/>
+                            <a:ea typeface="宋体" panose="02010600030101010101" pitchFamily="2" charset="-122"/>
+                            <a:cs typeface="Cambria Math" panose="02040503050406030204" charset="0"/>
+                          </a:rPr>
+                          <m:t>𝑝</m:t>
+                        </m:r>
+                      </m:e>
+                      <m:sup>
+                        <m:r>
+                          <a:rPr lang="en-US" altLang="zh-CN" sz="1400" i="1">
+                            <a:latin typeface="Cambria Math" panose="02040503050406030204" charset="0"/>
+                            <a:ea typeface="MS Mincho" panose="02020609040205080304" charset="-128"/>
+                            <a:cs typeface="Cambria Math" panose="02040503050406030204" charset="0"/>
+                          </a:rPr>
+                          <m:t>(</m:t>
+                        </m:r>
+                        <m:r>
+                          <a:rPr lang="en-US" altLang="zh-CN" sz="1400" i="1">
+                            <a:latin typeface="Cambria Math" panose="02040503050406030204" charset="0"/>
+                            <a:ea typeface="宋体" panose="02010600030101010101" pitchFamily="2" charset="-122"/>
+                            <a:cs typeface="Cambria Math" panose="02040503050406030204" charset="0"/>
+                          </a:rPr>
+                          <m:t>𝑖</m:t>
+                        </m:r>
+                        <m:r>
+                          <a:rPr lang="en-US" altLang="zh-CN" sz="1400" i="1">
+                            <a:latin typeface="Cambria Math" panose="02040503050406030204" charset="0"/>
+                            <a:ea typeface="MS Mincho" panose="02020609040205080304" charset="-128"/>
+                            <a:cs typeface="Cambria Math" panose="02040503050406030204" charset="0"/>
+                          </a:rPr>
+                          <m:t>)</m:t>
+                        </m:r>
+                      </m:sup>
+                    </m:sSup>
+                    <m:r>
+                      <a:rPr lang="en-US" altLang="zh-CN" sz="1400" i="1">
+                        <a:latin typeface="Cambria Math" panose="02040503050406030204" charset="0"/>
+                        <a:ea typeface="MS Mincho" panose="02020609040205080304" charset="-128"/>
+                        <a:cs typeface="Cambria Math" panose="02040503050406030204" charset="0"/>
+                      </a:rPr>
+                      <m:t>=[</m:t>
+                    </m:r>
+                    <m:r>
+                      <a:rPr lang="en-US" altLang="zh-CN" sz="1400" i="1">
+                        <a:latin typeface="Cambria Math" panose="02040503050406030204" charset="0"/>
+                        <a:ea typeface="MS Mincho" panose="02020609040205080304" charset="-128"/>
+                        <a:cs typeface="Cambria Math" panose="02040503050406030204" charset="0"/>
+                      </a:rPr>
+                      <m:t>0</m:t>
+                    </m:r>
+                    <m:r>
+                      <a:rPr lang="en-US" altLang="zh-CN" sz="1400" i="1">
+                        <a:latin typeface="Cambria Math" panose="02040503050406030204" charset="0"/>
+                        <a:ea typeface="MS Mincho" panose="02020609040205080304" charset="-128"/>
+                        <a:cs typeface="Cambria Math" panose="02040503050406030204" charset="0"/>
+                      </a:rPr>
+                      <m:t>.</m:t>
+                    </m:r>
+                    <m:r>
+                      <a:rPr lang="en-US" altLang="zh-CN" sz="1400" i="1">
+                        <a:latin typeface="Cambria Math" panose="02040503050406030204" charset="0"/>
+                        <a:ea typeface="MS Mincho" panose="02020609040205080304" charset="-128"/>
+                        <a:cs typeface="Cambria Math" panose="02040503050406030204" charset="0"/>
+                      </a:rPr>
+                      <m:t>2</m:t>
+                    </m:r>
+                    <m:r>
+                      <a:rPr lang="en-US" altLang="zh-CN" sz="1400" i="1">
+                        <a:latin typeface="Cambria Math" panose="02040503050406030204" charset="0"/>
+                        <a:ea typeface="MS Mincho" panose="02020609040205080304" charset="-128"/>
+                        <a:cs typeface="Cambria Math" panose="02040503050406030204" charset="0"/>
+                      </a:rPr>
+                      <m:t>, </m:t>
+                    </m:r>
+                    <m:r>
+                      <a:rPr lang="en-US" altLang="zh-CN" sz="1400" i="1">
+                        <a:latin typeface="Cambria Math" panose="02040503050406030204" charset="0"/>
+                        <a:ea typeface="MS Mincho" panose="02020609040205080304" charset="-128"/>
+                        <a:cs typeface="Cambria Math" panose="02040503050406030204" charset="0"/>
+                      </a:rPr>
+                      <m:t>0</m:t>
+                    </m:r>
+                    <m:r>
+                      <a:rPr lang="en-US" altLang="zh-CN" sz="1400" i="1">
+                        <a:latin typeface="Cambria Math" panose="02040503050406030204" charset="0"/>
+                        <a:ea typeface="MS Mincho" panose="02020609040205080304" charset="-128"/>
+                        <a:cs typeface="Cambria Math" panose="02040503050406030204" charset="0"/>
+                      </a:rPr>
+                      <m:t>.</m:t>
+                    </m:r>
+                    <m:r>
+                      <a:rPr lang="en-US" altLang="zh-CN" sz="1400" i="1">
+                        <a:latin typeface="Cambria Math" panose="02040503050406030204" charset="0"/>
+                        <a:ea typeface="MS Mincho" panose="02020609040205080304" charset="-128"/>
+                        <a:cs typeface="Cambria Math" panose="02040503050406030204" charset="0"/>
+                      </a:rPr>
+                      <m:t>8</m:t>
+                    </m:r>
+                    <m:r>
+                      <a:rPr lang="en-US" altLang="zh-CN" sz="1400" i="1">
+                        <a:latin typeface="Cambria Math" panose="02040503050406030204" charset="0"/>
+                        <a:ea typeface="MS Mincho" panose="02020609040205080304" charset="-128"/>
+                        <a:cs typeface="Cambria Math" panose="02040503050406030204" charset="0"/>
+                      </a:rPr>
+                      <m:t>]</m:t>
+                    </m:r>
+                  </m:oMath>
+                </a14:m>
+                <a:endParaRPr lang="en-US" altLang="zh-CN" sz="1400" i="1">
+                  <a:latin typeface="宋体" panose="02010600030101010101" pitchFamily="2" charset="-122"/>
+                  <a:ea typeface="宋体" panose="02010600030101010101" pitchFamily="2" charset="-122"/>
+                  <a:cs typeface="宋体" panose="02010600030101010101" pitchFamily="2" charset="-122"/>
+                </a:endParaRPr>
+              </a:p>
+            </p:txBody>
+          </p:sp>
+        </mc:Choice>
+        <mc:Fallback>
+          <p:sp>
+            <p:nvSpPr>
+              <p:cNvPr id="49" name="文本框 48"/>
+              <p:cNvSpPr txBox="1">
+                <a:spLocks noRot="1" noChangeAspect="1" noMove="1" noResize="1" noEditPoints="1" noAdjustHandles="1" noChangeArrowheads="1" noChangeShapeType="1" noTextEdit="1"/>
+              </p:cNvSpPr>
+              <p:nvPr/>
+            </p:nvSpPr>
+            <p:spPr>
+              <a:xfrm>
+                <a:off x="556895" y="2509520"/>
+                <a:ext cx="2047875" cy="309880"/>
+              </a:xfrm>
+              <a:prstGeom prst="rect">
+                <a:avLst/>
+              </a:prstGeom>
+              <a:blipFill rotWithShape="1">
+                <a:blip r:embed="rId2"/>
+                <a:stretch>
+                  <a:fillRect r="-620"/>
+                </a:stretch>
+              </a:blipFill>
+            </p:spPr>
+            <p:txBody>
+              <a:bodyPr/>
+              <a:lstStyle/>
+              <a:p>
+                <a:r>
+                  <a:rPr lang="zh-CN" altLang="en-US">
+                    <a:noFill/>
+                  </a:rPr>
+                  <a:t> </a:t>
+                </a:r>
+              </a:p>
+            </p:txBody>
+          </p:sp>
+        </mc:Fallback>
+      </mc:AlternateContent>
+      <p:cxnSp>
+        <p:nvCxnSpPr>
+          <p:cNvPr id="50" name="直接箭头连接符 49"/>
+          <p:cNvCxnSpPr>
+            <a:endCxn id="49" idx="2"/>
+          </p:cNvCxnSpPr>
+          <p:nvPr/>
+        </p:nvCxnSpPr>
+        <p:spPr>
+          <a:xfrm flipH="1" flipV="1">
+            <a:off x="1581150" y="2819400"/>
+            <a:ext cx="635" cy="530225"/>
+          </a:xfrm>
+          <a:prstGeom prst="straightConnector1">
+            <a:avLst/>
+          </a:prstGeom>
+          <a:solidFill>
+            <a:srgbClr val="00B0F0"/>
+          </a:solidFill>
+          <a:ln>
+            <a:solidFill>
+              <a:schemeClr val="tx1"/>
+            </a:solidFill>
+            <a:headEnd type="none"/>
+            <a:tailEnd type="triangle" w="med" len="med"/>
+          </a:ln>
+        </p:spPr>
+        <p:style>
+          <a:lnRef idx="1">
+            <a:schemeClr val="accent1"/>
+          </a:lnRef>
+          <a:fillRef idx="0">
+            <a:schemeClr val="accent1"/>
+          </a:fillRef>
+          <a:effectRef idx="0">
+            <a:schemeClr val="accent1"/>
+          </a:effectRef>
+          <a:fontRef idx="minor">
+            <a:schemeClr val="tx1"/>
+          </a:fontRef>
+        </p:style>
+      </p:cxnSp>
+      <p:sp>
+        <p:nvSpPr>
+          <p:cNvPr id="51" name="圆角矩形 50"/>
+          <p:cNvSpPr/>
+          <p:nvPr/>
+        </p:nvSpPr>
+        <p:spPr>
+          <a:xfrm>
+            <a:off x="3052445" y="1605915"/>
+            <a:ext cx="1967230" cy="954405"/>
+          </a:xfrm>
+          <a:prstGeom prst="roundRect">
+            <a:avLst>
+              <a:gd name="adj" fmla="val 8806"/>
+            </a:avLst>
+          </a:prstGeom>
+          <a:solidFill>
+            <a:srgbClr val="F2F2F2"/>
+          </a:solidFill>
+          <a:ln>
+            <a:noFill/>
+          </a:ln>
+        </p:spPr>
+        <p:style>
+          <a:lnRef idx="2">
+            <a:schemeClr val="accent1">
+              <a:shade val="50000"/>
+            </a:schemeClr>
+          </a:lnRef>
+          <a:fillRef idx="1">
+            <a:schemeClr val="accent1"/>
+          </a:fillRef>
+          <a:effectRef idx="0">
+            <a:schemeClr val="accent1"/>
+          </a:effectRef>
+          <a:fontRef idx="minor">
+            <a:schemeClr val="lt1"/>
+          </a:fontRef>
+        </p:style>
+        <p:txBody>
+          <a:bodyPr rtlCol="0" anchor="ctr"/>
+          <a:lstStyle/>
+          <a:p>
+            <a:pPr algn="ctr"/>
+            <a:endParaRPr lang="en-US" altLang="zh-CN">
+              <a:solidFill>
+                <a:schemeClr val="tx1"/>
+              </a:solidFill>
+              <a:latin typeface="宋体" panose="02010600030101010101" pitchFamily="2" charset="-122"/>
+              <a:ea typeface="宋体" panose="02010600030101010101" pitchFamily="2" charset="-122"/>
+            </a:endParaRPr>
+          </a:p>
+        </p:txBody>
+      </p:sp>
+      <p:cxnSp>
+        <p:nvCxnSpPr>
+          <p:cNvPr id="52" name="肘形连接符 51"/>
+          <p:cNvCxnSpPr>
+            <a:stCxn id="38" idx="3"/>
+            <a:endCxn id="54" idx="2"/>
+          </p:cNvCxnSpPr>
+          <p:nvPr/>
+        </p:nvCxnSpPr>
+        <p:spPr>
+          <a:xfrm flipV="1">
+            <a:off x="3199130" y="4248785"/>
+            <a:ext cx="836295" cy="619125"/>
+          </a:xfrm>
+          <a:prstGeom prst="bentConnector2">
+            <a:avLst/>
+          </a:prstGeom>
+          <a:ln>
+            <a:solidFill>
+              <a:schemeClr val="tx1"/>
+            </a:solidFill>
+            <a:headEnd type="none"/>
+            <a:tailEnd type="triangle" w="med" len="med"/>
+          </a:ln>
+        </p:spPr>
+        <p:style>
+          <a:lnRef idx="1">
+            <a:schemeClr val="accent1"/>
+          </a:lnRef>
+          <a:fillRef idx="0">
+            <a:schemeClr val="accent1"/>
+          </a:fillRef>
+          <a:effectRef idx="0">
+            <a:schemeClr val="accent1"/>
+          </a:effectRef>
+          <a:fontRef idx="minor">
+            <a:schemeClr val="tx1"/>
+          </a:fontRef>
+        </p:style>
+      </p:cxnSp>
+      <mc:AlternateContent xmlns:mc="http://schemas.openxmlformats.org/markup-compatibility/2006" xmlns:a14="http://schemas.microsoft.com/office/drawing/2010/main">
+        <mc:Choice Requires="a14">
+          <p:graphicFrame>
+            <p:nvGraphicFramePr>
+              <p:cNvPr id="55" name="表格 54"/>
+              <p:cNvGraphicFramePr/>
+              <p:nvPr>
+                <p:custDataLst>
+                  <p:tags r:id="rId3"/>
+                </p:custDataLst>
+              </p:nvPr>
+            </p:nvGraphicFramePr>
+            <p:xfrm>
+              <a:off x="3132455" y="2188845"/>
+              <a:ext cx="1807210" cy="309880"/>
+            </p:xfrm>
+            <a:graphic>
+              <a:graphicData uri="http://schemas.openxmlformats.org/drawingml/2006/table">
+                <a:tbl>
+                  <a:tblPr firstRow="1" bandRow="1">
+                    <a:tableStyleId>{5C22544A-7EE6-4342-B048-85BDC9FD1C3A}</a:tableStyleId>
+                  </a:tblPr>
+                  <a:tblGrid>
+                    <a:gridCol w="903605"/>
+                    <a:gridCol w="903605"/>
+                  </a:tblGrid>
+                  <a:tr h="309880">
+                    <a:tc>
+                      <a:txBody>
+                        <a:bodyPr/>
+                        <a:lstStyle/>
+                        <a:p>
+                          <a:pPr algn="ctr">
+                            <a:buNone/>
+                          </a:pPr>
+                          <a:r>
+                            <a:rPr lang="zh-CN" altLang="en-US" sz="1200" b="0">
+                              <a:solidFill>
+                                <a:schemeClr val="tx1"/>
+                              </a:solidFill>
+                              <a:latin typeface="宋体" panose="02010600030101010101" pitchFamily="2" charset="-122"/>
+                              <a:ea typeface="宋体" panose="02010600030101010101" pitchFamily="2" charset="-122"/>
+                              <a:cs typeface="宋体" panose="02010600030101010101" pitchFamily="2" charset="-122"/>
+                              <a:sym typeface="+mn-ea"/>
+                            </a:rPr>
+                            <a:t>软目标</a:t>
+                          </a:r>
+                          <a14:m>
+                            <m:oMath xmlns:m="http://schemas.openxmlformats.org/officeDocument/2006/math">
+                              <m:sSup>
+                                <m:sSupPr>
+                                  <m:ctrlPr>
+                                    <a:rPr lang="zh-CN" altLang="en-US" sz="1200" b="0" i="1">
+                                      <a:solidFill>
+                                        <a:schemeClr val="tx1"/>
+                                      </a:solidFill>
+                                      <a:latin typeface="Cambria Math" panose="02040503050406030204" charset="0"/>
+                                      <a:ea typeface="宋体" panose="02010600030101010101" pitchFamily="2" charset="-122"/>
+                                      <a:cs typeface="Cambria Math" panose="02040503050406030204" charset="0"/>
+                                    </a:rPr>
+                                  </m:ctrlPr>
+                                </m:sSupPr>
+                                <m:e>
+                                  <m:r>
+                                    <a:rPr lang="en-US" altLang="zh-CN" sz="1200" b="0" i="1">
+                                      <a:solidFill>
+                                        <a:schemeClr val="tx1"/>
+                                      </a:solidFill>
+                                      <a:latin typeface="Cambria Math" panose="02040503050406030204" charset="0"/>
+                                      <a:ea typeface="宋体" panose="02010600030101010101" pitchFamily="2" charset="-122"/>
+                                      <a:cs typeface="Cambria Math" panose="02040503050406030204" charset="0"/>
+                                    </a:rPr>
+                                    <m:t>𝑝</m:t>
+                                  </m:r>
+                                </m:e>
+                                <m:sup>
+                                  <m:r>
+                                    <a:rPr lang="en-US" altLang="zh-CN" sz="1200" b="0" i="1">
+                                      <a:solidFill>
+                                        <a:schemeClr val="tx1"/>
+                                      </a:solidFill>
+                                      <a:latin typeface="Cambria Math" panose="02040503050406030204" charset="0"/>
+                                      <a:ea typeface="MS Mincho" panose="02020609040205080304" charset="-128"/>
+                                      <a:cs typeface="Cambria Math" panose="02040503050406030204" charset="0"/>
+                                    </a:rPr>
+                                    <m:t>(</m:t>
+                                  </m:r>
+                                  <m:r>
+                                    <a:rPr lang="en-US" altLang="zh-CN" sz="1200" b="0" i="1">
+                                      <a:solidFill>
+                                        <a:schemeClr val="tx1"/>
+                                      </a:solidFill>
+                                      <a:latin typeface="Cambria Math" panose="02040503050406030204" charset="0"/>
+                                      <a:ea typeface="宋体" panose="02010600030101010101" pitchFamily="2" charset="-122"/>
+                                      <a:cs typeface="Cambria Math" panose="02040503050406030204" charset="0"/>
+                                    </a:rPr>
+                                    <m:t>𝑖</m:t>
+                                  </m:r>
+                                  <m:r>
+                                    <a:rPr lang="en-US" altLang="zh-CN" sz="1200" b="0" i="1">
+                                      <a:solidFill>
+                                        <a:schemeClr val="tx1"/>
+                                      </a:solidFill>
+                                      <a:latin typeface="Cambria Math" panose="02040503050406030204" charset="0"/>
+                                      <a:ea typeface="MS Mincho" panose="02020609040205080304" charset="-128"/>
+                                      <a:cs typeface="Cambria Math" panose="02040503050406030204" charset="0"/>
+                                    </a:rPr>
+                                    <m:t>)</m:t>
+                                  </m:r>
+                                </m:sup>
+                              </m:sSup>
+                            </m:oMath>
+                          </a14:m>
+                          <a:endParaRPr lang="en-US" altLang="zh-CN" sz="1200" b="0" i="1">
+                            <a:solidFill>
+                              <a:schemeClr val="tx1"/>
+                            </a:solidFill>
+                            <a:latin typeface="宋体" panose="02010600030101010101" pitchFamily="2" charset="-122"/>
+                            <a:ea typeface="宋体" panose="02010600030101010101" pitchFamily="2" charset="-122"/>
+                            <a:cs typeface="宋体" panose="02010600030101010101" pitchFamily="2" charset="-122"/>
+                          </a:endParaRPr>
+                        </a:p>
+                      </a:txBody>
+                      <a:tcPr anchor="ctr">
+                        <a:lnL w="12700">
+                          <a:solidFill>
+                            <a:schemeClr val="tx1"/>
+                          </a:solidFill>
+                          <a:prstDash val="solid"/>
+                        </a:lnL>
+                        <a:lnR w="12700">
+                          <a:solidFill>
+                            <a:schemeClr val="tx1"/>
+                          </a:solidFill>
+                          <a:prstDash val="solid"/>
+                        </a:lnR>
+                        <a:lnT w="12700">
+                          <a:solidFill>
+                            <a:schemeClr val="tx1"/>
+                          </a:solidFill>
+                          <a:prstDash val="solid"/>
+                        </a:lnT>
+                        <a:lnB w="12700">
+                          <a:solidFill>
+                            <a:schemeClr val="tx1"/>
+                          </a:solidFill>
+                          <a:prstDash val="solid"/>
+                        </a:lnB>
+                        <a:lnTlToBr>
+                          <a:noFill/>
+                        </a:lnTlToBr>
+                        <a:lnBlToTr>
+                          <a:noFill/>
+                        </a:lnBlToTr>
+                        <a:noFill/>
+                      </a:tcPr>
+                    </a:tc>
+                    <a:tc>
+                      <a:txBody>
+                        <a:bodyPr/>
+                        <a:lstStyle/>
+                        <a:p>
+                          <a:pPr algn="ctr">
+                            <a:buNone/>
+                          </a:pPr>
+                          <a:r>
+                            <a:rPr lang="zh-CN" altLang="en-US" sz="1200" b="0">
+                              <a:solidFill>
+                                <a:schemeClr val="tx1"/>
+                              </a:solidFill>
+                              <a:latin typeface="宋体" panose="02010600030101010101" pitchFamily="2" charset="-122"/>
+                              <a:ea typeface="宋体" panose="02010600030101010101" pitchFamily="2" charset="-122"/>
+                              <a:cs typeface="宋体" panose="02010600030101010101" pitchFamily="2" charset="-122"/>
+                              <a:sym typeface="+mn-ea"/>
+                            </a:rPr>
+                            <a:t>硬目标</a:t>
+                          </a:r>
+                          <a14:m>
+                            <m:oMath xmlns:m="http://schemas.openxmlformats.org/officeDocument/2006/math">
+                              <m:sSup>
+                                <m:sSupPr>
+                                  <m:ctrlPr>
+                                    <a:rPr lang="zh-CN" altLang="en-US" sz="1200" b="0" i="1">
+                                      <a:solidFill>
+                                        <a:schemeClr val="tx1"/>
+                                      </a:solidFill>
+                                      <a:latin typeface="Cambria Math" panose="02040503050406030204" charset="0"/>
+                                      <a:ea typeface="宋体" panose="02010600030101010101" pitchFamily="2" charset="-122"/>
+                                      <a:cs typeface="Cambria Math" panose="02040503050406030204" charset="0"/>
+                                    </a:rPr>
+                                  </m:ctrlPr>
+                                </m:sSupPr>
+                                <m:e>
+                                  <m:r>
+                                    <a:rPr lang="en-US" altLang="zh-CN" sz="1200" b="0" i="1">
+                                      <a:solidFill>
+                                        <a:schemeClr val="tx1"/>
+                                      </a:solidFill>
+                                      <a:latin typeface="Cambria Math" panose="02040503050406030204" charset="0"/>
+                                      <a:ea typeface="宋体" panose="02010600030101010101" pitchFamily="2" charset="-122"/>
+                                      <a:cs typeface="Cambria Math" panose="02040503050406030204" charset="0"/>
+                                    </a:rPr>
+                                    <m:t>𝑦</m:t>
+                                  </m:r>
+                                </m:e>
+                                <m:sup>
+                                  <m:r>
+                                    <a:rPr lang="en-US" altLang="zh-CN" sz="1200" b="0" i="1">
+                                      <a:solidFill>
+                                        <a:schemeClr val="tx1"/>
+                                      </a:solidFill>
+                                      <a:latin typeface="Cambria Math" panose="02040503050406030204" charset="0"/>
+                                      <a:ea typeface="MS Mincho" panose="02020609040205080304" charset="-128"/>
+                                      <a:cs typeface="Cambria Math" panose="02040503050406030204" charset="0"/>
+                                    </a:rPr>
+                                    <m:t>(</m:t>
+                                  </m:r>
+                                  <m:r>
+                                    <a:rPr lang="en-US" altLang="zh-CN" sz="1200" b="0" i="1">
+                                      <a:solidFill>
+                                        <a:schemeClr val="tx1"/>
+                                      </a:solidFill>
+                                      <a:latin typeface="Cambria Math" panose="02040503050406030204" charset="0"/>
+                                      <a:ea typeface="宋体" panose="02010600030101010101" pitchFamily="2" charset="-122"/>
+                                      <a:cs typeface="Cambria Math" panose="02040503050406030204" charset="0"/>
+                                    </a:rPr>
+                                    <m:t>𝑖</m:t>
+                                  </m:r>
+                                  <m:r>
+                                    <a:rPr lang="en-US" altLang="zh-CN" sz="1200" b="0" i="1">
+                                      <a:solidFill>
+                                        <a:schemeClr val="tx1"/>
+                                      </a:solidFill>
+                                      <a:latin typeface="Cambria Math" panose="02040503050406030204" charset="0"/>
+                                      <a:ea typeface="MS Mincho" panose="02020609040205080304" charset="-128"/>
+                                      <a:cs typeface="Cambria Math" panose="02040503050406030204" charset="0"/>
+                                    </a:rPr>
+                                    <m:t>)</m:t>
+                                  </m:r>
+                                </m:sup>
+                              </m:sSup>
+                            </m:oMath>
+                          </a14:m>
+                          <a:endParaRPr lang="en-US" altLang="zh-CN" sz="1200" b="0" i="1">
+                            <a:solidFill>
+                              <a:schemeClr val="tx1"/>
+                            </a:solidFill>
+                            <a:latin typeface="宋体" panose="02010600030101010101" pitchFamily="2" charset="-122"/>
+                            <a:ea typeface="宋体" panose="02010600030101010101" pitchFamily="2" charset="-122"/>
+                            <a:cs typeface="宋体" panose="02010600030101010101" pitchFamily="2" charset="-122"/>
+                          </a:endParaRPr>
+                        </a:p>
+                      </a:txBody>
+                      <a:tcPr anchor="ctr">
+                        <a:lnL w="12700">
+                          <a:solidFill>
+                            <a:schemeClr val="tx1"/>
+                          </a:solidFill>
+                          <a:prstDash val="solid"/>
+                        </a:lnL>
+                        <a:lnR w="12700">
+                          <a:solidFill>
+                            <a:schemeClr val="tx1"/>
+                          </a:solidFill>
+                          <a:prstDash val="solid"/>
+                        </a:lnR>
+                        <a:lnT w="12700">
+                          <a:solidFill>
+                            <a:schemeClr val="tx1"/>
+                          </a:solidFill>
+                          <a:prstDash val="solid"/>
+                        </a:lnT>
+                        <a:lnB w="12700">
+                          <a:solidFill>
+                            <a:schemeClr val="tx1"/>
+                          </a:solidFill>
+                          <a:prstDash val="solid"/>
+                        </a:lnB>
+                        <a:lnTlToBr>
+                          <a:noFill/>
+                        </a:lnTlToBr>
+                        <a:lnBlToTr>
+                          <a:noFill/>
+                        </a:lnBlToTr>
+                        <a:noFill/>
+                      </a:tcPr>
+                    </a:tc>
+                  </a:tr>
+                </a:tbl>
+              </a:graphicData>
+            </a:graphic>
+          </p:graphicFrame>
+        </mc:Choice>
+        <mc:Fallback xmlns="">
+          <p:graphicFrame>
+            <p:nvGraphicFramePr>
+              <p:cNvPr id="55" name="表格 54"/>
+              <p:cNvGraphicFramePr/>
+              <p:nvPr>
+                <p:custDataLst>
+                  <p:tags r:id="rId4"/>
+                </p:custDataLst>
+              </p:nvPr>
+            </p:nvGraphicFramePr>
+            <p:xfrm>
+              <a:off x="3132455" y="2188845"/>
+              <a:ext cx="1807210" cy="309880"/>
+            </p:xfrm>
+            <a:graphic>
+              <a:graphicData uri="http://schemas.openxmlformats.org/drawingml/2006/table">
+                <a:tbl>
+                  <a:tblPr firstRow="1" bandRow="1">
+                    <a:tableStyleId>{5C22544A-7EE6-4342-B048-85BDC9FD1C3A}</a:tableStyleId>
+                  </a:tblPr>
+                  <a:tblGrid>
+                    <a:gridCol w="903605"/>
+                    <a:gridCol w="903605"/>
+                  </a:tblGrid>
+                  <a:tr h="309880">
+                    <a:tc>
+                      <a:txBody>
+                        <a:bodyPr/>
+                        <a:lstStyle/>
+                        <a:p>
+                          <a:endParaRPr lang="zh-CN"/>
+                        </a:p>
+                      </a:txBody>
+                      <a:tcPr anchor="ctr">
+                        <a:lnL w="12700">
+                          <a:solidFill>
+                            <a:schemeClr val="tx1"/>
+                          </a:solidFill>
+                          <a:prstDash val="solid"/>
+                        </a:lnL>
+                        <a:lnR w="12700">
+                          <a:solidFill>
+                            <a:schemeClr val="tx1"/>
+                          </a:solidFill>
+                          <a:prstDash val="solid"/>
+                        </a:lnR>
+                        <a:lnT w="12700">
+                          <a:solidFill>
+                            <a:schemeClr val="tx1"/>
+                          </a:solidFill>
+                          <a:prstDash val="solid"/>
+                        </a:lnT>
+                        <a:lnB w="12700">
+                          <a:solidFill>
+                            <a:schemeClr val="tx1"/>
+                          </a:solidFill>
+                          <a:prstDash val="solid"/>
+                        </a:lnB>
+                        <a:lnTlToBr>
+                          <a:noFill/>
+                        </a:lnTlToBr>
+                        <a:lnBlToTr>
+                          <a:noFill/>
+                        </a:lnBlToTr>
+                        <a:blipFill>
+                          <a:blip r:embed="rId5"/>
+                        </a:blipFill>
+                      </a:tcPr>
+                    </a:tc>
+                    <a:tc>
+                      <a:txBody>
+                        <a:bodyPr/>
+                        <a:lstStyle/>
+                        <a:p>
+                          <a:endParaRPr lang="zh-CN"/>
+                        </a:p>
+                      </a:txBody>
+                      <a:tcPr anchor="ctr">
+                        <a:lnL w="12700">
+                          <a:solidFill>
+                            <a:schemeClr val="tx1"/>
+                          </a:solidFill>
+                          <a:prstDash val="solid"/>
+                        </a:lnL>
+                        <a:lnR w="12700">
+                          <a:solidFill>
+                            <a:schemeClr val="tx1"/>
+                          </a:solidFill>
+                          <a:prstDash val="solid"/>
+                        </a:lnR>
+                        <a:lnT w="12700">
+                          <a:solidFill>
+                            <a:schemeClr val="tx1"/>
+                          </a:solidFill>
+                          <a:prstDash val="solid"/>
+                        </a:lnT>
+                        <a:lnB w="12700">
+                          <a:solidFill>
+                            <a:schemeClr val="tx1"/>
+                          </a:solidFill>
+                          <a:prstDash val="solid"/>
+                        </a:lnB>
+                        <a:lnTlToBr>
+                          <a:noFill/>
+                        </a:lnTlToBr>
+                        <a:lnBlToTr>
+                          <a:noFill/>
+                        </a:lnBlToTr>
+                        <a:blipFill>
+                          <a:blip r:embed="rId5"/>
+                        </a:blipFill>
+                      </a:tcPr>
+                    </a:tc>
+                  </a:tr>
+                </a:tbl>
+              </a:graphicData>
+            </a:graphic>
+          </p:graphicFrame>
+        </mc:Fallback>
+      </mc:AlternateContent>
+      <p:sp>
+        <p:nvSpPr>
+          <p:cNvPr id="56" name="文本框 55"/>
+          <p:cNvSpPr txBox="1"/>
+          <p:nvPr/>
+        </p:nvSpPr>
+        <p:spPr>
+          <a:xfrm>
+            <a:off x="3132455" y="1675765"/>
+            <a:ext cx="1807210" cy="306705"/>
+          </a:xfrm>
+          <a:prstGeom prst="rect">
+            <a:avLst/>
+          </a:prstGeom>
+          <a:noFill/>
+          <a:ln w="12700">
+            <a:solidFill>
+              <a:schemeClr val="tx1"/>
+            </a:solidFill>
+          </a:ln>
+        </p:spPr>
+        <p:txBody>
+          <a:bodyPr wrap="square" rtlCol="0">
+            <a:spAutoFit/>
+          </a:bodyPr>
+          <a:lstStyle/>
+          <a:p>
+            <a:pPr algn="ctr"/>
+            <a:r>
+              <a:rPr lang="zh-CN" altLang="en-US" sz="1400">
+                <a:latin typeface="宋体" panose="02010600030101010101" pitchFamily="2" charset="-122"/>
+                <a:ea typeface="宋体" panose="02010600030101010101" pitchFamily="2" charset="-122"/>
+                <a:cs typeface="Cambria Math" panose="02040503050406030204" charset="0"/>
+              </a:rPr>
+              <a:t>损失函数</a:t>
+            </a:r>
+            <a:endParaRPr lang="zh-CN" altLang="en-US" sz="1400">
+              <a:latin typeface="宋体" panose="02010600030101010101" pitchFamily="2" charset="-122"/>
+              <a:ea typeface="宋体" panose="02010600030101010101" pitchFamily="2" charset="-122"/>
+              <a:cs typeface="Cambria Math" panose="02040503050406030204" charset="0"/>
+            </a:endParaRPr>
+          </a:p>
+        </p:txBody>
+      </p:sp>
+      <p:cxnSp>
+        <p:nvCxnSpPr>
+          <p:cNvPr id="57" name="直接箭头连接符 56"/>
+          <p:cNvCxnSpPr/>
+          <p:nvPr/>
+        </p:nvCxnSpPr>
+        <p:spPr>
+          <a:xfrm flipV="1">
+            <a:off x="3547110" y="1982470"/>
+            <a:ext cx="3175" cy="201295"/>
+          </a:xfrm>
+          <a:prstGeom prst="straightConnector1">
+            <a:avLst/>
+          </a:prstGeom>
+          <a:solidFill>
+            <a:srgbClr val="00B0F0"/>
+          </a:solidFill>
+          <a:ln>
+            <a:solidFill>
+              <a:schemeClr val="tx1"/>
+            </a:solidFill>
+            <a:headEnd type="none"/>
+            <a:tailEnd type="triangle" w="med" len="med"/>
+          </a:ln>
+        </p:spPr>
+        <p:style>
+          <a:lnRef idx="1">
+            <a:schemeClr val="accent1"/>
+          </a:lnRef>
+          <a:fillRef idx="0">
+            <a:schemeClr val="accent1"/>
+          </a:fillRef>
+          <a:effectRef idx="0">
+            <a:schemeClr val="accent1"/>
+          </a:effectRef>
+          <a:fontRef idx="minor">
+            <a:schemeClr val="tx1"/>
+          </a:fontRef>
+        </p:style>
+      </p:cxnSp>
+      <p:cxnSp>
+        <p:nvCxnSpPr>
+          <p:cNvPr id="58" name="直接箭头连接符 57"/>
+          <p:cNvCxnSpPr/>
+          <p:nvPr/>
+        </p:nvCxnSpPr>
+        <p:spPr>
+          <a:xfrm flipV="1">
+            <a:off x="4479290" y="1982470"/>
+            <a:ext cx="3175" cy="201295"/>
+          </a:xfrm>
+          <a:prstGeom prst="straightConnector1">
+            <a:avLst/>
+          </a:prstGeom>
+          <a:solidFill>
+            <a:srgbClr val="00B0F0"/>
+          </a:solidFill>
+          <a:ln>
+            <a:solidFill>
+              <a:schemeClr val="tx1"/>
+            </a:solidFill>
+            <a:headEnd type="none"/>
+            <a:tailEnd type="triangle" w="med" len="med"/>
+          </a:ln>
+        </p:spPr>
+        <p:style>
+          <a:lnRef idx="1">
+            <a:schemeClr val="accent1"/>
+          </a:lnRef>
+          <a:fillRef idx="0">
+            <a:schemeClr val="accent1"/>
+          </a:fillRef>
+          <a:effectRef idx="0">
+            <a:schemeClr val="accent1"/>
+          </a:effectRef>
+          <a:fontRef idx="minor">
+            <a:schemeClr val="tx1"/>
+          </a:fontRef>
+        </p:style>
+      </p:cxnSp>
+      <mc:AlternateContent xmlns:mc="http://schemas.openxmlformats.org/markup-compatibility/2006">
+        <mc:Choice xmlns:a14="http://schemas.microsoft.com/office/drawing/2010/main" Requires="a14">
+          <p:sp>
+            <p:nvSpPr>
+              <p:cNvPr id="59" name="文本框 58"/>
+              <p:cNvSpPr txBox="1"/>
+              <p:nvPr/>
+            </p:nvSpPr>
+            <p:spPr>
+              <a:xfrm>
+                <a:off x="3251136" y="1969389"/>
+                <a:ext cx="379730" cy="275590"/>
+              </a:xfrm>
+              <a:prstGeom prst="rect">
+                <a:avLst/>
+              </a:prstGeom>
+              <a:noFill/>
+            </p:spPr>
+            <p:txBody>
+              <a:bodyPr wrap="none" rtlCol="0" anchor="t">
+                <a:spAutoFit/>
+              </a:bodyPr>
+              <a:lstStyle/>
+              <a:p>
+                <a:pPr algn="l"/>
+                <a14:m>
+                  <m:oMathPara xmlns:m="http://schemas.openxmlformats.org/officeDocument/2006/math">
+                    <m:oMathParaPr>
+                      <m:jc m:val="centerGroup"/>
+                    </m:oMathParaPr>
+                    <m:oMath xmlns:m="http://schemas.openxmlformats.org/officeDocument/2006/math">
+                      <m:r>
+                        <a:rPr lang="en-US" altLang="zh-CN" sz="1200" i="1">
+                          <a:latin typeface="Cambria Math" panose="02040503050406030204" charset="0"/>
+                          <a:ea typeface="MS Mincho" panose="02020609040205080304" charset="-128"/>
+                          <a:cs typeface="Cambria Math" panose="02040503050406030204" charset="0"/>
+                        </a:rPr>
+                        <m:t>𝜆</m:t>
+                      </m:r>
+                    </m:oMath>
+                  </m:oMathPara>
+                </a14:m>
+                <a:endParaRPr lang="en-US" altLang="zh-CN" sz="1200" i="1">
+                  <a:latin typeface="宋体" panose="02010600030101010101" pitchFamily="2" charset="-122"/>
+                  <a:ea typeface="宋体" panose="02010600030101010101" pitchFamily="2" charset="-122"/>
+                  <a:cs typeface="Cambria Math" panose="02040503050406030204" charset="0"/>
+                </a:endParaRPr>
+              </a:p>
+            </p:txBody>
+          </p:sp>
+        </mc:Choice>
+        <mc:Fallback>
+          <p:sp>
+            <p:nvSpPr>
+              <p:cNvPr id="59" name="文本框 58"/>
+              <p:cNvSpPr txBox="1">
+                <a:spLocks noRot="1" noChangeAspect="1" noMove="1" noResize="1" noEditPoints="1" noAdjustHandles="1" noChangeArrowheads="1" noChangeShapeType="1" noTextEdit="1"/>
+              </p:cNvSpPr>
+              <p:nvPr/>
+            </p:nvSpPr>
+            <p:spPr>
+              <a:xfrm>
+                <a:off x="3251136" y="1969389"/>
+                <a:ext cx="379730" cy="275590"/>
+              </a:xfrm>
+              <a:prstGeom prst="rect">
+                <a:avLst/>
+              </a:prstGeom>
+              <a:blipFill rotWithShape="1">
+                <a:blip r:embed="rId6"/>
+                <a:stretch>
+                  <a:fillRect l="-150" t="-92" r="150" b="92"/>
+                </a:stretch>
+              </a:blipFill>
+            </p:spPr>
+            <p:txBody>
+              <a:bodyPr/>
+              <a:lstStyle/>
+              <a:p>
+                <a:r>
+                  <a:rPr lang="zh-CN" altLang="en-US">
+                    <a:noFill/>
+                  </a:rPr>
+                  <a:t> </a:t>
+                </a:r>
+              </a:p>
+            </p:txBody>
+          </p:sp>
+        </mc:Fallback>
+      </mc:AlternateContent>
+      <mc:AlternateContent xmlns:mc="http://schemas.openxmlformats.org/markup-compatibility/2006">
+        <mc:Choice xmlns:a14="http://schemas.microsoft.com/office/drawing/2010/main" Requires="a14">
+          <p:sp>
+            <p:nvSpPr>
+              <p:cNvPr id="60" name="文本框 59"/>
+              <p:cNvSpPr txBox="1"/>
+              <p:nvPr/>
+            </p:nvSpPr>
+            <p:spPr>
+              <a:xfrm>
+                <a:off x="4429061" y="1969389"/>
+                <a:ext cx="570230" cy="275590"/>
+              </a:xfrm>
+              <a:prstGeom prst="rect">
+                <a:avLst/>
+              </a:prstGeom>
+              <a:noFill/>
+            </p:spPr>
+            <p:txBody>
+              <a:bodyPr wrap="none" rtlCol="0" anchor="t">
+                <a:spAutoFit/>
+              </a:bodyPr>
+              <a:lstStyle/>
+              <a:p>
+                <a:pPr algn="l"/>
+                <a14:m>
+                  <m:oMathPara xmlns:m="http://schemas.openxmlformats.org/officeDocument/2006/math">
+                    <m:oMathParaPr>
+                      <m:jc m:val="centerGroup"/>
+                    </m:oMathParaPr>
+                    <m:oMath xmlns:m="http://schemas.openxmlformats.org/officeDocument/2006/math">
+                      <m:r>
+                        <a:rPr lang="en-US" altLang="zh-CN" sz="1200" i="1">
+                          <a:latin typeface="Cambria Math" panose="02040503050406030204" charset="0"/>
+                          <a:ea typeface="MS Mincho" panose="02020609040205080304" charset="-128"/>
+                          <a:cs typeface="Cambria Math" panose="02040503050406030204" charset="0"/>
+                        </a:rPr>
+                        <m:t>1</m:t>
+                      </m:r>
+                      <m:r>
+                        <a:rPr lang="en-US" altLang="zh-CN" sz="1200" i="1">
+                          <a:latin typeface="Cambria Math" panose="02040503050406030204" charset="0"/>
+                          <a:ea typeface="MS Mincho" panose="02020609040205080304" charset="-128"/>
+                          <a:cs typeface="Cambria Math" panose="02040503050406030204" charset="0"/>
+                        </a:rPr>
+                        <m:t>−</m:t>
+                      </m:r>
+                      <m:r>
+                        <a:rPr lang="en-US" altLang="zh-CN" sz="1200" i="1">
+                          <a:latin typeface="Cambria Math" panose="02040503050406030204" charset="0"/>
+                          <a:ea typeface="MS Mincho" panose="02020609040205080304" charset="-128"/>
+                          <a:cs typeface="Cambria Math" panose="02040503050406030204" charset="0"/>
+                        </a:rPr>
+                        <m:t>𝜆</m:t>
+                      </m:r>
+                    </m:oMath>
+                  </m:oMathPara>
+                </a14:m>
+                <a:endParaRPr lang="en-US" altLang="zh-CN" sz="1200" i="1">
+                  <a:latin typeface="宋体" panose="02010600030101010101" pitchFamily="2" charset="-122"/>
+                  <a:ea typeface="宋体" panose="02010600030101010101" pitchFamily="2" charset="-122"/>
+                  <a:cs typeface="宋体" panose="02010600030101010101" pitchFamily="2" charset="-122"/>
+                </a:endParaRPr>
+              </a:p>
+            </p:txBody>
+          </p:sp>
+        </mc:Choice>
+        <mc:Fallback>
+          <p:sp>
+            <p:nvSpPr>
+              <p:cNvPr id="60" name="文本框 59"/>
+              <p:cNvSpPr txBox="1">
+                <a:spLocks noRot="1" noChangeAspect="1" noMove="1" noResize="1" noEditPoints="1" noAdjustHandles="1" noChangeArrowheads="1" noChangeShapeType="1" noTextEdit="1"/>
+              </p:cNvSpPr>
+              <p:nvPr/>
+            </p:nvSpPr>
+            <p:spPr>
+              <a:xfrm>
+                <a:off x="4429061" y="1969389"/>
+                <a:ext cx="570230" cy="275590"/>
+              </a:xfrm>
+              <a:prstGeom prst="rect">
+                <a:avLst/>
+              </a:prstGeom>
+              <a:blipFill rotWithShape="1">
+                <a:blip r:embed="rId7"/>
+                <a:stretch>
+                  <a:fillRect l="-100" t="-92" r="100" b="92"/>
+                </a:stretch>
+              </a:blipFill>
+            </p:spPr>
+            <p:txBody>
+              <a:bodyPr/>
+              <a:lstStyle/>
+              <a:p>
+                <a:r>
+                  <a:rPr lang="zh-CN" altLang="en-US">
+                    <a:noFill/>
+                  </a:rPr>
+                  <a:t> </a:t>
+                </a:r>
+              </a:p>
+            </p:txBody>
+          </p:sp>
+        </mc:Fallback>
+      </mc:AlternateContent>
+      <p:cxnSp>
+        <p:nvCxnSpPr>
+          <p:cNvPr id="63" name="肘形连接符 62"/>
+          <p:cNvCxnSpPr>
+            <a:stCxn id="49" idx="0"/>
+          </p:cNvCxnSpPr>
+          <p:nvPr/>
+        </p:nvCxnSpPr>
+        <p:spPr>
+          <a:xfrm rot="16200000">
+            <a:off x="2210435" y="1668145"/>
+            <a:ext cx="211455" cy="1470660"/>
+          </a:xfrm>
+          <a:prstGeom prst="bentConnector2">
+            <a:avLst/>
+          </a:prstGeom>
+          <a:ln>
+            <a:solidFill>
+              <a:schemeClr val="tx1"/>
+            </a:solidFill>
+            <a:headEnd type="none"/>
+            <a:tailEnd type="triangle" w="med" len="med"/>
+          </a:ln>
+        </p:spPr>
+        <p:style>
+          <a:lnRef idx="1">
+            <a:schemeClr val="accent1"/>
+          </a:lnRef>
+          <a:fillRef idx="0">
+            <a:schemeClr val="accent1"/>
+          </a:fillRef>
+          <a:effectRef idx="0">
+            <a:schemeClr val="accent1"/>
+          </a:effectRef>
+          <a:fontRef idx="minor">
+            <a:schemeClr val="tx1"/>
+          </a:fontRef>
+        </p:style>
+      </p:cxnSp>
+      <p:cxnSp>
+        <p:nvCxnSpPr>
+          <p:cNvPr id="64" name="直接箭头连接符 63"/>
+          <p:cNvCxnSpPr>
+            <a:stCxn id="54" idx="0"/>
+            <a:endCxn id="51" idx="2"/>
+          </p:cNvCxnSpPr>
+          <p:nvPr/>
+        </p:nvCxnSpPr>
+        <p:spPr>
+          <a:xfrm flipV="1">
+            <a:off x="4035425" y="2560320"/>
+            <a:ext cx="635" cy="465455"/>
+          </a:xfrm>
+          <a:prstGeom prst="straightConnector1">
+            <a:avLst/>
+          </a:prstGeom>
+          <a:solidFill>
+            <a:srgbClr val="00B0F0"/>
+          </a:solidFill>
+          <a:ln>
+            <a:solidFill>
+              <a:schemeClr val="tx1"/>
+            </a:solidFill>
+            <a:headEnd type="none"/>
+            <a:tailEnd type="triangle" w="med" len="med"/>
+          </a:ln>
+        </p:spPr>
+        <p:style>
+          <a:lnRef idx="1">
+            <a:schemeClr val="accent1"/>
+          </a:lnRef>
+          <a:fillRef idx="0">
+            <a:schemeClr val="accent1"/>
+          </a:fillRef>
+          <a:effectRef idx="0">
+            <a:schemeClr val="accent1"/>
+          </a:effectRef>
+          <a:fontRef idx="minor">
+            <a:schemeClr val="tx1"/>
+          </a:fontRef>
+        </p:style>
+      </p:cxnSp>
+      <p:grpSp>
+        <p:nvGrpSpPr>
+          <p:cNvPr id="44" name="组合 43"/>
+          <p:cNvGrpSpPr/>
+          <p:nvPr/>
+        </p:nvGrpSpPr>
+        <p:grpSpPr>
+          <a:xfrm>
+            <a:off x="5412105" y="3401695"/>
+            <a:ext cx="2840355" cy="1466215"/>
+            <a:chOff x="8529" y="4766"/>
+            <a:chExt cx="5622" cy="2902"/>
+          </a:xfrm>
+        </p:grpSpPr>
+        <p:grpSp>
+          <p:nvGrpSpPr>
+            <p:cNvPr id="146" name="组合 145"/>
+            <p:cNvGrpSpPr/>
+            <p:nvPr/>
+          </p:nvGrpSpPr>
+          <p:grpSpPr>
+            <a:xfrm rot="0">
+              <a:off x="8704" y="4927"/>
+              <a:ext cx="1677" cy="1816"/>
+              <a:chOff x="8645" y="4150"/>
+              <a:chExt cx="1113" cy="1205"/>
+            </a:xfrm>
+          </p:grpSpPr>
+          <p:sp>
+            <p:nvSpPr>
+              <p:cNvPr id="36" name="椭圆 35"/>
+              <p:cNvSpPr/>
+              <p:nvPr/>
+            </p:nvSpPr>
+            <p:spPr>
+              <a:xfrm>
+                <a:off x="9444" y="4150"/>
+                <a:ext cx="315" cy="315"/>
+              </a:xfrm>
+              <a:prstGeom prst="ellipse">
+                <a:avLst/>
+              </a:prstGeom>
+              <a:solidFill>
+                <a:srgbClr val="BFBFBF"/>
+              </a:solidFill>
+            </p:spPr>
+            <p:style>
+              <a:lnRef idx="2">
+                <a:schemeClr val="dk1"/>
+              </a:lnRef>
+              <a:fillRef idx="1">
+                <a:schemeClr val="lt1"/>
+              </a:fillRef>
+              <a:effectRef idx="0">
+                <a:schemeClr val="dk1"/>
+              </a:effectRef>
+              <a:fontRef idx="minor">
+                <a:schemeClr val="dk1"/>
+              </a:fontRef>
+            </p:style>
+            <p:txBody>
+              <a:bodyPr rtlCol="0" anchor="ctr"/>
+              <a:lstStyle/>
+              <a:p>
+                <a:pPr algn="ctr"/>
+                <a:r>
+                  <a:rPr lang="en-US" altLang="zh-CN" sz="1200" i="1">
+                    <a:solidFill>
+                      <a:schemeClr val="tx1"/>
+                    </a:solidFill>
+                    <a:latin typeface="宋体" panose="02010600030101010101" pitchFamily="2" charset="-122"/>
+                    <a:ea typeface="宋体" panose="02010600030101010101" pitchFamily="2" charset="-122"/>
+                    <a:cs typeface="Times New Roman" panose="02020603050405020304" charset="0"/>
+                  </a:rPr>
+                  <a:t>a</a:t>
+                </a:r>
+                <a:endParaRPr lang="en-US" altLang="zh-CN" sz="1200" i="1">
+                  <a:solidFill>
+                    <a:schemeClr val="tx1"/>
+                  </a:solidFill>
+                  <a:latin typeface="宋体" panose="02010600030101010101" pitchFamily="2" charset="-122"/>
+                  <a:ea typeface="宋体" panose="02010600030101010101" pitchFamily="2" charset="-122"/>
+                  <a:cs typeface="Times New Roman" panose="02020603050405020304" charset="0"/>
+                </a:endParaRPr>
+              </a:p>
+            </p:txBody>
+          </p:sp>
+          <p:sp>
+            <p:nvSpPr>
+              <p:cNvPr id="37" name="椭圆 36"/>
+              <p:cNvSpPr/>
+              <p:nvPr/>
+            </p:nvSpPr>
+            <p:spPr>
+              <a:xfrm>
+                <a:off x="8947" y="4565"/>
+                <a:ext cx="315" cy="315"/>
+              </a:xfrm>
+              <a:prstGeom prst="ellipse">
+                <a:avLst/>
+              </a:prstGeom>
+              <a:solidFill>
+                <a:schemeClr val="bg1">
+                  <a:lumMod val="75000"/>
+                </a:schemeClr>
+              </a:solidFill>
+              <a:ln>
+                <a:solidFill>
+                  <a:schemeClr val="tx1"/>
+                </a:solidFill>
+              </a:ln>
+            </p:spPr>
+            <p:style>
+              <a:lnRef idx="2">
+                <a:schemeClr val="accent1">
+                  <a:shade val="50000"/>
+                </a:schemeClr>
+              </a:lnRef>
+              <a:fillRef idx="1">
+                <a:schemeClr val="accent1"/>
+              </a:fillRef>
+              <a:effectRef idx="0">
+                <a:schemeClr val="accent1"/>
+              </a:effectRef>
+              <a:fontRef idx="minor">
+                <a:schemeClr val="lt1"/>
+              </a:fontRef>
+            </p:style>
+            <p:txBody>
+              <a:bodyPr rtlCol="0" anchor="ctr"/>
+              <a:lstStyle/>
+              <a:p>
+                <a:pPr algn="ctr"/>
+                <a:r>
+                  <a:rPr lang="en-US" altLang="zh-CN" sz="1200" i="1">
+                    <a:solidFill>
+                      <a:schemeClr val="tx1"/>
+                    </a:solidFill>
+                    <a:latin typeface="宋体" panose="02010600030101010101" pitchFamily="2" charset="-122"/>
+                    <a:ea typeface="宋体" panose="02010600030101010101" pitchFamily="2" charset="-122"/>
+                    <a:cs typeface="Times New Roman" panose="02020603050405020304" charset="0"/>
+                  </a:rPr>
+                  <a:t>b</a:t>
+                </a:r>
+                <a:endParaRPr lang="en-US" altLang="zh-CN" sz="1200" i="1">
+                  <a:solidFill>
+                    <a:schemeClr val="tx1"/>
+                  </a:solidFill>
+                  <a:latin typeface="宋体" panose="02010600030101010101" pitchFamily="2" charset="-122"/>
+                  <a:ea typeface="宋体" panose="02010600030101010101" pitchFamily="2" charset="-122"/>
+                  <a:cs typeface="Times New Roman" panose="02020603050405020304" charset="0"/>
+                </a:endParaRPr>
+              </a:p>
+            </p:txBody>
+          </p:sp>
+          <p:sp>
+            <p:nvSpPr>
+              <p:cNvPr id="62" name="矩形 61"/>
+              <p:cNvSpPr/>
+              <p:nvPr/>
+            </p:nvSpPr>
+            <p:spPr>
+              <a:xfrm>
+                <a:off x="8645" y="5063"/>
+                <a:ext cx="293" cy="293"/>
+              </a:xfrm>
+              <a:prstGeom prst="rect">
+                <a:avLst/>
+              </a:prstGeom>
+              <a:solidFill>
+                <a:srgbClr val="FFC000"/>
+              </a:solidFill>
+              <a:ln>
+                <a:solidFill>
+                  <a:schemeClr val="tx1"/>
+                </a:solidFill>
+              </a:ln>
+            </p:spPr>
+            <p:style>
+              <a:lnRef idx="2">
+                <a:schemeClr val="accent1">
+                  <a:shade val="50000"/>
+                </a:schemeClr>
+              </a:lnRef>
+              <a:fillRef idx="1">
+                <a:schemeClr val="accent1"/>
+              </a:fillRef>
+              <a:effectRef idx="0">
+                <a:schemeClr val="accent1"/>
+              </a:effectRef>
+              <a:fontRef idx="minor">
+                <a:schemeClr val="lt1"/>
+              </a:fontRef>
+            </p:style>
+            <p:txBody>
+              <a:bodyPr rtlCol="0" anchor="ctr"/>
+              <a:lstStyle/>
+              <a:p>
+                <a:pPr algn="ctr"/>
+                <a:r>
+                  <a:rPr lang="en-US" altLang="zh-CN" sz="1200" i="1">
+                    <a:solidFill>
+                      <a:schemeClr val="tx1"/>
+                    </a:solidFill>
+                    <a:latin typeface="宋体" panose="02010600030101010101" pitchFamily="2" charset="-122"/>
+                    <a:ea typeface="宋体" panose="02010600030101010101" pitchFamily="2" charset="-122"/>
+                    <a:cs typeface="Times New Roman" panose="02020603050405020304" charset="0"/>
+                  </a:rPr>
+                  <a:t>d</a:t>
+                </a:r>
+                <a:endParaRPr lang="en-US" altLang="zh-CN" sz="1200" i="1">
+                  <a:solidFill>
+                    <a:schemeClr val="tx1"/>
+                  </a:solidFill>
+                  <a:latin typeface="宋体" panose="02010600030101010101" pitchFamily="2" charset="-122"/>
+                  <a:ea typeface="宋体" panose="02010600030101010101" pitchFamily="2" charset="-122"/>
+                  <a:cs typeface="Times New Roman" panose="02020603050405020304" charset="0"/>
+                </a:endParaRPr>
+              </a:p>
+            </p:txBody>
+          </p:sp>
+          <p:cxnSp>
+            <p:nvCxnSpPr>
+              <p:cNvPr id="73" name="直接箭头连接符 72"/>
+              <p:cNvCxnSpPr>
+                <a:stCxn id="36" idx="4"/>
+                <a:endCxn id="37" idx="0"/>
+              </p:cNvCxnSpPr>
+              <p:nvPr/>
+            </p:nvCxnSpPr>
+            <p:spPr>
+              <a:xfrm flipH="1">
+                <a:off x="9105" y="4465"/>
+                <a:ext cx="496" cy="100"/>
+              </a:xfrm>
+              <a:prstGeom prst="straightConnector1">
+                <a:avLst/>
+              </a:prstGeom>
+              <a:solidFill>
+                <a:srgbClr val="00B0F0"/>
+              </a:solidFill>
+              <a:ln>
+                <a:solidFill>
+                  <a:schemeClr val="tx1"/>
+                </a:solidFill>
+                <a:headEnd type="none"/>
+                <a:tailEnd type="triangle" w="med" len="med"/>
+              </a:ln>
+            </p:spPr>
+            <p:style>
+              <a:lnRef idx="1">
+                <a:schemeClr val="accent1"/>
+              </a:lnRef>
+              <a:fillRef idx="0">
+                <a:schemeClr val="accent1"/>
+              </a:fillRef>
+              <a:effectRef idx="0">
+                <a:schemeClr val="accent1"/>
+              </a:effectRef>
+              <a:fontRef idx="minor">
+                <a:schemeClr val="tx1"/>
+              </a:fontRef>
+            </p:style>
+          </p:cxnSp>
+          <p:cxnSp>
+            <p:nvCxnSpPr>
+              <p:cNvPr id="75" name="直接箭头连接符 74"/>
+              <p:cNvCxnSpPr>
+                <a:stCxn id="37" idx="4"/>
+                <a:endCxn id="62" idx="0"/>
+              </p:cNvCxnSpPr>
+              <p:nvPr/>
+            </p:nvCxnSpPr>
+            <p:spPr>
+              <a:xfrm flipH="1">
+                <a:off x="8792" y="4879"/>
+                <a:ext cx="313" cy="184"/>
+              </a:xfrm>
+              <a:prstGeom prst="straightConnector1">
+                <a:avLst/>
+              </a:prstGeom>
+              <a:solidFill>
+                <a:schemeClr val="accent3">
+                  <a:lumMod val="75000"/>
+                </a:schemeClr>
+              </a:solidFill>
+              <a:ln>
+                <a:solidFill>
+                  <a:schemeClr val="tx1"/>
+                </a:solidFill>
+                <a:headEnd type="none"/>
+                <a:tailEnd type="triangle" w="med" len="med"/>
+              </a:ln>
+            </p:spPr>
+            <p:style>
+              <a:lnRef idx="1">
+                <a:schemeClr val="accent1"/>
+              </a:lnRef>
+              <a:fillRef idx="0">
+                <a:schemeClr val="accent1"/>
+              </a:fillRef>
+              <a:effectRef idx="0">
+                <a:schemeClr val="accent1"/>
+              </a:effectRef>
+              <a:fontRef idx="minor">
+                <a:schemeClr val="tx1"/>
+              </a:fontRef>
+            </p:style>
+          </p:cxnSp>
+        </p:grpSp>
+        <p:grpSp>
+          <p:nvGrpSpPr>
+            <p:cNvPr id="148" name="组合 147"/>
+            <p:cNvGrpSpPr/>
+            <p:nvPr/>
+          </p:nvGrpSpPr>
+          <p:grpSpPr>
+            <a:xfrm rot="0">
+              <a:off x="11516" y="4927"/>
+              <a:ext cx="1607" cy="2602"/>
+              <a:chOff x="14030" y="4168"/>
+              <a:chExt cx="1066" cy="1726"/>
+            </a:xfrm>
+          </p:grpSpPr>
+          <p:sp>
+            <p:nvSpPr>
+              <p:cNvPr id="102" name="椭圆 101"/>
+              <p:cNvSpPr/>
+              <p:nvPr/>
+            </p:nvSpPr>
+            <p:spPr>
+              <a:xfrm>
+                <a:off x="14030" y="4168"/>
+                <a:ext cx="315" cy="315"/>
+              </a:xfrm>
+              <a:prstGeom prst="ellipse">
+                <a:avLst/>
+              </a:prstGeom>
+              <a:solidFill>
+                <a:srgbClr val="BFBFBF"/>
+              </a:solidFill>
+            </p:spPr>
+            <p:style>
+              <a:lnRef idx="2">
+                <a:schemeClr val="dk1"/>
+              </a:lnRef>
+              <a:fillRef idx="1">
+                <a:schemeClr val="lt1"/>
+              </a:fillRef>
+              <a:effectRef idx="0">
+                <a:schemeClr val="dk1"/>
+              </a:effectRef>
+              <a:fontRef idx="minor">
+                <a:schemeClr val="dk1"/>
+              </a:fontRef>
+            </p:style>
+            <p:txBody>
+              <a:bodyPr rtlCol="0" anchor="ctr"/>
+              <a:lstStyle/>
+              <a:p>
+                <a:pPr algn="ctr"/>
+                <a:r>
+                  <a:rPr lang="en-US" altLang="zh-CN" sz="1200" i="1">
+                    <a:solidFill>
+                      <a:schemeClr val="tx1"/>
+                    </a:solidFill>
+                    <a:latin typeface="宋体" panose="02010600030101010101" pitchFamily="2" charset="-122"/>
+                    <a:ea typeface="宋体" panose="02010600030101010101" pitchFamily="2" charset="-122"/>
+                    <a:cs typeface="Times New Roman" panose="02020603050405020304" charset="0"/>
+                  </a:rPr>
+                  <a:t>a</a:t>
+                </a:r>
+                <a:endParaRPr lang="en-US" altLang="zh-CN" sz="1200" i="1">
+                  <a:solidFill>
+                    <a:schemeClr val="tx1"/>
+                  </a:solidFill>
+                  <a:latin typeface="宋体" panose="02010600030101010101" pitchFamily="2" charset="-122"/>
+                  <a:ea typeface="宋体" panose="02010600030101010101" pitchFamily="2" charset="-122"/>
+                  <a:cs typeface="Times New Roman" panose="02020603050405020304" charset="0"/>
+                </a:endParaRPr>
+              </a:p>
+            </p:txBody>
+          </p:sp>
+          <p:sp>
+            <p:nvSpPr>
+              <p:cNvPr id="104" name="椭圆 103"/>
+              <p:cNvSpPr/>
+              <p:nvPr/>
+            </p:nvSpPr>
+            <p:spPr>
+              <a:xfrm>
+                <a:off x="14494" y="4583"/>
+                <a:ext cx="315" cy="315"/>
+              </a:xfrm>
+              <a:prstGeom prst="ellipse">
+                <a:avLst/>
+              </a:prstGeom>
+              <a:solidFill>
+                <a:schemeClr val="bg1">
+                  <a:lumMod val="75000"/>
+                </a:schemeClr>
+              </a:solidFill>
+              <a:ln>
+                <a:solidFill>
+                  <a:schemeClr val="tx1"/>
+                </a:solidFill>
+              </a:ln>
+            </p:spPr>
+            <p:style>
+              <a:lnRef idx="2">
+                <a:schemeClr val="accent1">
+                  <a:shade val="50000"/>
+                </a:schemeClr>
+              </a:lnRef>
+              <a:fillRef idx="1">
+                <a:schemeClr val="accent1"/>
+              </a:fillRef>
+              <a:effectRef idx="0">
+                <a:schemeClr val="accent1"/>
+              </a:effectRef>
+              <a:fontRef idx="minor">
+                <a:schemeClr val="lt1"/>
+              </a:fontRef>
+            </p:style>
+            <p:txBody>
+              <a:bodyPr rtlCol="0" anchor="ctr"/>
+              <a:lstStyle/>
+              <a:p>
+                <a:pPr algn="ctr"/>
+                <a:r>
+                  <a:rPr lang="en-US" altLang="zh-CN" sz="1200" i="1">
+                    <a:solidFill>
+                      <a:schemeClr val="tx1"/>
+                    </a:solidFill>
+                    <a:latin typeface="宋体" panose="02010600030101010101" pitchFamily="2" charset="-122"/>
+                    <a:ea typeface="宋体" panose="02010600030101010101" pitchFamily="2" charset="-122"/>
+                    <a:cs typeface="Times New Roman" panose="02020603050405020304" charset="0"/>
+                  </a:rPr>
+                  <a:t>c</a:t>
+                </a:r>
+                <a:endParaRPr lang="en-US" altLang="zh-CN" sz="1200" i="1">
+                  <a:solidFill>
+                    <a:schemeClr val="tx1"/>
+                  </a:solidFill>
+                  <a:latin typeface="宋体" panose="02010600030101010101" pitchFamily="2" charset="-122"/>
+                  <a:ea typeface="宋体" panose="02010600030101010101" pitchFamily="2" charset="-122"/>
+                  <a:cs typeface="Times New Roman" panose="02020603050405020304" charset="0"/>
+                </a:endParaRPr>
+              </a:p>
+            </p:txBody>
+          </p:sp>
+          <p:sp>
+            <p:nvSpPr>
+              <p:cNvPr id="106" name="椭圆 105"/>
+              <p:cNvSpPr/>
+              <p:nvPr/>
+            </p:nvSpPr>
+            <p:spPr>
+              <a:xfrm>
+                <a:off x="14782" y="5060"/>
+                <a:ext cx="315" cy="315"/>
+              </a:xfrm>
+              <a:prstGeom prst="ellipse">
+                <a:avLst/>
+              </a:prstGeom>
+              <a:solidFill>
+                <a:schemeClr val="bg1">
+                  <a:lumMod val="75000"/>
+                </a:schemeClr>
+              </a:solidFill>
+              <a:ln>
+                <a:solidFill>
+                  <a:schemeClr val="tx1"/>
+                </a:solidFill>
+              </a:ln>
+            </p:spPr>
+            <p:style>
+              <a:lnRef idx="2">
+                <a:schemeClr val="accent1">
+                  <a:shade val="50000"/>
+                </a:schemeClr>
+              </a:lnRef>
+              <a:fillRef idx="1">
+                <a:schemeClr val="accent1"/>
+              </a:fillRef>
+              <a:effectRef idx="0">
+                <a:schemeClr val="accent1"/>
+              </a:effectRef>
+              <a:fontRef idx="minor">
+                <a:schemeClr val="lt1"/>
+              </a:fontRef>
+            </p:style>
+            <p:txBody>
+              <a:bodyPr rtlCol="0" anchor="ctr"/>
+              <a:lstStyle/>
+              <a:p>
+                <a:pPr algn="ctr"/>
+                <a:r>
+                  <a:rPr lang="en-US" altLang="zh-CN" sz="1200" i="1">
+                    <a:solidFill>
+                      <a:schemeClr val="tx1"/>
+                    </a:solidFill>
+                    <a:latin typeface="宋体" panose="02010600030101010101" pitchFamily="2" charset="-122"/>
+                    <a:ea typeface="宋体" panose="02010600030101010101" pitchFamily="2" charset="-122"/>
+                    <a:cs typeface="Times New Roman" panose="02020603050405020304" charset="0"/>
+                  </a:rPr>
+                  <a:t>g</a:t>
+                </a:r>
+                <a:endParaRPr lang="en-US" altLang="zh-CN" sz="1200" i="1">
+                  <a:solidFill>
+                    <a:schemeClr val="tx1"/>
+                  </a:solidFill>
+                  <a:latin typeface="宋体" panose="02010600030101010101" pitchFamily="2" charset="-122"/>
+                  <a:ea typeface="宋体" panose="02010600030101010101" pitchFamily="2" charset="-122"/>
+                  <a:cs typeface="Times New Roman" panose="02020603050405020304" charset="0"/>
+                </a:endParaRPr>
+              </a:p>
+            </p:txBody>
+          </p:sp>
+          <p:sp>
+            <p:nvSpPr>
+              <p:cNvPr id="111" name="矩形 110"/>
+              <p:cNvSpPr/>
+              <p:nvPr/>
+            </p:nvSpPr>
+            <p:spPr>
+              <a:xfrm>
+                <a:off x="14596" y="5602"/>
+                <a:ext cx="293" cy="293"/>
+              </a:xfrm>
+              <a:prstGeom prst="rect">
+                <a:avLst/>
+              </a:prstGeom>
+              <a:solidFill>
+                <a:srgbClr val="FFC000"/>
+              </a:solidFill>
+              <a:ln>
+                <a:solidFill>
+                  <a:schemeClr val="tx1"/>
+                </a:solidFill>
+              </a:ln>
+            </p:spPr>
+            <p:style>
+              <a:lnRef idx="2">
+                <a:schemeClr val="accent1">
+                  <a:shade val="50000"/>
+                </a:schemeClr>
+              </a:lnRef>
+              <a:fillRef idx="1">
+                <a:schemeClr val="accent1"/>
+              </a:fillRef>
+              <a:effectRef idx="0">
+                <a:schemeClr val="accent1"/>
+              </a:effectRef>
+              <a:fontRef idx="minor">
+                <a:schemeClr val="lt1"/>
+              </a:fontRef>
+            </p:style>
+            <p:txBody>
+              <a:bodyPr rtlCol="0" anchor="ctr"/>
+              <a:lstStyle/>
+              <a:p>
+                <a:pPr algn="ctr"/>
+                <a:r>
+                  <a:rPr lang="en-US" altLang="zh-CN" sz="1200" i="1">
+                    <a:solidFill>
+                      <a:schemeClr val="tx1"/>
+                    </a:solidFill>
+                    <a:latin typeface="宋体" panose="02010600030101010101" pitchFamily="2" charset="-122"/>
+                    <a:ea typeface="宋体" panose="02010600030101010101" pitchFamily="2" charset="-122"/>
+                    <a:cs typeface="Times New Roman" panose="02020603050405020304" charset="0"/>
+                  </a:rPr>
+                  <a:t>j</a:t>
+                </a:r>
+                <a:endParaRPr lang="en-US" altLang="zh-CN" sz="1200" i="1">
+                  <a:solidFill>
+                    <a:schemeClr val="tx1"/>
+                  </a:solidFill>
+                  <a:latin typeface="宋体" panose="02010600030101010101" pitchFamily="2" charset="-122"/>
+                  <a:ea typeface="宋体" panose="02010600030101010101" pitchFamily="2" charset="-122"/>
+                  <a:cs typeface="Times New Roman" panose="02020603050405020304" charset="0"/>
+                </a:endParaRPr>
+              </a:p>
+            </p:txBody>
+          </p:sp>
+          <p:cxnSp>
+            <p:nvCxnSpPr>
+              <p:cNvPr id="114" name="直接箭头连接符 113"/>
+              <p:cNvCxnSpPr>
+                <a:stCxn id="102" idx="4"/>
+                <a:endCxn id="104" idx="0"/>
+              </p:cNvCxnSpPr>
+              <p:nvPr/>
+            </p:nvCxnSpPr>
+            <p:spPr>
+              <a:xfrm>
+                <a:off x="14187" y="4483"/>
+                <a:ext cx="464" cy="100"/>
+              </a:xfrm>
+              <a:prstGeom prst="straightConnector1">
+                <a:avLst/>
+              </a:prstGeom>
+              <a:solidFill>
+                <a:srgbClr val="00B0F0"/>
+              </a:solidFill>
+              <a:ln>
+                <a:solidFill>
+                  <a:schemeClr val="tx1"/>
+                </a:solidFill>
+                <a:headEnd type="none"/>
+                <a:tailEnd type="triangle" w="med" len="med"/>
+              </a:ln>
+            </p:spPr>
+            <p:style>
+              <a:lnRef idx="1">
+                <a:schemeClr val="accent1"/>
+              </a:lnRef>
+              <a:fillRef idx="0">
+                <a:schemeClr val="accent1"/>
+              </a:fillRef>
+              <a:effectRef idx="0">
+                <a:schemeClr val="accent1"/>
+              </a:effectRef>
+              <a:fontRef idx="minor">
+                <a:schemeClr val="tx1"/>
+              </a:fontRef>
+            </p:style>
+          </p:cxnSp>
+          <p:cxnSp>
+            <p:nvCxnSpPr>
+              <p:cNvPr id="118" name="直接箭头连接符 117"/>
+              <p:cNvCxnSpPr>
+                <a:stCxn id="104" idx="4"/>
+                <a:endCxn id="106" idx="0"/>
+              </p:cNvCxnSpPr>
+              <p:nvPr/>
+            </p:nvCxnSpPr>
+            <p:spPr>
+              <a:xfrm>
+                <a:off x="14651" y="4897"/>
+                <a:ext cx="288" cy="162"/>
+              </a:xfrm>
+              <a:prstGeom prst="straightConnector1">
+                <a:avLst/>
+              </a:prstGeom>
+              <a:solidFill>
+                <a:srgbClr val="00B0F0"/>
+              </a:solidFill>
+              <a:ln>
+                <a:solidFill>
+                  <a:schemeClr val="tx1"/>
+                </a:solidFill>
+                <a:headEnd type="none"/>
+                <a:tailEnd type="triangle" w="med" len="med"/>
+              </a:ln>
+            </p:spPr>
+            <p:style>
+              <a:lnRef idx="1">
+                <a:schemeClr val="accent1"/>
+              </a:lnRef>
+              <a:fillRef idx="0">
+                <a:schemeClr val="accent1"/>
+              </a:fillRef>
+              <a:effectRef idx="0">
+                <a:schemeClr val="accent1"/>
+              </a:effectRef>
+              <a:fontRef idx="minor">
+                <a:schemeClr val="tx1"/>
+              </a:fontRef>
+            </p:style>
+          </p:cxnSp>
+          <p:cxnSp>
+            <p:nvCxnSpPr>
+              <p:cNvPr id="121" name="直接箭头连接符 120"/>
+              <p:cNvCxnSpPr>
+                <a:stCxn id="106" idx="4"/>
+                <a:endCxn id="111" idx="0"/>
+              </p:cNvCxnSpPr>
+              <p:nvPr/>
+            </p:nvCxnSpPr>
+            <p:spPr>
+              <a:xfrm flipH="1">
+                <a:off x="14743" y="5374"/>
+                <a:ext cx="196" cy="227"/>
+              </a:xfrm>
+              <a:prstGeom prst="straightConnector1">
+                <a:avLst/>
+              </a:prstGeom>
+              <a:solidFill>
+                <a:schemeClr val="bg1">
+                  <a:lumMod val="75000"/>
+                </a:schemeClr>
+              </a:solidFill>
+              <a:ln>
+                <a:solidFill>
+                  <a:schemeClr val="tx1"/>
+                </a:solidFill>
+                <a:headEnd type="none"/>
+                <a:tailEnd type="triangle" w="med" len="med"/>
+              </a:ln>
+            </p:spPr>
+            <p:style>
+              <a:lnRef idx="1">
+                <a:schemeClr val="accent1"/>
+              </a:lnRef>
+              <a:fillRef idx="0">
+                <a:schemeClr val="accent1"/>
+              </a:fillRef>
+              <a:effectRef idx="0">
+                <a:schemeClr val="accent1"/>
+              </a:effectRef>
+              <a:fontRef idx="minor">
+                <a:schemeClr val="tx1"/>
+              </a:fontRef>
+            </p:style>
+          </p:cxnSp>
+        </p:grpSp>
+        <p:grpSp>
+          <p:nvGrpSpPr>
+            <p:cNvPr id="147" name="组合 146"/>
+            <p:cNvGrpSpPr/>
+            <p:nvPr/>
+          </p:nvGrpSpPr>
+          <p:grpSpPr>
+            <a:xfrm rot="0">
+              <a:off x="10082" y="4927"/>
+              <a:ext cx="1222" cy="2602"/>
+              <a:chOff x="11240" y="4167"/>
+              <a:chExt cx="811" cy="1726"/>
+            </a:xfrm>
+          </p:grpSpPr>
+          <p:sp>
+            <p:nvSpPr>
+              <p:cNvPr id="124" name="椭圆 123"/>
+              <p:cNvSpPr/>
+              <p:nvPr/>
+            </p:nvSpPr>
+            <p:spPr>
+              <a:xfrm>
+                <a:off x="11737" y="4167"/>
+                <a:ext cx="315" cy="315"/>
+              </a:xfrm>
+              <a:prstGeom prst="ellipse">
+                <a:avLst/>
+              </a:prstGeom>
+              <a:solidFill>
+                <a:srgbClr val="BFBFBF"/>
+              </a:solidFill>
+            </p:spPr>
+            <p:style>
+              <a:lnRef idx="2">
+                <a:schemeClr val="dk1"/>
+              </a:lnRef>
+              <a:fillRef idx="1">
+                <a:schemeClr val="lt1"/>
+              </a:fillRef>
+              <a:effectRef idx="0">
+                <a:schemeClr val="dk1"/>
+              </a:effectRef>
+              <a:fontRef idx="minor">
+                <a:schemeClr val="dk1"/>
+              </a:fontRef>
+            </p:style>
+            <p:txBody>
+              <a:bodyPr rtlCol="0" anchor="ctr"/>
+              <a:lstStyle/>
+              <a:p>
+                <a:pPr algn="ctr"/>
+                <a:r>
+                  <a:rPr lang="en-US" altLang="zh-CN" sz="1200" i="1">
+                    <a:solidFill>
+                      <a:schemeClr val="tx1"/>
+                    </a:solidFill>
+                    <a:latin typeface="宋体" panose="02010600030101010101" pitchFamily="2" charset="-122"/>
+                    <a:ea typeface="宋体" panose="02010600030101010101" pitchFamily="2" charset="-122"/>
+                    <a:cs typeface="Times New Roman" panose="02020603050405020304" charset="0"/>
+                  </a:rPr>
+                  <a:t>a</a:t>
+                </a:r>
+                <a:endParaRPr lang="en-US" altLang="zh-CN" sz="1200" i="1">
+                  <a:solidFill>
+                    <a:schemeClr val="tx1"/>
+                  </a:solidFill>
+                  <a:latin typeface="宋体" panose="02010600030101010101" pitchFamily="2" charset="-122"/>
+                  <a:ea typeface="宋体" panose="02010600030101010101" pitchFamily="2" charset="-122"/>
+                  <a:cs typeface="Times New Roman" panose="02020603050405020304" charset="0"/>
+                </a:endParaRPr>
+              </a:p>
+            </p:txBody>
+          </p:sp>
+          <p:sp>
+            <p:nvSpPr>
+              <p:cNvPr id="125" name="椭圆 124"/>
+              <p:cNvSpPr/>
+              <p:nvPr/>
+            </p:nvSpPr>
+            <p:spPr>
+              <a:xfrm>
+                <a:off x="11240" y="4582"/>
+                <a:ext cx="315" cy="315"/>
+              </a:xfrm>
+              <a:prstGeom prst="ellipse">
+                <a:avLst/>
+              </a:prstGeom>
+              <a:solidFill>
+                <a:schemeClr val="bg1">
+                  <a:lumMod val="75000"/>
+                </a:schemeClr>
+              </a:solidFill>
+              <a:ln>
+                <a:solidFill>
+                  <a:schemeClr val="tx1"/>
+                </a:solidFill>
+              </a:ln>
+            </p:spPr>
+            <p:style>
+              <a:lnRef idx="2">
+                <a:schemeClr val="accent1">
+                  <a:shade val="50000"/>
+                </a:schemeClr>
+              </a:lnRef>
+              <a:fillRef idx="1">
+                <a:schemeClr val="accent1"/>
+              </a:fillRef>
+              <a:effectRef idx="0">
+                <a:schemeClr val="accent1"/>
+              </a:effectRef>
+              <a:fontRef idx="minor">
+                <a:schemeClr val="lt1"/>
+              </a:fontRef>
+            </p:style>
+            <p:txBody>
+              <a:bodyPr rtlCol="0" anchor="ctr"/>
+              <a:lstStyle/>
+              <a:p>
+                <a:pPr algn="ctr"/>
+                <a:r>
+                  <a:rPr lang="en-US" altLang="zh-CN" sz="1200" i="1">
+                    <a:solidFill>
+                      <a:schemeClr val="tx1"/>
+                    </a:solidFill>
+                    <a:latin typeface="宋体" panose="02010600030101010101" pitchFamily="2" charset="-122"/>
+                    <a:ea typeface="宋体" panose="02010600030101010101" pitchFamily="2" charset="-122"/>
+                    <a:cs typeface="Times New Roman" panose="02020603050405020304" charset="0"/>
+                  </a:rPr>
+                  <a:t>b</a:t>
+                </a:r>
+                <a:endParaRPr lang="en-US" altLang="zh-CN" sz="1200" i="1">
+                  <a:solidFill>
+                    <a:schemeClr val="tx1"/>
+                  </a:solidFill>
+                  <a:latin typeface="宋体" panose="02010600030101010101" pitchFamily="2" charset="-122"/>
+                  <a:ea typeface="宋体" panose="02010600030101010101" pitchFamily="2" charset="-122"/>
+                  <a:cs typeface="Times New Roman" panose="02020603050405020304" charset="0"/>
+                </a:endParaRPr>
+              </a:p>
+            </p:txBody>
+          </p:sp>
+          <p:sp>
+            <p:nvSpPr>
+              <p:cNvPr id="127" name="椭圆 126"/>
+              <p:cNvSpPr/>
+              <p:nvPr/>
+            </p:nvSpPr>
+            <p:spPr>
+              <a:xfrm>
+                <a:off x="11343" y="5059"/>
+                <a:ext cx="315" cy="315"/>
+              </a:xfrm>
+              <a:prstGeom prst="ellipse">
+                <a:avLst/>
+              </a:prstGeom>
+              <a:solidFill>
+                <a:schemeClr val="bg1">
+                  <a:lumMod val="75000"/>
+                </a:schemeClr>
+              </a:solidFill>
+              <a:ln>
+                <a:solidFill>
+                  <a:schemeClr val="tx1"/>
+                </a:solidFill>
+              </a:ln>
+            </p:spPr>
+            <p:style>
+              <a:lnRef idx="2">
+                <a:schemeClr val="accent1">
+                  <a:shade val="50000"/>
+                </a:schemeClr>
+              </a:lnRef>
+              <a:fillRef idx="1">
+                <a:schemeClr val="accent1"/>
+              </a:fillRef>
+              <a:effectRef idx="0">
+                <a:schemeClr val="accent1"/>
+              </a:effectRef>
+              <a:fontRef idx="minor">
+                <a:schemeClr val="lt1"/>
+              </a:fontRef>
+            </p:style>
+            <p:txBody>
+              <a:bodyPr rtlCol="0" anchor="ctr"/>
+              <a:lstStyle/>
+              <a:p>
+                <a:pPr algn="ctr"/>
+                <a:r>
+                  <a:rPr lang="en-US" altLang="zh-CN" sz="1200" i="1">
+                    <a:solidFill>
+                      <a:schemeClr val="tx1"/>
+                    </a:solidFill>
+                    <a:latin typeface="宋体" panose="02010600030101010101" pitchFamily="2" charset="-122"/>
+                    <a:ea typeface="宋体" panose="02010600030101010101" pitchFamily="2" charset="-122"/>
+                    <a:cs typeface="Times New Roman" panose="02020603050405020304" charset="0"/>
+                  </a:rPr>
+                  <a:t>e</a:t>
+                </a:r>
+                <a:endParaRPr lang="en-US" altLang="zh-CN" sz="1200" i="1">
+                  <a:solidFill>
+                    <a:schemeClr val="tx1"/>
+                  </a:solidFill>
+                  <a:latin typeface="宋体" panose="02010600030101010101" pitchFamily="2" charset="-122"/>
+                  <a:ea typeface="宋体" panose="02010600030101010101" pitchFamily="2" charset="-122"/>
+                  <a:cs typeface="Times New Roman" panose="02020603050405020304" charset="0"/>
+                </a:endParaRPr>
+              </a:p>
+            </p:txBody>
+          </p:sp>
+          <p:sp>
+            <p:nvSpPr>
+              <p:cNvPr id="132" name="矩形 131"/>
+              <p:cNvSpPr/>
+              <p:nvPr/>
+            </p:nvSpPr>
+            <p:spPr>
+              <a:xfrm>
+                <a:off x="11555" y="5601"/>
+                <a:ext cx="293" cy="293"/>
+              </a:xfrm>
+              <a:prstGeom prst="rect">
+                <a:avLst/>
+              </a:prstGeom>
+              <a:solidFill>
+                <a:srgbClr val="FFC000"/>
+              </a:solidFill>
+              <a:ln>
+                <a:solidFill>
+                  <a:schemeClr val="tx1"/>
+                </a:solidFill>
+              </a:ln>
+            </p:spPr>
+            <p:style>
+              <a:lnRef idx="2">
+                <a:schemeClr val="accent1">
+                  <a:shade val="50000"/>
+                </a:schemeClr>
+              </a:lnRef>
+              <a:fillRef idx="1">
+                <a:schemeClr val="accent1"/>
+              </a:fillRef>
+              <a:effectRef idx="0">
+                <a:schemeClr val="accent1"/>
+              </a:effectRef>
+              <a:fontRef idx="minor">
+                <a:schemeClr val="lt1"/>
+              </a:fontRef>
+            </p:style>
+            <p:txBody>
+              <a:bodyPr rtlCol="0" anchor="ctr"/>
+              <a:lstStyle/>
+              <a:p>
+                <a:pPr algn="ctr"/>
+                <a:r>
+                  <a:rPr lang="en-US" altLang="zh-CN" sz="1200" i="1">
+                    <a:solidFill>
+                      <a:schemeClr val="tx1"/>
+                    </a:solidFill>
+                    <a:latin typeface="宋体" panose="02010600030101010101" pitchFamily="2" charset="-122"/>
+                    <a:ea typeface="宋体" panose="02010600030101010101" pitchFamily="2" charset="-122"/>
+                    <a:cs typeface="Times New Roman" panose="02020603050405020304" charset="0"/>
+                  </a:rPr>
+                  <a:t>i</a:t>
+                </a:r>
+                <a:endParaRPr lang="en-US" altLang="zh-CN" sz="1200" i="1">
+                  <a:solidFill>
+                    <a:schemeClr val="tx1"/>
+                  </a:solidFill>
+                  <a:latin typeface="宋体" panose="02010600030101010101" pitchFamily="2" charset="-122"/>
+                  <a:ea typeface="宋体" panose="02010600030101010101" pitchFamily="2" charset="-122"/>
+                  <a:cs typeface="Times New Roman" panose="02020603050405020304" charset="0"/>
+                </a:endParaRPr>
+              </a:p>
+            </p:txBody>
+          </p:sp>
+          <p:cxnSp>
+            <p:nvCxnSpPr>
+              <p:cNvPr id="135" name="直接箭头连接符 134"/>
+              <p:cNvCxnSpPr>
+                <a:stCxn id="124" idx="4"/>
+                <a:endCxn id="125" idx="0"/>
+              </p:cNvCxnSpPr>
+              <p:nvPr/>
+            </p:nvCxnSpPr>
+            <p:spPr>
+              <a:xfrm flipH="1">
+                <a:off x="11398" y="4482"/>
+                <a:ext cx="496" cy="100"/>
+              </a:xfrm>
+              <a:prstGeom prst="straightConnector1">
+                <a:avLst/>
+              </a:prstGeom>
+              <a:solidFill>
+                <a:srgbClr val="00B0F0"/>
+              </a:solidFill>
+              <a:ln>
+                <a:solidFill>
+                  <a:schemeClr val="tx1"/>
+                </a:solidFill>
+                <a:headEnd type="none"/>
+                <a:tailEnd type="triangle" w="med" len="med"/>
+              </a:ln>
+            </p:spPr>
+            <p:style>
+              <a:lnRef idx="1">
+                <a:schemeClr val="accent1"/>
+              </a:lnRef>
+              <a:fillRef idx="0">
+                <a:schemeClr val="accent1"/>
+              </a:fillRef>
+              <a:effectRef idx="0">
+                <a:schemeClr val="accent1"/>
+              </a:effectRef>
+              <a:fontRef idx="minor">
+                <a:schemeClr val="tx1"/>
+              </a:fontRef>
+            </p:style>
+          </p:cxnSp>
+          <p:cxnSp>
+            <p:nvCxnSpPr>
+              <p:cNvPr id="138" name="直接箭头连接符 137"/>
+              <p:cNvCxnSpPr>
+                <a:stCxn id="125" idx="4"/>
+                <a:endCxn id="127" idx="0"/>
+              </p:cNvCxnSpPr>
+              <p:nvPr/>
+            </p:nvCxnSpPr>
+            <p:spPr>
+              <a:xfrm>
+                <a:off x="11398" y="4896"/>
+                <a:ext cx="103" cy="162"/>
+              </a:xfrm>
+              <a:prstGeom prst="straightConnector1">
+                <a:avLst/>
+              </a:prstGeom>
+              <a:solidFill>
+                <a:srgbClr val="00B0F0"/>
+              </a:solidFill>
+              <a:ln>
+                <a:solidFill>
+                  <a:schemeClr val="tx1"/>
+                </a:solidFill>
+                <a:headEnd type="none"/>
+                <a:tailEnd type="triangle" w="med" len="med"/>
+              </a:ln>
+            </p:spPr>
+            <p:style>
+              <a:lnRef idx="1">
+                <a:schemeClr val="accent1"/>
+              </a:lnRef>
+              <a:fillRef idx="0">
+                <a:schemeClr val="accent1"/>
+              </a:fillRef>
+              <a:effectRef idx="0">
+                <a:schemeClr val="accent1"/>
+              </a:effectRef>
+              <a:fontRef idx="minor">
+                <a:schemeClr val="tx1"/>
+              </a:fontRef>
+            </p:style>
+          </p:cxnSp>
+          <p:cxnSp>
+            <p:nvCxnSpPr>
+              <p:cNvPr id="142" name="直接箭头连接符 141"/>
+              <p:cNvCxnSpPr>
+                <a:stCxn id="127" idx="4"/>
+                <a:endCxn id="132" idx="0"/>
+              </p:cNvCxnSpPr>
+              <p:nvPr/>
+            </p:nvCxnSpPr>
+            <p:spPr>
+              <a:xfrm>
+                <a:off x="11501" y="5373"/>
+                <a:ext cx="201" cy="227"/>
+              </a:xfrm>
+              <a:prstGeom prst="straightConnector1">
+                <a:avLst/>
+              </a:prstGeom>
+              <a:solidFill>
+                <a:schemeClr val="bg1">
+                  <a:lumMod val="75000"/>
+                </a:schemeClr>
+              </a:solidFill>
+              <a:ln>
+                <a:solidFill>
+                  <a:schemeClr val="tx1"/>
+                </a:solidFill>
+                <a:headEnd type="none"/>
+                <a:tailEnd type="triangle" w="med" len="med"/>
+              </a:ln>
+            </p:spPr>
+            <p:style>
+              <a:lnRef idx="1">
+                <a:schemeClr val="accent1"/>
+              </a:lnRef>
+              <a:fillRef idx="0">
+                <a:schemeClr val="accent1"/>
+              </a:fillRef>
+              <a:effectRef idx="0">
+                <a:schemeClr val="accent1"/>
+              </a:effectRef>
+              <a:fontRef idx="minor">
+                <a:schemeClr val="tx1"/>
+              </a:fontRef>
+            </p:style>
+          </p:cxnSp>
+        </p:grpSp>
+        <p:sp>
+          <p:nvSpPr>
+            <p:cNvPr id="149" name="圆角矩形 148"/>
+            <p:cNvSpPr/>
+            <p:nvPr/>
+          </p:nvSpPr>
+          <p:spPr>
+            <a:xfrm>
+              <a:off x="8529" y="4766"/>
+              <a:ext cx="5622" cy="2902"/>
+            </a:xfrm>
+            <a:prstGeom prst="roundRect">
+              <a:avLst>
+                <a:gd name="adj" fmla="val 8325"/>
+              </a:avLst>
+            </a:prstGeom>
+            <a:noFill/>
+            <a:ln>
+              <a:solidFill>
+                <a:schemeClr val="tx1"/>
+              </a:solidFill>
+              <a:prstDash val="lgDash"/>
+            </a:ln>
+            <a:extLst>
+              <a:ext uri="{909E8E84-426E-40DD-AFC4-6F175D3DCCD1}">
+                <a14:hiddenFill xmlns:a14="http://schemas.microsoft.com/office/drawing/2010/main">
+                  <a:solidFill>
+                    <a:schemeClr val="accent4">
+                      <a:lumMod val="20000"/>
+                      <a:lumOff val="80000"/>
+                    </a:schemeClr>
+                  </a:solidFill>
+                </a14:hiddenFill>
+              </a:ext>
+            </a:extLst>
+          </p:spPr>
+          <p:style>
+            <a:lnRef idx="2">
+              <a:schemeClr val="accent1">
+                <a:shade val="50000"/>
+              </a:schemeClr>
+            </a:lnRef>
+            <a:fillRef idx="1">
+              <a:schemeClr val="accent1"/>
+            </a:fillRef>
+            <a:effectRef idx="0">
+              <a:schemeClr val="accent1"/>
+            </a:effectRef>
+            <a:fontRef idx="minor">
+              <a:schemeClr val="lt1"/>
+            </a:fontRef>
+          </p:style>
+          <p:txBody>
+            <a:bodyPr rtlCol="0" anchor="ctr"/>
+            <a:lstStyle/>
+            <a:p>
+              <a:pPr algn="ctr"/>
+              <a:endParaRPr lang="zh-CN" altLang="en-US">
+                <a:latin typeface="宋体" panose="02010600030101010101" pitchFamily="2" charset="-122"/>
+                <a:ea typeface="宋体" panose="02010600030101010101" pitchFamily="2" charset="-122"/>
+              </a:endParaRPr>
+            </a:p>
+          </p:txBody>
+        </p:sp>
+        <p:grpSp>
+          <p:nvGrpSpPr>
+            <p:cNvPr id="172" name="组合 171"/>
+            <p:cNvGrpSpPr/>
+            <p:nvPr/>
+          </p:nvGrpSpPr>
+          <p:grpSpPr>
+            <a:xfrm rot="0">
+              <a:off x="12823" y="4927"/>
+              <a:ext cx="1173" cy="1816"/>
+              <a:chOff x="11298" y="6670"/>
+              <a:chExt cx="778" cy="1205"/>
+            </a:xfrm>
+          </p:grpSpPr>
+          <p:sp>
+            <p:nvSpPr>
+              <p:cNvPr id="151" name="椭圆 150"/>
+              <p:cNvSpPr/>
+              <p:nvPr/>
+            </p:nvSpPr>
+            <p:spPr>
+              <a:xfrm>
+                <a:off x="11298" y="6670"/>
+                <a:ext cx="315" cy="315"/>
+              </a:xfrm>
+              <a:prstGeom prst="ellipse">
+                <a:avLst/>
+              </a:prstGeom>
+              <a:solidFill>
+                <a:srgbClr val="BFBFBF"/>
+              </a:solidFill>
+            </p:spPr>
+            <p:style>
+              <a:lnRef idx="2">
+                <a:schemeClr val="dk1"/>
+              </a:lnRef>
+              <a:fillRef idx="1">
+                <a:schemeClr val="lt1"/>
+              </a:fillRef>
+              <a:effectRef idx="0">
+                <a:schemeClr val="dk1"/>
+              </a:effectRef>
+              <a:fontRef idx="minor">
+                <a:schemeClr val="dk1"/>
+              </a:fontRef>
+            </p:style>
+            <p:txBody>
+              <a:bodyPr rtlCol="0" anchor="ctr"/>
+              <a:lstStyle/>
+              <a:p>
+                <a:pPr algn="ctr"/>
+                <a:r>
+                  <a:rPr lang="en-US" altLang="zh-CN" sz="1200" i="1">
+                    <a:solidFill>
+                      <a:schemeClr val="tx1"/>
+                    </a:solidFill>
+                    <a:latin typeface="宋体" panose="02010600030101010101" pitchFamily="2" charset="-122"/>
+                    <a:ea typeface="宋体" panose="02010600030101010101" pitchFamily="2" charset="-122"/>
+                    <a:cs typeface="Times New Roman" panose="02020603050405020304" charset="0"/>
+                  </a:rPr>
+                  <a:t>a</a:t>
+                </a:r>
+                <a:endParaRPr lang="en-US" altLang="zh-CN" sz="1200" i="1">
+                  <a:solidFill>
+                    <a:schemeClr val="tx1"/>
+                  </a:solidFill>
+                  <a:latin typeface="宋体" panose="02010600030101010101" pitchFamily="2" charset="-122"/>
+                  <a:ea typeface="宋体" panose="02010600030101010101" pitchFamily="2" charset="-122"/>
+                  <a:cs typeface="Times New Roman" panose="02020603050405020304" charset="0"/>
+                </a:endParaRPr>
+              </a:p>
+            </p:txBody>
+          </p:sp>
+          <p:sp>
+            <p:nvSpPr>
+              <p:cNvPr id="153" name="椭圆 152"/>
+              <p:cNvSpPr/>
+              <p:nvPr/>
+            </p:nvSpPr>
+            <p:spPr>
+              <a:xfrm>
+                <a:off x="11762" y="7085"/>
+                <a:ext cx="315" cy="315"/>
+              </a:xfrm>
+              <a:prstGeom prst="ellipse">
+                <a:avLst/>
+              </a:prstGeom>
+              <a:solidFill>
+                <a:schemeClr val="bg1">
+                  <a:lumMod val="75000"/>
+                </a:schemeClr>
+              </a:solidFill>
+              <a:ln>
+                <a:solidFill>
+                  <a:schemeClr val="tx1"/>
+                </a:solidFill>
+              </a:ln>
+            </p:spPr>
+            <p:style>
+              <a:lnRef idx="2">
+                <a:schemeClr val="accent1">
+                  <a:shade val="50000"/>
+                </a:schemeClr>
+              </a:lnRef>
+              <a:fillRef idx="1">
+                <a:schemeClr val="accent1"/>
+              </a:fillRef>
+              <a:effectRef idx="0">
+                <a:schemeClr val="accent1"/>
+              </a:effectRef>
+              <a:fontRef idx="minor">
+                <a:schemeClr val="lt1"/>
+              </a:fontRef>
+            </p:style>
+            <p:txBody>
+              <a:bodyPr rtlCol="0" anchor="ctr"/>
+              <a:lstStyle/>
+              <a:p>
+                <a:pPr algn="ctr"/>
+                <a:r>
+                  <a:rPr lang="en-US" altLang="zh-CN" sz="1200" i="1">
+                    <a:solidFill>
+                      <a:schemeClr val="tx1"/>
+                    </a:solidFill>
+                    <a:latin typeface="宋体" panose="02010600030101010101" pitchFamily="2" charset="-122"/>
+                    <a:ea typeface="宋体" panose="02010600030101010101" pitchFamily="2" charset="-122"/>
+                    <a:cs typeface="Times New Roman" panose="02020603050405020304" charset="0"/>
+                  </a:rPr>
+                  <a:t>c</a:t>
+                </a:r>
+                <a:endParaRPr lang="en-US" altLang="zh-CN" sz="1200" i="1">
+                  <a:solidFill>
+                    <a:schemeClr val="tx1"/>
+                  </a:solidFill>
+                  <a:latin typeface="宋体" panose="02010600030101010101" pitchFamily="2" charset="-122"/>
+                  <a:ea typeface="宋体" panose="02010600030101010101" pitchFamily="2" charset="-122"/>
+                  <a:cs typeface="Times New Roman" panose="02020603050405020304" charset="0"/>
+                </a:endParaRPr>
+              </a:p>
+            </p:txBody>
+          </p:sp>
+          <p:sp>
+            <p:nvSpPr>
+              <p:cNvPr id="157" name="矩形 156"/>
+              <p:cNvSpPr/>
+              <p:nvPr/>
+            </p:nvSpPr>
+            <p:spPr>
+              <a:xfrm>
+                <a:off x="11645" y="7583"/>
+                <a:ext cx="293" cy="293"/>
+              </a:xfrm>
+              <a:prstGeom prst="rect">
+                <a:avLst/>
+              </a:prstGeom>
+              <a:solidFill>
+                <a:srgbClr val="FFC000"/>
+              </a:solidFill>
+              <a:ln>
+                <a:solidFill>
+                  <a:schemeClr val="tx1"/>
+                </a:solidFill>
+              </a:ln>
+            </p:spPr>
+            <p:style>
+              <a:lnRef idx="2">
+                <a:schemeClr val="accent1">
+                  <a:shade val="50000"/>
+                </a:schemeClr>
+              </a:lnRef>
+              <a:fillRef idx="1">
+                <a:schemeClr val="accent1"/>
+              </a:fillRef>
+              <a:effectRef idx="0">
+                <a:schemeClr val="accent1"/>
+              </a:effectRef>
+              <a:fontRef idx="minor">
+                <a:schemeClr val="lt1"/>
+              </a:fontRef>
+            </p:style>
+            <p:txBody>
+              <a:bodyPr rtlCol="0" anchor="ctr"/>
+              <a:lstStyle/>
+              <a:p>
+                <a:pPr algn="ctr"/>
+                <a:r>
+                  <a:rPr lang="en-US" altLang="zh-CN" sz="1200" i="1">
+                    <a:solidFill>
+                      <a:schemeClr val="tx1"/>
+                    </a:solidFill>
+                    <a:latin typeface="宋体" panose="02010600030101010101" pitchFamily="2" charset="-122"/>
+                    <a:ea typeface="宋体" panose="02010600030101010101" pitchFamily="2" charset="-122"/>
+                    <a:cs typeface="Times New Roman" panose="02020603050405020304" charset="0"/>
+                  </a:rPr>
+                  <a:t>f</a:t>
+                </a:r>
+                <a:endParaRPr lang="en-US" altLang="zh-CN" sz="1200" i="1">
+                  <a:solidFill>
+                    <a:schemeClr val="tx1"/>
+                  </a:solidFill>
+                  <a:latin typeface="宋体" panose="02010600030101010101" pitchFamily="2" charset="-122"/>
+                  <a:ea typeface="宋体" panose="02010600030101010101" pitchFamily="2" charset="-122"/>
+                  <a:cs typeface="Times New Roman" panose="02020603050405020304" charset="0"/>
+                </a:endParaRPr>
+              </a:p>
+            </p:txBody>
+          </p:sp>
+          <p:cxnSp>
+            <p:nvCxnSpPr>
+              <p:cNvPr id="163" name="直接箭头连接符 162"/>
+              <p:cNvCxnSpPr>
+                <a:stCxn id="151" idx="4"/>
+                <a:endCxn id="153" idx="0"/>
+              </p:cNvCxnSpPr>
+              <p:nvPr/>
+            </p:nvCxnSpPr>
+            <p:spPr>
+              <a:xfrm>
+                <a:off x="11455" y="6985"/>
+                <a:ext cx="464" cy="100"/>
+              </a:xfrm>
+              <a:prstGeom prst="straightConnector1">
+                <a:avLst/>
+              </a:prstGeom>
+              <a:solidFill>
+                <a:srgbClr val="00B0F0"/>
+              </a:solidFill>
+              <a:ln>
+                <a:solidFill>
+                  <a:schemeClr val="tx1"/>
+                </a:solidFill>
+                <a:headEnd type="none"/>
+                <a:tailEnd type="triangle" w="med" len="med"/>
+              </a:ln>
+            </p:spPr>
+            <p:style>
+              <a:lnRef idx="1">
+                <a:schemeClr val="accent1"/>
+              </a:lnRef>
+              <a:fillRef idx="0">
+                <a:schemeClr val="accent1"/>
+              </a:fillRef>
+              <a:effectRef idx="0">
+                <a:schemeClr val="accent1"/>
+              </a:effectRef>
+              <a:fontRef idx="minor">
+                <a:schemeClr val="tx1"/>
+              </a:fontRef>
+            </p:style>
+          </p:cxnSp>
+          <p:cxnSp>
+            <p:nvCxnSpPr>
+              <p:cNvPr id="166" name="直接箭头连接符 165"/>
+              <p:cNvCxnSpPr>
+                <a:stCxn id="153" idx="4"/>
+                <a:endCxn id="157" idx="0"/>
+              </p:cNvCxnSpPr>
+              <p:nvPr/>
+            </p:nvCxnSpPr>
+            <p:spPr>
+              <a:xfrm flipH="1">
+                <a:off x="11792" y="7399"/>
+                <a:ext cx="127" cy="184"/>
+              </a:xfrm>
+              <a:prstGeom prst="straightConnector1">
+                <a:avLst/>
+              </a:prstGeom>
+              <a:solidFill>
+                <a:srgbClr val="00B0F0"/>
+              </a:solidFill>
+              <a:ln>
+                <a:solidFill>
+                  <a:schemeClr val="tx1"/>
+                </a:solidFill>
+                <a:headEnd type="none"/>
+                <a:tailEnd type="triangle" w="med" len="med"/>
+              </a:ln>
+            </p:spPr>
+            <p:style>
+              <a:lnRef idx="1">
+                <a:schemeClr val="accent1"/>
+              </a:lnRef>
+              <a:fillRef idx="0">
+                <a:schemeClr val="accent1"/>
+              </a:fillRef>
+              <a:effectRef idx="0">
+                <a:schemeClr val="accent1"/>
+              </a:effectRef>
+              <a:fontRef idx="minor">
+                <a:schemeClr val="tx1"/>
+              </a:fontRef>
+            </p:style>
+          </p:cxnSp>
+        </p:grpSp>
+      </p:grpSp>
+      <p:sp>
+        <p:nvSpPr>
+          <p:cNvPr id="173" name="文本框 172"/>
+          <p:cNvSpPr txBox="1"/>
+          <p:nvPr/>
+        </p:nvSpPr>
+        <p:spPr>
+          <a:xfrm>
+            <a:off x="6373178" y="5025390"/>
+            <a:ext cx="1257300" cy="306705"/>
+          </a:xfrm>
+          <a:prstGeom prst="rect">
+            <a:avLst/>
+          </a:prstGeom>
+          <a:noFill/>
+        </p:spPr>
+        <p:txBody>
+          <a:bodyPr wrap="none" rtlCol="0">
+            <a:spAutoFit/>
+          </a:bodyPr>
+          <a:lstStyle/>
+          <a:p>
+            <a:pPr algn="ctr"/>
+            <a:r>
+              <a:rPr lang="zh-CN" altLang="en-US" sz="1400" b="1">
+                <a:latin typeface="宋体" panose="02010600030101010101" pitchFamily="2" charset="-122"/>
+                <a:ea typeface="宋体" panose="02010600030101010101" pitchFamily="2" charset="-122"/>
+                <a:cs typeface="Cambria Math" panose="02040503050406030204" charset="0"/>
+              </a:rPr>
+              <a:t>决策路径抽取</a:t>
+            </a:r>
+            <a:endParaRPr lang="zh-CN" altLang="en-US" sz="1400" b="1">
+              <a:latin typeface="宋体" panose="02010600030101010101" pitchFamily="2" charset="-122"/>
+              <a:ea typeface="宋体" panose="02010600030101010101" pitchFamily="2" charset="-122"/>
+              <a:cs typeface="Cambria Math" panose="02040503050406030204" charset="0"/>
+            </a:endParaRPr>
+          </a:p>
+        </p:txBody>
+      </p:sp>
+      <p:sp>
+        <p:nvSpPr>
+          <p:cNvPr id="174" name="右箭头 173"/>
+          <p:cNvSpPr/>
+          <p:nvPr/>
+        </p:nvSpPr>
+        <p:spPr>
+          <a:xfrm>
+            <a:off x="4960620" y="3550920"/>
+            <a:ext cx="262890" cy="251460"/>
+          </a:xfrm>
+          <a:prstGeom prst="rightArrow">
+            <a:avLst/>
+          </a:prstGeom>
+          <a:ln>
+            <a:noFill/>
+          </a:ln>
+        </p:spPr>
+        <p:style>
+          <a:lnRef idx="2">
+            <a:schemeClr val="accent1">
+              <a:shade val="50000"/>
+            </a:schemeClr>
+          </a:lnRef>
+          <a:fillRef idx="1">
+            <a:schemeClr val="accent1"/>
+          </a:fillRef>
+          <a:effectRef idx="0">
+            <a:schemeClr val="accent1"/>
+          </a:effectRef>
+          <a:fontRef idx="minor">
+            <a:schemeClr val="lt1"/>
+          </a:fontRef>
+        </p:style>
+        <p:txBody>
+          <a:bodyPr rtlCol="0" anchor="ctr"/>
+          <a:lstStyle/>
+          <a:p>
+            <a:pPr algn="ctr"/>
+            <a:endParaRPr lang="zh-CN" altLang="en-US">
+              <a:latin typeface="宋体" panose="02010600030101010101" pitchFamily="2" charset="-122"/>
+              <a:ea typeface="宋体" panose="02010600030101010101" pitchFamily="2" charset="-122"/>
+            </a:endParaRPr>
+          </a:p>
+        </p:txBody>
+      </p:sp>
+      <p:grpSp>
+        <p:nvGrpSpPr>
+          <p:cNvPr id="175" name="组合 174"/>
+          <p:cNvGrpSpPr/>
+          <p:nvPr/>
+        </p:nvGrpSpPr>
+        <p:grpSpPr>
+          <a:xfrm>
+            <a:off x="6112510" y="1672590"/>
+            <a:ext cx="1446530" cy="1275715"/>
+            <a:chOff x="8517" y="4876"/>
+            <a:chExt cx="2270" cy="1992"/>
+          </a:xfrm>
+        </p:grpSpPr>
+        <p:sp>
+          <p:nvSpPr>
+            <p:cNvPr id="208" name="圆角矩形 207"/>
+            <p:cNvSpPr/>
+            <p:nvPr/>
+          </p:nvSpPr>
+          <p:spPr>
+            <a:xfrm>
+              <a:off x="8517" y="4876"/>
+              <a:ext cx="2270" cy="1992"/>
+            </a:xfrm>
+            <a:prstGeom prst="roundRect">
+              <a:avLst>
+                <a:gd name="adj" fmla="val 8093"/>
+              </a:avLst>
+            </a:prstGeom>
+            <a:solidFill>
+              <a:schemeClr val="bg1">
+                <a:lumMod val="95000"/>
+              </a:schemeClr>
+            </a:solidFill>
+            <a:ln>
+              <a:noFill/>
+            </a:ln>
+          </p:spPr>
+          <p:style>
+            <a:lnRef idx="2">
+              <a:schemeClr val="accent1">
+                <a:shade val="50000"/>
+              </a:schemeClr>
+            </a:lnRef>
+            <a:fillRef idx="1">
+              <a:schemeClr val="accent1"/>
+            </a:fillRef>
+            <a:effectRef idx="0">
+              <a:schemeClr val="accent1"/>
+            </a:effectRef>
+            <a:fontRef idx="minor">
+              <a:schemeClr val="lt1"/>
+            </a:fontRef>
+          </p:style>
+          <p:txBody>
+            <a:bodyPr rtlCol="0" anchor="ctr"/>
+            <a:lstStyle/>
+            <a:p>
+              <a:pPr algn="ctr"/>
+              <a:endParaRPr lang="zh-CN" altLang="en-US">
+                <a:latin typeface="宋体" panose="02010600030101010101" pitchFamily="2" charset="-122"/>
+                <a:ea typeface="宋体" panose="02010600030101010101" pitchFamily="2" charset="-122"/>
+              </a:endParaRPr>
+            </a:p>
+          </p:txBody>
+        </p:sp>
+        <p:grpSp>
+          <p:nvGrpSpPr>
+            <p:cNvPr id="205" name="组合 204"/>
+            <p:cNvGrpSpPr/>
+            <p:nvPr/>
+          </p:nvGrpSpPr>
+          <p:grpSpPr>
+            <a:xfrm>
+              <a:off x="8621" y="4953"/>
+              <a:ext cx="2083" cy="1726"/>
+              <a:chOff x="8959" y="4958"/>
+              <a:chExt cx="2083" cy="1726"/>
+            </a:xfrm>
+          </p:grpSpPr>
+          <p:sp>
+            <p:nvSpPr>
+              <p:cNvPr id="181" name="椭圆 180"/>
+              <p:cNvSpPr/>
+              <p:nvPr/>
+            </p:nvSpPr>
+            <p:spPr>
+              <a:xfrm>
+                <a:off x="9758" y="4958"/>
+                <a:ext cx="315" cy="315"/>
+              </a:xfrm>
+              <a:prstGeom prst="ellipse">
+                <a:avLst/>
+              </a:prstGeom>
+              <a:solidFill>
+                <a:schemeClr val="bg1">
+                  <a:lumMod val="75000"/>
+                </a:schemeClr>
+              </a:solidFill>
+              <a:ln>
+                <a:solidFill>
+                  <a:schemeClr val="tx1"/>
+                </a:solidFill>
+              </a:ln>
+            </p:spPr>
+            <p:style>
+              <a:lnRef idx="2">
+                <a:schemeClr val="accent1">
+                  <a:shade val="50000"/>
+                </a:schemeClr>
+              </a:lnRef>
+              <a:fillRef idx="1">
+                <a:schemeClr val="accent1"/>
+              </a:fillRef>
+              <a:effectRef idx="0">
+                <a:schemeClr val="accent1"/>
+              </a:effectRef>
+              <a:fontRef idx="minor">
+                <a:schemeClr val="lt1"/>
+              </a:fontRef>
+            </p:style>
+            <p:txBody>
+              <a:bodyPr rtlCol="0" anchor="ctr"/>
+              <a:lstStyle/>
+              <a:p>
+                <a:pPr algn="ctr"/>
+                <a:endParaRPr lang="zh-CN" altLang="en-US">
+                  <a:latin typeface="宋体" panose="02010600030101010101" pitchFamily="2" charset="-122"/>
+                  <a:ea typeface="宋体" panose="02010600030101010101" pitchFamily="2" charset="-122"/>
+                </a:endParaRPr>
+              </a:p>
+            </p:txBody>
+          </p:sp>
+          <p:sp>
+            <p:nvSpPr>
+              <p:cNvPr id="182" name="椭圆 181"/>
+              <p:cNvSpPr/>
+              <p:nvPr/>
+            </p:nvSpPr>
+            <p:spPr>
+              <a:xfrm>
+                <a:off x="9261" y="5373"/>
+                <a:ext cx="315" cy="315"/>
+              </a:xfrm>
+              <a:prstGeom prst="ellipse">
+                <a:avLst/>
+              </a:prstGeom>
+              <a:solidFill>
+                <a:schemeClr val="bg1">
+                  <a:lumMod val="75000"/>
+                </a:schemeClr>
+              </a:solidFill>
+              <a:ln>
+                <a:solidFill>
+                  <a:schemeClr val="tx1"/>
+                </a:solidFill>
+              </a:ln>
+            </p:spPr>
+            <p:style>
+              <a:lnRef idx="2">
+                <a:schemeClr val="accent1">
+                  <a:shade val="50000"/>
+                </a:schemeClr>
+              </a:lnRef>
+              <a:fillRef idx="1">
+                <a:schemeClr val="accent1"/>
+              </a:fillRef>
+              <a:effectRef idx="0">
+                <a:schemeClr val="accent1"/>
+              </a:effectRef>
+              <a:fontRef idx="minor">
+                <a:schemeClr val="lt1"/>
+              </a:fontRef>
+            </p:style>
+            <p:txBody>
+              <a:bodyPr rtlCol="0" anchor="ctr"/>
+              <a:lstStyle/>
+              <a:p>
+                <a:pPr algn="ctr"/>
+                <a:endParaRPr lang="zh-CN" altLang="en-US">
+                  <a:latin typeface="宋体" panose="02010600030101010101" pitchFamily="2" charset="-122"/>
+                  <a:ea typeface="宋体" panose="02010600030101010101" pitchFamily="2" charset="-122"/>
+                </a:endParaRPr>
+              </a:p>
+            </p:txBody>
+          </p:sp>
+          <p:sp>
+            <p:nvSpPr>
+              <p:cNvPr id="183" name="椭圆 182"/>
+              <p:cNvSpPr/>
+              <p:nvPr/>
+            </p:nvSpPr>
+            <p:spPr>
+              <a:xfrm>
+                <a:off x="10222" y="5373"/>
+                <a:ext cx="315" cy="315"/>
+              </a:xfrm>
+              <a:prstGeom prst="ellipse">
+                <a:avLst/>
+              </a:prstGeom>
+              <a:solidFill>
+                <a:schemeClr val="bg1">
+                  <a:lumMod val="75000"/>
+                </a:schemeClr>
+              </a:solidFill>
+              <a:ln>
+                <a:solidFill>
+                  <a:schemeClr val="tx1"/>
+                </a:solidFill>
+              </a:ln>
+            </p:spPr>
+            <p:style>
+              <a:lnRef idx="2">
+                <a:schemeClr val="accent1">
+                  <a:shade val="50000"/>
+                </a:schemeClr>
+              </a:lnRef>
+              <a:fillRef idx="1">
+                <a:schemeClr val="accent1"/>
+              </a:fillRef>
+              <a:effectRef idx="0">
+                <a:schemeClr val="accent1"/>
+              </a:effectRef>
+              <a:fontRef idx="minor">
+                <a:schemeClr val="lt1"/>
+              </a:fontRef>
+            </p:style>
+            <p:txBody>
+              <a:bodyPr rtlCol="0" anchor="ctr"/>
+              <a:lstStyle/>
+              <a:p>
+                <a:pPr algn="ctr"/>
+                <a:endParaRPr lang="zh-CN" altLang="en-US">
+                  <a:latin typeface="宋体" panose="02010600030101010101" pitchFamily="2" charset="-122"/>
+                  <a:ea typeface="宋体" panose="02010600030101010101" pitchFamily="2" charset="-122"/>
+                </a:endParaRPr>
+              </a:p>
+            </p:txBody>
+          </p:sp>
+          <p:sp>
+            <p:nvSpPr>
+              <p:cNvPr id="184" name="椭圆 183"/>
+              <p:cNvSpPr/>
+              <p:nvPr/>
+            </p:nvSpPr>
+            <p:spPr>
+              <a:xfrm>
+                <a:off x="9364" y="5850"/>
+                <a:ext cx="315" cy="315"/>
+              </a:xfrm>
+              <a:prstGeom prst="ellipse">
+                <a:avLst/>
+              </a:prstGeom>
+              <a:solidFill>
+                <a:schemeClr val="bg1">
+                  <a:lumMod val="75000"/>
+                </a:schemeClr>
+              </a:solidFill>
+              <a:ln>
+                <a:solidFill>
+                  <a:schemeClr val="tx1"/>
+                </a:solidFill>
+              </a:ln>
+            </p:spPr>
+            <p:style>
+              <a:lnRef idx="2">
+                <a:schemeClr val="accent1">
+                  <a:shade val="50000"/>
+                </a:schemeClr>
+              </a:lnRef>
+              <a:fillRef idx="1">
+                <a:schemeClr val="accent1"/>
+              </a:fillRef>
+              <a:effectRef idx="0">
+                <a:schemeClr val="accent1"/>
+              </a:effectRef>
+              <a:fontRef idx="minor">
+                <a:schemeClr val="lt1"/>
+              </a:fontRef>
+            </p:style>
+            <p:txBody>
+              <a:bodyPr rtlCol="0" anchor="ctr"/>
+              <a:lstStyle/>
+              <a:p>
+                <a:pPr algn="ctr"/>
+                <a:endParaRPr lang="zh-CN" altLang="en-US">
+                  <a:latin typeface="宋体" panose="02010600030101010101" pitchFamily="2" charset="-122"/>
+                  <a:ea typeface="宋体" panose="02010600030101010101" pitchFamily="2" charset="-122"/>
+                </a:endParaRPr>
+              </a:p>
+            </p:txBody>
+          </p:sp>
+          <p:sp>
+            <p:nvSpPr>
+              <p:cNvPr id="185" name="椭圆 184"/>
+              <p:cNvSpPr/>
+              <p:nvPr/>
+            </p:nvSpPr>
+            <p:spPr>
+              <a:xfrm>
+                <a:off x="10510" y="5850"/>
+                <a:ext cx="315" cy="315"/>
+              </a:xfrm>
+              <a:prstGeom prst="ellipse">
+                <a:avLst/>
+              </a:prstGeom>
+              <a:solidFill>
+                <a:schemeClr val="bg1">
+                  <a:lumMod val="75000"/>
+                </a:schemeClr>
+              </a:solidFill>
+              <a:ln>
+                <a:solidFill>
+                  <a:schemeClr val="tx1"/>
+                </a:solidFill>
+              </a:ln>
+            </p:spPr>
+            <p:style>
+              <a:lnRef idx="2">
+                <a:schemeClr val="accent1">
+                  <a:shade val="50000"/>
+                </a:schemeClr>
+              </a:lnRef>
+              <a:fillRef idx="1">
+                <a:schemeClr val="accent1"/>
+              </a:fillRef>
+              <a:effectRef idx="0">
+                <a:schemeClr val="accent1"/>
+              </a:effectRef>
+              <a:fontRef idx="minor">
+                <a:schemeClr val="lt1"/>
+              </a:fontRef>
+            </p:style>
+            <p:txBody>
+              <a:bodyPr rtlCol="0" anchor="ctr"/>
+              <a:lstStyle/>
+              <a:p>
+                <a:pPr algn="ctr"/>
+                <a:endParaRPr lang="zh-CN" altLang="en-US">
+                  <a:latin typeface="宋体" panose="02010600030101010101" pitchFamily="2" charset="-122"/>
+                  <a:ea typeface="宋体" panose="02010600030101010101" pitchFamily="2" charset="-122"/>
+                </a:endParaRPr>
+              </a:p>
+            </p:txBody>
+          </p:sp>
+          <p:sp>
+            <p:nvSpPr>
+              <p:cNvPr id="186" name="矩形 185"/>
+              <p:cNvSpPr/>
+              <p:nvPr/>
+            </p:nvSpPr>
+            <p:spPr>
+              <a:xfrm>
+                <a:off x="8959" y="5871"/>
+                <a:ext cx="293" cy="293"/>
+              </a:xfrm>
+              <a:prstGeom prst="rect">
+                <a:avLst/>
+              </a:prstGeom>
+              <a:solidFill>
+                <a:srgbClr val="FFC000"/>
+              </a:solidFill>
+              <a:ln>
+                <a:solidFill>
+                  <a:schemeClr val="tx1"/>
+                </a:solidFill>
+              </a:ln>
+            </p:spPr>
+            <p:style>
+              <a:lnRef idx="2">
+                <a:schemeClr val="accent1">
+                  <a:shade val="50000"/>
+                </a:schemeClr>
+              </a:lnRef>
+              <a:fillRef idx="1">
+                <a:schemeClr val="accent1"/>
+              </a:fillRef>
+              <a:effectRef idx="0">
+                <a:schemeClr val="accent1"/>
+              </a:effectRef>
+              <a:fontRef idx="minor">
+                <a:schemeClr val="lt1"/>
+              </a:fontRef>
+            </p:style>
+            <p:txBody>
+              <a:bodyPr rtlCol="0" anchor="ctr"/>
+              <a:lstStyle/>
+              <a:p>
+                <a:pPr algn="ctr"/>
+                <a:endParaRPr lang="zh-CN" altLang="en-US">
+                  <a:latin typeface="宋体" panose="02010600030101010101" pitchFamily="2" charset="-122"/>
+                  <a:ea typeface="宋体" panose="02010600030101010101" pitchFamily="2" charset="-122"/>
+                </a:endParaRPr>
+              </a:p>
+            </p:txBody>
+          </p:sp>
+          <p:sp>
+            <p:nvSpPr>
+              <p:cNvPr id="187" name="矩形 186"/>
+              <p:cNvSpPr/>
+              <p:nvPr/>
+            </p:nvSpPr>
+            <p:spPr>
+              <a:xfrm>
+                <a:off x="10105" y="5871"/>
+                <a:ext cx="293" cy="293"/>
+              </a:xfrm>
+              <a:prstGeom prst="rect">
+                <a:avLst/>
+              </a:prstGeom>
+              <a:solidFill>
+                <a:srgbClr val="FFC000"/>
+              </a:solidFill>
+              <a:ln>
+                <a:solidFill>
+                  <a:schemeClr val="tx1"/>
+                </a:solidFill>
+              </a:ln>
+            </p:spPr>
+            <p:style>
+              <a:lnRef idx="2">
+                <a:schemeClr val="accent1">
+                  <a:shade val="50000"/>
+                </a:schemeClr>
+              </a:lnRef>
+              <a:fillRef idx="1">
+                <a:schemeClr val="accent1"/>
+              </a:fillRef>
+              <a:effectRef idx="0">
+                <a:schemeClr val="accent1"/>
+              </a:effectRef>
+              <a:fontRef idx="minor">
+                <a:schemeClr val="lt1"/>
+              </a:fontRef>
+            </p:style>
+            <p:txBody>
+              <a:bodyPr rtlCol="0" anchor="ctr"/>
+              <a:lstStyle/>
+              <a:p>
+                <a:pPr algn="ctr"/>
+                <a:endParaRPr lang="zh-CN" altLang="en-US">
+                  <a:latin typeface="宋体" panose="02010600030101010101" pitchFamily="2" charset="-122"/>
+                  <a:ea typeface="宋体" panose="02010600030101010101" pitchFamily="2" charset="-122"/>
+                </a:endParaRPr>
+              </a:p>
+            </p:txBody>
+          </p:sp>
+          <p:sp>
+            <p:nvSpPr>
+              <p:cNvPr id="188" name="矩形 187"/>
+              <p:cNvSpPr/>
+              <p:nvPr/>
+            </p:nvSpPr>
+            <p:spPr>
+              <a:xfrm>
+                <a:off x="9159" y="6392"/>
+                <a:ext cx="293" cy="293"/>
+              </a:xfrm>
+              <a:prstGeom prst="rect">
+                <a:avLst/>
+              </a:prstGeom>
+              <a:solidFill>
+                <a:srgbClr val="FFC000"/>
+              </a:solidFill>
+              <a:ln>
+                <a:solidFill>
+                  <a:schemeClr val="tx1"/>
+                </a:solidFill>
+              </a:ln>
+            </p:spPr>
+            <p:style>
+              <a:lnRef idx="2">
+                <a:schemeClr val="accent1">
+                  <a:shade val="50000"/>
+                </a:schemeClr>
+              </a:lnRef>
+              <a:fillRef idx="1">
+                <a:schemeClr val="accent1"/>
+              </a:fillRef>
+              <a:effectRef idx="0">
+                <a:schemeClr val="accent1"/>
+              </a:effectRef>
+              <a:fontRef idx="minor">
+                <a:schemeClr val="lt1"/>
+              </a:fontRef>
+            </p:style>
+            <p:txBody>
+              <a:bodyPr rtlCol="0" anchor="ctr"/>
+              <a:lstStyle/>
+              <a:p>
+                <a:pPr algn="ctr"/>
+                <a:endParaRPr lang="zh-CN" altLang="en-US">
+                  <a:latin typeface="宋体" panose="02010600030101010101" pitchFamily="2" charset="-122"/>
+                  <a:ea typeface="宋体" panose="02010600030101010101" pitchFamily="2" charset="-122"/>
+                </a:endParaRPr>
+              </a:p>
+            </p:txBody>
+          </p:sp>
+          <p:sp>
+            <p:nvSpPr>
+              <p:cNvPr id="189" name="矩形 188"/>
+              <p:cNvSpPr/>
+              <p:nvPr/>
+            </p:nvSpPr>
+            <p:spPr>
+              <a:xfrm>
+                <a:off x="9576" y="6392"/>
+                <a:ext cx="293" cy="293"/>
+              </a:xfrm>
+              <a:prstGeom prst="rect">
+                <a:avLst/>
+              </a:prstGeom>
+              <a:solidFill>
+                <a:srgbClr val="FFC000"/>
+              </a:solidFill>
+              <a:ln>
+                <a:solidFill>
+                  <a:schemeClr val="tx1"/>
+                </a:solidFill>
+              </a:ln>
+            </p:spPr>
+            <p:style>
+              <a:lnRef idx="2">
+                <a:schemeClr val="accent1">
+                  <a:shade val="50000"/>
+                </a:schemeClr>
+              </a:lnRef>
+              <a:fillRef idx="1">
+                <a:schemeClr val="accent1"/>
+              </a:fillRef>
+              <a:effectRef idx="0">
+                <a:schemeClr val="accent1"/>
+              </a:effectRef>
+              <a:fontRef idx="minor">
+                <a:schemeClr val="lt1"/>
+              </a:fontRef>
+            </p:style>
+            <p:txBody>
+              <a:bodyPr rtlCol="0" anchor="ctr"/>
+              <a:lstStyle/>
+              <a:p>
+                <a:pPr algn="ctr"/>
+                <a:endParaRPr lang="zh-CN" altLang="en-US">
+                  <a:latin typeface="宋体" panose="02010600030101010101" pitchFamily="2" charset="-122"/>
+                  <a:ea typeface="宋体" panose="02010600030101010101" pitchFamily="2" charset="-122"/>
+                </a:endParaRPr>
+              </a:p>
+            </p:txBody>
+          </p:sp>
+          <p:sp>
+            <p:nvSpPr>
+              <p:cNvPr id="190" name="矩形 189"/>
+              <p:cNvSpPr/>
+              <p:nvPr/>
+            </p:nvSpPr>
+            <p:spPr>
+              <a:xfrm>
+                <a:off x="10324" y="6392"/>
+                <a:ext cx="293" cy="293"/>
+              </a:xfrm>
+              <a:prstGeom prst="rect">
+                <a:avLst/>
+              </a:prstGeom>
+              <a:solidFill>
+                <a:srgbClr val="FFC000"/>
+              </a:solidFill>
+              <a:ln>
+                <a:solidFill>
+                  <a:schemeClr val="tx1"/>
+                </a:solidFill>
+              </a:ln>
+            </p:spPr>
+            <p:style>
+              <a:lnRef idx="2">
+                <a:schemeClr val="accent1">
+                  <a:shade val="50000"/>
+                </a:schemeClr>
+              </a:lnRef>
+              <a:fillRef idx="1">
+                <a:schemeClr val="accent1"/>
+              </a:fillRef>
+              <a:effectRef idx="0">
+                <a:schemeClr val="accent1"/>
+              </a:effectRef>
+              <a:fontRef idx="minor">
+                <a:schemeClr val="lt1"/>
+              </a:fontRef>
+            </p:style>
+            <p:txBody>
+              <a:bodyPr rtlCol="0" anchor="ctr"/>
+              <a:lstStyle/>
+              <a:p>
+                <a:pPr algn="ctr"/>
+                <a:endParaRPr lang="zh-CN" altLang="en-US">
+                  <a:latin typeface="宋体" panose="02010600030101010101" pitchFamily="2" charset="-122"/>
+                  <a:ea typeface="宋体" panose="02010600030101010101" pitchFamily="2" charset="-122"/>
+                </a:endParaRPr>
+              </a:p>
+            </p:txBody>
+          </p:sp>
+          <p:sp>
+            <p:nvSpPr>
+              <p:cNvPr id="191" name="矩形 190"/>
+              <p:cNvSpPr/>
+              <p:nvPr/>
+            </p:nvSpPr>
+            <p:spPr>
+              <a:xfrm>
+                <a:off x="10750" y="6392"/>
+                <a:ext cx="293" cy="293"/>
+              </a:xfrm>
+              <a:prstGeom prst="rect">
+                <a:avLst/>
+              </a:prstGeom>
+              <a:solidFill>
+                <a:srgbClr val="FFC000"/>
+              </a:solidFill>
+              <a:ln>
+                <a:solidFill>
+                  <a:schemeClr val="tx1"/>
+                </a:solidFill>
+              </a:ln>
+            </p:spPr>
+            <p:style>
+              <a:lnRef idx="2">
+                <a:schemeClr val="accent1">
+                  <a:shade val="50000"/>
+                </a:schemeClr>
+              </a:lnRef>
+              <a:fillRef idx="1">
+                <a:schemeClr val="accent1"/>
+              </a:fillRef>
+              <a:effectRef idx="0">
+                <a:schemeClr val="accent1"/>
+              </a:effectRef>
+              <a:fontRef idx="minor">
+                <a:schemeClr val="lt1"/>
+              </a:fontRef>
+            </p:style>
+            <p:txBody>
+              <a:bodyPr rtlCol="0" anchor="ctr"/>
+              <a:lstStyle/>
+              <a:p>
+                <a:pPr algn="ctr"/>
+                <a:endParaRPr lang="zh-CN" altLang="en-US">
+                  <a:latin typeface="宋体" panose="02010600030101010101" pitchFamily="2" charset="-122"/>
+                  <a:ea typeface="宋体" panose="02010600030101010101" pitchFamily="2" charset="-122"/>
+                </a:endParaRPr>
+              </a:p>
+            </p:txBody>
+          </p:sp>
+          <p:cxnSp>
+            <p:nvCxnSpPr>
+              <p:cNvPr id="192" name="直接箭头连接符 191"/>
+              <p:cNvCxnSpPr>
+                <a:stCxn id="181" idx="4"/>
+                <a:endCxn id="182" idx="0"/>
+              </p:cNvCxnSpPr>
+              <p:nvPr/>
+            </p:nvCxnSpPr>
+            <p:spPr>
+              <a:xfrm flipH="1">
+                <a:off x="9419" y="5273"/>
+                <a:ext cx="497" cy="100"/>
+              </a:xfrm>
+              <a:prstGeom prst="straightConnector1">
+                <a:avLst/>
+              </a:prstGeom>
+              <a:solidFill>
+                <a:srgbClr val="00B0F0"/>
+              </a:solidFill>
+              <a:ln>
+                <a:solidFill>
+                  <a:schemeClr val="tx1"/>
+                </a:solidFill>
+                <a:headEnd type="none"/>
+                <a:tailEnd type="triangle" w="med" len="med"/>
+              </a:ln>
+            </p:spPr>
+            <p:style>
+              <a:lnRef idx="1">
+                <a:schemeClr val="accent1"/>
+              </a:lnRef>
+              <a:fillRef idx="0">
+                <a:schemeClr val="accent1"/>
+              </a:fillRef>
+              <a:effectRef idx="0">
+                <a:schemeClr val="accent1"/>
+              </a:effectRef>
+              <a:fontRef idx="minor">
+                <a:schemeClr val="tx1"/>
+              </a:fontRef>
+            </p:style>
+          </p:cxnSp>
+          <p:cxnSp>
+            <p:nvCxnSpPr>
+              <p:cNvPr id="193" name="直接箭头连接符 192"/>
+              <p:cNvCxnSpPr>
+                <a:stCxn id="181" idx="4"/>
+                <a:endCxn id="183" idx="0"/>
+              </p:cNvCxnSpPr>
+              <p:nvPr/>
+            </p:nvCxnSpPr>
+            <p:spPr>
+              <a:xfrm>
+                <a:off x="9916" y="5273"/>
+                <a:ext cx="464" cy="100"/>
+              </a:xfrm>
+              <a:prstGeom prst="straightConnector1">
+                <a:avLst/>
+              </a:prstGeom>
+              <a:solidFill>
+                <a:srgbClr val="00B0F0"/>
+              </a:solidFill>
+              <a:ln>
+                <a:solidFill>
+                  <a:schemeClr val="tx1"/>
+                </a:solidFill>
+                <a:headEnd type="none"/>
+                <a:tailEnd type="triangle" w="med" len="med"/>
+              </a:ln>
+            </p:spPr>
+            <p:style>
+              <a:lnRef idx="1">
+                <a:schemeClr val="accent1"/>
+              </a:lnRef>
+              <a:fillRef idx="0">
+                <a:schemeClr val="accent1"/>
+              </a:fillRef>
+              <a:effectRef idx="0">
+                <a:schemeClr val="accent1"/>
+              </a:effectRef>
+              <a:fontRef idx="minor">
+                <a:schemeClr val="tx1"/>
+              </a:fontRef>
+            </p:style>
+          </p:cxnSp>
+          <p:cxnSp>
+            <p:nvCxnSpPr>
+              <p:cNvPr id="194" name="直接箭头连接符 193"/>
+              <p:cNvCxnSpPr>
+                <a:stCxn id="182" idx="4"/>
+                <a:endCxn id="186" idx="0"/>
+              </p:cNvCxnSpPr>
+              <p:nvPr/>
+            </p:nvCxnSpPr>
+            <p:spPr>
+              <a:xfrm flipH="1">
+                <a:off x="9106" y="5688"/>
+                <a:ext cx="313" cy="183"/>
+              </a:xfrm>
+              <a:prstGeom prst="straightConnector1">
+                <a:avLst/>
+              </a:prstGeom>
+              <a:solidFill>
+                <a:schemeClr val="accent3">
+                  <a:lumMod val="75000"/>
+                </a:schemeClr>
+              </a:solidFill>
+              <a:ln>
+                <a:solidFill>
+                  <a:schemeClr val="tx1"/>
+                </a:solidFill>
+                <a:headEnd type="none"/>
+                <a:tailEnd type="triangle" w="med" len="med"/>
+              </a:ln>
+            </p:spPr>
+            <p:style>
+              <a:lnRef idx="1">
+                <a:schemeClr val="accent1"/>
+              </a:lnRef>
+              <a:fillRef idx="0">
+                <a:schemeClr val="accent1"/>
+              </a:fillRef>
+              <a:effectRef idx="0">
+                <a:schemeClr val="accent1"/>
+              </a:effectRef>
+              <a:fontRef idx="minor">
+                <a:schemeClr val="tx1"/>
+              </a:fontRef>
+            </p:style>
+          </p:cxnSp>
+          <p:cxnSp>
+            <p:nvCxnSpPr>
+              <p:cNvPr id="195" name="直接箭头连接符 194"/>
+              <p:cNvCxnSpPr>
+                <a:stCxn id="182" idx="4"/>
+                <a:endCxn id="184" idx="0"/>
+              </p:cNvCxnSpPr>
+              <p:nvPr/>
+            </p:nvCxnSpPr>
+            <p:spPr>
+              <a:xfrm>
+                <a:off x="9419" y="5688"/>
+                <a:ext cx="103" cy="162"/>
+              </a:xfrm>
+              <a:prstGeom prst="straightConnector1">
+                <a:avLst/>
+              </a:prstGeom>
+              <a:solidFill>
+                <a:srgbClr val="00B0F0"/>
+              </a:solidFill>
+              <a:ln>
+                <a:solidFill>
+                  <a:schemeClr val="tx1"/>
+                </a:solidFill>
+                <a:headEnd type="none"/>
+                <a:tailEnd type="triangle" w="med" len="med"/>
+              </a:ln>
+            </p:spPr>
+            <p:style>
+              <a:lnRef idx="1">
+                <a:schemeClr val="accent1"/>
+              </a:lnRef>
+              <a:fillRef idx="0">
+                <a:schemeClr val="accent1"/>
+              </a:fillRef>
+              <a:effectRef idx="0">
+                <a:schemeClr val="accent1"/>
+              </a:effectRef>
+              <a:fontRef idx="minor">
+                <a:schemeClr val="tx1"/>
+              </a:fontRef>
+            </p:style>
+          </p:cxnSp>
+          <p:cxnSp>
+            <p:nvCxnSpPr>
+              <p:cNvPr id="196" name="直接箭头连接符 195"/>
+              <p:cNvCxnSpPr>
+                <a:stCxn id="183" idx="4"/>
+                <a:endCxn id="187" idx="0"/>
+              </p:cNvCxnSpPr>
+              <p:nvPr/>
+            </p:nvCxnSpPr>
+            <p:spPr>
+              <a:xfrm flipH="1">
+                <a:off x="10252" y="5688"/>
+                <a:ext cx="128" cy="183"/>
+              </a:xfrm>
+              <a:prstGeom prst="straightConnector1">
+                <a:avLst/>
+              </a:prstGeom>
+              <a:solidFill>
+                <a:srgbClr val="00B0F0"/>
+              </a:solidFill>
+              <a:ln>
+                <a:solidFill>
+                  <a:schemeClr val="tx1"/>
+                </a:solidFill>
+                <a:headEnd type="none"/>
+                <a:tailEnd type="triangle" w="med" len="med"/>
+              </a:ln>
+            </p:spPr>
+            <p:style>
+              <a:lnRef idx="1">
+                <a:schemeClr val="accent1"/>
+              </a:lnRef>
+              <a:fillRef idx="0">
+                <a:schemeClr val="accent1"/>
+              </a:fillRef>
+              <a:effectRef idx="0">
+                <a:schemeClr val="accent1"/>
+              </a:effectRef>
+              <a:fontRef idx="minor">
+                <a:schemeClr val="tx1"/>
+              </a:fontRef>
+            </p:style>
+          </p:cxnSp>
+          <p:cxnSp>
+            <p:nvCxnSpPr>
+              <p:cNvPr id="197" name="直接箭头连接符 196"/>
+              <p:cNvCxnSpPr>
+                <a:stCxn id="183" idx="4"/>
+                <a:endCxn id="185" idx="0"/>
+              </p:cNvCxnSpPr>
+              <p:nvPr/>
+            </p:nvCxnSpPr>
+            <p:spPr>
+              <a:xfrm>
+                <a:off x="10380" y="5688"/>
+                <a:ext cx="288" cy="162"/>
+              </a:xfrm>
+              <a:prstGeom prst="straightConnector1">
+                <a:avLst/>
+              </a:prstGeom>
+              <a:solidFill>
+                <a:srgbClr val="00B0F0"/>
+              </a:solidFill>
+              <a:ln>
+                <a:solidFill>
+                  <a:schemeClr val="tx1"/>
+                </a:solidFill>
+                <a:headEnd type="none"/>
+                <a:tailEnd type="triangle" w="med" len="med"/>
+              </a:ln>
+            </p:spPr>
+            <p:style>
+              <a:lnRef idx="1">
+                <a:schemeClr val="accent1"/>
+              </a:lnRef>
+              <a:fillRef idx="0">
+                <a:schemeClr val="accent1"/>
+              </a:fillRef>
+              <a:effectRef idx="0">
+                <a:schemeClr val="accent1"/>
+              </a:effectRef>
+              <a:fontRef idx="minor">
+                <a:schemeClr val="tx1"/>
+              </a:fontRef>
+            </p:style>
+          </p:cxnSp>
+          <p:cxnSp>
+            <p:nvCxnSpPr>
+              <p:cNvPr id="198" name="直接箭头连接符 197"/>
+              <p:cNvCxnSpPr>
+                <a:stCxn id="184" idx="4"/>
+                <a:endCxn id="188" idx="0"/>
+              </p:cNvCxnSpPr>
+              <p:nvPr/>
+            </p:nvCxnSpPr>
+            <p:spPr>
+              <a:xfrm flipH="1">
+                <a:off x="9306" y="6165"/>
+                <a:ext cx="216" cy="227"/>
+              </a:xfrm>
+              <a:prstGeom prst="straightConnector1">
+                <a:avLst/>
+              </a:prstGeom>
+              <a:solidFill>
+                <a:schemeClr val="bg1">
+                  <a:lumMod val="75000"/>
+                </a:schemeClr>
+              </a:solidFill>
+              <a:ln>
+                <a:solidFill>
+                  <a:schemeClr val="tx1"/>
+                </a:solidFill>
+                <a:headEnd type="none"/>
+                <a:tailEnd type="triangle" w="med" len="med"/>
+              </a:ln>
+            </p:spPr>
+            <p:style>
+              <a:lnRef idx="1">
+                <a:schemeClr val="accent1"/>
+              </a:lnRef>
+              <a:fillRef idx="0">
+                <a:schemeClr val="accent1"/>
+              </a:fillRef>
+              <a:effectRef idx="0">
+                <a:schemeClr val="accent1"/>
+              </a:effectRef>
+              <a:fontRef idx="minor">
+                <a:schemeClr val="tx1"/>
+              </a:fontRef>
+            </p:style>
+          </p:cxnSp>
+          <p:cxnSp>
+            <p:nvCxnSpPr>
+              <p:cNvPr id="199" name="直接箭头连接符 198"/>
+              <p:cNvCxnSpPr>
+                <a:stCxn id="184" idx="4"/>
+                <a:endCxn id="189" idx="0"/>
+              </p:cNvCxnSpPr>
+              <p:nvPr/>
+            </p:nvCxnSpPr>
+            <p:spPr>
+              <a:xfrm>
+                <a:off x="9522" y="6165"/>
+                <a:ext cx="201" cy="227"/>
+              </a:xfrm>
+              <a:prstGeom prst="straightConnector1">
+                <a:avLst/>
+              </a:prstGeom>
+              <a:solidFill>
+                <a:schemeClr val="bg1">
+                  <a:lumMod val="75000"/>
+                </a:schemeClr>
+              </a:solidFill>
+              <a:ln>
+                <a:solidFill>
+                  <a:schemeClr val="tx1"/>
+                </a:solidFill>
+                <a:headEnd type="none"/>
+                <a:tailEnd type="triangle" w="med" len="med"/>
+              </a:ln>
+            </p:spPr>
+            <p:style>
+              <a:lnRef idx="1">
+                <a:schemeClr val="accent1"/>
+              </a:lnRef>
+              <a:fillRef idx="0">
+                <a:schemeClr val="accent1"/>
+              </a:fillRef>
+              <a:effectRef idx="0">
+                <a:schemeClr val="accent1"/>
+              </a:effectRef>
+              <a:fontRef idx="minor">
+                <a:schemeClr val="tx1"/>
+              </a:fontRef>
+            </p:style>
+          </p:cxnSp>
+          <p:cxnSp>
+            <p:nvCxnSpPr>
+              <p:cNvPr id="200" name="直接箭头连接符 199"/>
+              <p:cNvCxnSpPr>
+                <a:stCxn id="185" idx="4"/>
+                <a:endCxn id="190" idx="0"/>
+              </p:cNvCxnSpPr>
+              <p:nvPr/>
+            </p:nvCxnSpPr>
+            <p:spPr>
+              <a:xfrm flipH="1">
+                <a:off x="10471" y="6165"/>
+                <a:ext cx="197" cy="227"/>
+              </a:xfrm>
+              <a:prstGeom prst="straightConnector1">
+                <a:avLst/>
+              </a:prstGeom>
+              <a:solidFill>
+                <a:schemeClr val="bg1">
+                  <a:lumMod val="75000"/>
+                </a:schemeClr>
+              </a:solidFill>
+              <a:ln>
+                <a:solidFill>
+                  <a:schemeClr val="tx1"/>
+                </a:solidFill>
+                <a:headEnd type="none"/>
+                <a:tailEnd type="triangle" w="med" len="med"/>
+              </a:ln>
+            </p:spPr>
+            <p:style>
+              <a:lnRef idx="1">
+                <a:schemeClr val="accent1"/>
+              </a:lnRef>
+              <a:fillRef idx="0">
+                <a:schemeClr val="accent1"/>
+              </a:fillRef>
+              <a:effectRef idx="0">
+                <a:schemeClr val="accent1"/>
+              </a:effectRef>
+              <a:fontRef idx="minor">
+                <a:schemeClr val="tx1"/>
+              </a:fontRef>
+            </p:style>
+          </p:cxnSp>
+          <p:cxnSp>
+            <p:nvCxnSpPr>
+              <p:cNvPr id="201" name="直接箭头连接符 200"/>
+              <p:cNvCxnSpPr>
+                <a:stCxn id="185" idx="4"/>
+                <a:endCxn id="191" idx="0"/>
+              </p:cNvCxnSpPr>
+              <p:nvPr/>
+            </p:nvCxnSpPr>
+            <p:spPr>
+              <a:xfrm>
+                <a:off x="10668" y="6165"/>
+                <a:ext cx="229" cy="227"/>
+              </a:xfrm>
+              <a:prstGeom prst="straightConnector1">
+                <a:avLst/>
+              </a:prstGeom>
+              <a:solidFill>
+                <a:schemeClr val="bg1">
+                  <a:lumMod val="75000"/>
+                </a:schemeClr>
+              </a:solidFill>
+              <a:ln>
+                <a:solidFill>
+                  <a:schemeClr val="tx1"/>
+                </a:solidFill>
+                <a:headEnd type="none"/>
+                <a:tailEnd type="triangle" w="med" len="med"/>
+              </a:ln>
+            </p:spPr>
+            <p:style>
+              <a:lnRef idx="1">
+                <a:schemeClr val="accent1"/>
+              </a:lnRef>
+              <a:fillRef idx="0">
+                <a:schemeClr val="accent1"/>
+              </a:fillRef>
+              <a:effectRef idx="0">
+                <a:schemeClr val="accent1"/>
+              </a:effectRef>
+              <a:fontRef idx="minor">
+                <a:schemeClr val="tx1"/>
+              </a:fontRef>
+            </p:style>
+          </p:cxnSp>
+          <p:sp>
+            <p:nvSpPr>
+              <p:cNvPr id="202" name="任意多边形 201"/>
+              <p:cNvSpPr/>
+              <p:nvPr/>
+            </p:nvSpPr>
+            <p:spPr>
+              <a:xfrm>
+                <a:off x="9406" y="5117"/>
+                <a:ext cx="526" cy="1442"/>
+              </a:xfrm>
+              <a:custGeom>
+                <a:avLst/>
+                <a:gdLst>
+                  <a:gd name="connisteX0" fmla="*/ 343473 w 343473"/>
+                  <a:gd name="connsiteY0" fmla="*/ 0 h 942975"/>
+                  <a:gd name="connisteX1" fmla="*/ 14543 w 343473"/>
+                  <a:gd name="connsiteY1" fmla="*/ 271780 h 942975"/>
+                  <a:gd name="connisteX2" fmla="*/ 95823 w 343473"/>
+                  <a:gd name="connsiteY2" fmla="*/ 590550 h 942975"/>
+                  <a:gd name="connisteX3" fmla="*/ 219648 w 343473"/>
+                  <a:gd name="connsiteY3" fmla="*/ 942975 h 942975"/>
+                  <a:gd name="connisteX4" fmla="*/ 205043 w 343473"/>
+                  <a:gd name="connsiteY4" fmla="*/ 914400 h 942975"/>
+                </a:gdLst>
+                <a:ahLst/>
+                <a:cxnLst>
+                  <a:cxn ang="0">
+                    <a:pos x="connisteX0" y="connsiteY0"/>
+                  </a:cxn>
+                  <a:cxn ang="0">
+                    <a:pos x="connisteX1" y="connsiteY1"/>
+                  </a:cxn>
+                  <a:cxn ang="0">
+                    <a:pos x="connisteX2" y="connsiteY2"/>
+                  </a:cxn>
+                  <a:cxn ang="0">
+                    <a:pos x="connisteX3" y="connsiteY3"/>
+                  </a:cxn>
+                  <a:cxn ang="0">
+                    <a:pos x="connisteX4" y="connsiteY4"/>
+                  </a:cxn>
+                </a:cxnLst>
+                <a:rect l="l" t="t" r="r" b="b"/>
+                <a:pathLst>
+                  <a:path w="343473" h="942975">
+                    <a:moveTo>
+                      <a:pt x="343473" y="0"/>
+                    </a:moveTo>
+                    <a:cubicBezTo>
+                      <a:pt x="276163" y="48260"/>
+                      <a:pt x="64073" y="153670"/>
+                      <a:pt x="14543" y="271780"/>
+                    </a:cubicBezTo>
+                    <a:cubicBezTo>
+                      <a:pt x="-34987" y="389890"/>
+                      <a:pt x="54548" y="456565"/>
+                      <a:pt x="95823" y="590550"/>
+                    </a:cubicBezTo>
+                    <a:cubicBezTo>
+                      <a:pt x="137098" y="724535"/>
+                      <a:pt x="198058" y="878205"/>
+                      <a:pt x="219648" y="942975"/>
+                    </a:cubicBezTo>
+                  </a:path>
+                </a:pathLst>
+              </a:custGeom>
+              <a:noFill/>
+              <a:ln w="38100">
+                <a:gradFill>
+                  <a:gsLst>
+                    <a:gs pos="0">
+                      <a:srgbClr val="7B32B2"/>
+                    </a:gs>
+                    <a:gs pos="100000">
+                      <a:srgbClr val="401A5D"/>
+                    </a:gs>
+                  </a:gsLst>
+                </a:gradFill>
+                <a:headEnd type="none"/>
+                <a:tailEnd type="triangle" w="med" len="med"/>
+              </a:ln>
+            </p:spPr>
+            <p:style>
+              <a:lnRef idx="2">
+                <a:schemeClr val="accent1">
+                  <a:shade val="50000"/>
+                </a:schemeClr>
+              </a:lnRef>
+              <a:fillRef idx="1">
+                <a:schemeClr val="accent1"/>
+              </a:fillRef>
+              <a:effectRef idx="0">
+                <a:schemeClr val="accent1"/>
+              </a:effectRef>
+              <a:fontRef idx="minor">
+                <a:schemeClr val="lt1"/>
+              </a:fontRef>
+            </p:style>
+            <p:txBody>
+              <a:bodyPr rtlCol="0" anchor="ctr"/>
+              <a:lstStyle/>
+              <a:p>
+                <a:pPr algn="ctr"/>
+                <a:endParaRPr lang="zh-CN" altLang="en-US">
+                  <a:latin typeface="宋体" panose="02010600030101010101" pitchFamily="2" charset="-122"/>
+                  <a:ea typeface="宋体" panose="02010600030101010101" pitchFamily="2" charset="-122"/>
+                </a:endParaRPr>
+              </a:p>
+            </p:txBody>
+          </p:sp>
+          <p:sp>
+            <p:nvSpPr>
+              <p:cNvPr id="203" name="任意多边形 202"/>
+              <p:cNvSpPr/>
+              <p:nvPr/>
+            </p:nvSpPr>
+            <p:spPr>
+              <a:xfrm>
+                <a:off x="9924" y="5125"/>
+                <a:ext cx="984" cy="1420"/>
+              </a:xfrm>
+              <a:custGeom>
+                <a:avLst/>
+                <a:gdLst>
+                  <a:gd name="connisteX0" fmla="*/ 0 w 643255"/>
+                  <a:gd name="connsiteY0" fmla="*/ 0 h 928370"/>
+                  <a:gd name="connisteX1" fmla="*/ 304800 w 643255"/>
+                  <a:gd name="connsiteY1" fmla="*/ 271145 h 928370"/>
+                  <a:gd name="connisteX2" fmla="*/ 485775 w 643255"/>
+                  <a:gd name="connsiteY2" fmla="*/ 575945 h 928370"/>
+                  <a:gd name="connisteX3" fmla="*/ 643255 w 643255"/>
+                  <a:gd name="connsiteY3" fmla="*/ 928370 h 928370"/>
+                  <a:gd name="connisteX4" fmla="*/ 586105 w 643255"/>
+                  <a:gd name="connsiteY4" fmla="*/ 895350 h 928370"/>
+                </a:gdLst>
+                <a:ahLst/>
+                <a:cxnLst>
+                  <a:cxn ang="0">
+                    <a:pos x="connisteX0" y="connsiteY0"/>
+                  </a:cxn>
+                  <a:cxn ang="0">
+                    <a:pos x="connisteX1" y="connsiteY1"/>
+                  </a:cxn>
+                  <a:cxn ang="0">
+                    <a:pos x="connisteX2" y="connsiteY2"/>
+                  </a:cxn>
+                  <a:cxn ang="0">
+                    <a:pos x="connisteX3" y="connsiteY3"/>
+                  </a:cxn>
+                  <a:cxn ang="0">
+                    <a:pos x="connisteX4" y="connsiteY4"/>
+                  </a:cxn>
+                </a:cxnLst>
+                <a:rect l="l" t="t" r="r" b="b"/>
+                <a:pathLst>
+                  <a:path w="643255" h="928370">
+                    <a:moveTo>
+                      <a:pt x="0" y="0"/>
+                    </a:moveTo>
+                    <a:cubicBezTo>
+                      <a:pt x="57150" y="48260"/>
+                      <a:pt x="207645" y="156210"/>
+                      <a:pt x="304800" y="271145"/>
+                    </a:cubicBezTo>
+                    <a:cubicBezTo>
+                      <a:pt x="401955" y="386080"/>
+                      <a:pt x="417830" y="444500"/>
+                      <a:pt x="485775" y="575945"/>
+                    </a:cubicBezTo>
+                    <a:cubicBezTo>
+                      <a:pt x="553720" y="707390"/>
+                      <a:pt x="622935" y="864235"/>
+                      <a:pt x="643255" y="928370"/>
+                    </a:cubicBezTo>
+                  </a:path>
+                </a:pathLst>
+              </a:custGeom>
+              <a:noFill/>
+              <a:ln w="38100">
+                <a:solidFill>
+                  <a:srgbClr val="C00000"/>
+                </a:solidFill>
+                <a:headEnd type="none"/>
+                <a:tailEnd type="triangle" w="med" len="med"/>
+              </a:ln>
+            </p:spPr>
+            <p:style>
+              <a:lnRef idx="2">
+                <a:schemeClr val="accent1">
+                  <a:shade val="50000"/>
+                </a:schemeClr>
+              </a:lnRef>
+              <a:fillRef idx="1">
+                <a:schemeClr val="accent1"/>
+              </a:fillRef>
+              <a:effectRef idx="0">
+                <a:schemeClr val="accent1"/>
+              </a:effectRef>
+              <a:fontRef idx="minor">
+                <a:schemeClr val="lt1"/>
+              </a:fontRef>
+            </p:style>
+            <p:txBody>
+              <a:bodyPr rtlCol="0" anchor="ctr"/>
+              <a:lstStyle/>
+              <a:p>
+                <a:pPr algn="ctr"/>
+                <a:endParaRPr lang="zh-CN" altLang="en-US">
+                  <a:latin typeface="宋体" panose="02010600030101010101" pitchFamily="2" charset="-122"/>
+                  <a:ea typeface="宋体" panose="02010600030101010101" pitchFamily="2" charset="-122"/>
+                </a:endParaRPr>
+              </a:p>
+            </p:txBody>
+          </p:sp>
+        </p:grpSp>
+      </p:grpSp>
+      <p:sp>
+        <p:nvSpPr>
+          <p:cNvPr id="177" name="文本框 176"/>
+          <p:cNvSpPr txBox="1"/>
+          <p:nvPr/>
+        </p:nvSpPr>
+        <p:spPr>
+          <a:xfrm>
+            <a:off x="6144895" y="1267460"/>
+            <a:ext cx="1436370" cy="306705"/>
+          </a:xfrm>
+          <a:prstGeom prst="rect">
+            <a:avLst/>
+          </a:prstGeom>
+          <a:noFill/>
+        </p:spPr>
+        <p:txBody>
+          <a:bodyPr wrap="none" rtlCol="0" anchor="t">
+            <a:spAutoFit/>
+          </a:bodyPr>
+          <a:lstStyle/>
+          <a:p>
+            <a:pPr algn="ctr"/>
+            <a:r>
+              <a:rPr lang="zh-CN" altLang="en-US" sz="1400" b="1">
+                <a:latin typeface="宋体" panose="02010600030101010101" pitchFamily="2" charset="-122"/>
+                <a:ea typeface="宋体" panose="02010600030101010101" pitchFamily="2" charset="-122"/>
+                <a:sym typeface="+mn-ea"/>
+              </a:rPr>
+              <a:t>决策路径覆盖度</a:t>
+            </a:r>
+            <a:endParaRPr lang="zh-CN" altLang="en-US" sz="1400" b="1">
+              <a:latin typeface="宋体" panose="02010600030101010101" pitchFamily="2" charset="-122"/>
+              <a:ea typeface="宋体" panose="02010600030101010101" pitchFamily="2" charset="-122"/>
+              <a:sym typeface="+mn-ea"/>
+            </a:endParaRPr>
+          </a:p>
+        </p:txBody>
+      </p:sp>
+      <p:cxnSp>
+        <p:nvCxnSpPr>
+          <p:cNvPr id="178" name="直接箭头连接符 177"/>
+          <p:cNvCxnSpPr>
+            <a:stCxn id="149" idx="0"/>
+            <a:endCxn id="208" idx="2"/>
+          </p:cNvCxnSpPr>
+          <p:nvPr/>
+        </p:nvCxnSpPr>
+        <p:spPr>
+          <a:xfrm flipV="1">
+            <a:off x="6832600" y="2948305"/>
+            <a:ext cx="3175" cy="453390"/>
+          </a:xfrm>
+          <a:prstGeom prst="straightConnector1">
+            <a:avLst/>
+          </a:prstGeom>
+          <a:solidFill>
+            <a:srgbClr val="00B0F0"/>
+          </a:solidFill>
+          <a:ln>
+            <a:solidFill>
+              <a:schemeClr val="tx1"/>
+            </a:solidFill>
+            <a:headEnd type="none"/>
+            <a:tailEnd type="triangle" w="med" len="med"/>
+          </a:ln>
+        </p:spPr>
+        <p:style>
+          <a:lnRef idx="1">
+            <a:schemeClr val="accent1"/>
+          </a:lnRef>
+          <a:fillRef idx="0">
+            <a:schemeClr val="accent1"/>
+          </a:fillRef>
+          <a:effectRef idx="0">
+            <a:schemeClr val="accent1"/>
+          </a:effectRef>
+          <a:fontRef idx="minor">
+            <a:schemeClr val="tx1"/>
+          </a:fontRef>
+        </p:style>
+      </p:cxnSp>
+      <p:sp>
+        <p:nvSpPr>
+          <p:cNvPr id="180" name="文本框 179"/>
+          <p:cNvSpPr txBox="1"/>
+          <p:nvPr/>
+        </p:nvSpPr>
+        <p:spPr>
+          <a:xfrm>
+            <a:off x="3586480" y="1267460"/>
+            <a:ext cx="899160" cy="306705"/>
+          </a:xfrm>
+          <a:prstGeom prst="rect">
+            <a:avLst/>
+          </a:prstGeom>
+          <a:noFill/>
+        </p:spPr>
+        <p:txBody>
+          <a:bodyPr wrap="none" rtlCol="0" anchor="t">
+            <a:spAutoFit/>
+          </a:bodyPr>
+          <a:lstStyle/>
+          <a:p>
+            <a:pPr algn="ctr"/>
+            <a:r>
+              <a:rPr lang="zh-CN" altLang="en-US" sz="1400" b="1">
+                <a:latin typeface="宋体" panose="02010600030101010101" pitchFamily="2" charset="-122"/>
+                <a:ea typeface="宋体" panose="02010600030101010101" pitchFamily="2" charset="-122"/>
+                <a:sym typeface="+mn-ea"/>
+              </a:rPr>
+              <a:t>知识蒸馏</a:t>
+            </a:r>
+            <a:endParaRPr lang="zh-CN" altLang="en-US" sz="1400" b="1">
+              <a:latin typeface="宋体" panose="02010600030101010101" pitchFamily="2" charset="-122"/>
+              <a:ea typeface="宋体" panose="02010600030101010101" pitchFamily="2" charset="-122"/>
+              <a:sym typeface="+mn-ea"/>
+            </a:endParaRPr>
+          </a:p>
+        </p:txBody>
+      </p:sp>
+      <p:cxnSp>
+        <p:nvCxnSpPr>
+          <p:cNvPr id="204" name="肘形连接符 203"/>
+          <p:cNvCxnSpPr>
+            <a:stCxn id="38" idx="1"/>
+            <a:endCxn id="41" idx="2"/>
+          </p:cNvCxnSpPr>
+          <p:nvPr/>
+        </p:nvCxnSpPr>
+        <p:spPr>
+          <a:xfrm rot="10800000">
+            <a:off x="1581785" y="4060825"/>
+            <a:ext cx="688340" cy="807085"/>
+          </a:xfrm>
+          <a:prstGeom prst="bentConnector2">
+            <a:avLst/>
+          </a:prstGeom>
+          <a:ln>
+            <a:solidFill>
+              <a:schemeClr val="tx1"/>
+            </a:solidFill>
+            <a:headEnd type="none"/>
+            <a:tailEnd type="triangle" w="med" len="med"/>
+          </a:ln>
+        </p:spPr>
+        <p:style>
+          <a:lnRef idx="1">
+            <a:schemeClr val="accent1"/>
+          </a:lnRef>
+          <a:fillRef idx="0">
+            <a:schemeClr val="accent1"/>
+          </a:fillRef>
+          <a:effectRef idx="0">
+            <a:schemeClr val="accent1"/>
+          </a:effectRef>
+          <a:fontRef idx="minor">
+            <a:schemeClr val="tx1"/>
+          </a:fontRef>
+        </p:style>
+      </p:cxnSp>
+      <p:sp>
+        <p:nvSpPr>
+          <p:cNvPr id="2" name="文本框 1"/>
+          <p:cNvSpPr txBox="1"/>
+          <p:nvPr/>
+        </p:nvSpPr>
+        <p:spPr>
+          <a:xfrm>
+            <a:off x="1688148" y="2896235"/>
+            <a:ext cx="541020" cy="306705"/>
+          </a:xfrm>
+          <a:prstGeom prst="rect">
+            <a:avLst/>
+          </a:prstGeom>
+          <a:noFill/>
+        </p:spPr>
+        <p:txBody>
+          <a:bodyPr wrap="none" rtlCol="0">
+            <a:spAutoFit/>
+          </a:bodyPr>
+          <a:lstStyle/>
+          <a:p>
+            <a:pPr algn="ctr"/>
+            <a:r>
+              <a:rPr lang="zh-CN" altLang="en-US" sz="1400" b="1">
+                <a:solidFill>
+                  <a:srgbClr val="7030A0"/>
+                </a:solidFill>
+                <a:latin typeface="宋体" panose="02010600030101010101" pitchFamily="2" charset="-122"/>
+                <a:ea typeface="宋体" panose="02010600030101010101" pitchFamily="2" charset="-122"/>
+                <a:cs typeface="Cambria Math" panose="02040503050406030204" charset="0"/>
+              </a:rPr>
+              <a:t>教师</a:t>
+            </a:r>
+            <a:endParaRPr lang="zh-CN" altLang="en-US" sz="1400" b="1">
+              <a:solidFill>
+                <a:srgbClr val="7030A0"/>
+              </a:solidFill>
+              <a:latin typeface="宋体" panose="02010600030101010101" pitchFamily="2" charset="-122"/>
+              <a:ea typeface="宋体" panose="02010600030101010101" pitchFamily="2" charset="-122"/>
+              <a:cs typeface="Cambria Math" panose="02040503050406030204" charset="0"/>
+            </a:endParaRPr>
+          </a:p>
+        </p:txBody>
+      </p:sp>
+      <p:sp>
+        <p:nvSpPr>
+          <p:cNvPr id="3" name="文本框 2"/>
+          <p:cNvSpPr txBox="1"/>
+          <p:nvPr/>
+        </p:nvSpPr>
+        <p:spPr>
+          <a:xfrm>
+            <a:off x="4285933" y="2719070"/>
+            <a:ext cx="541020" cy="306705"/>
+          </a:xfrm>
+          <a:prstGeom prst="rect">
+            <a:avLst/>
+          </a:prstGeom>
+          <a:noFill/>
+        </p:spPr>
+        <p:txBody>
+          <a:bodyPr wrap="none" rtlCol="0">
+            <a:spAutoFit/>
+          </a:bodyPr>
+          <a:lstStyle/>
+          <a:p>
+            <a:pPr algn="ctr"/>
+            <a:r>
+              <a:rPr lang="zh-CN" altLang="en-US" sz="1400" b="1">
+                <a:solidFill>
+                  <a:srgbClr val="7030A0"/>
+                </a:solidFill>
+                <a:latin typeface="宋体" panose="02010600030101010101" pitchFamily="2" charset="-122"/>
+                <a:ea typeface="宋体" panose="02010600030101010101" pitchFamily="2" charset="-122"/>
+                <a:cs typeface="Cambria Math" panose="02040503050406030204" charset="0"/>
+              </a:rPr>
+              <a:t>学生</a:t>
+            </a:r>
+            <a:endParaRPr lang="zh-CN" altLang="en-US" sz="1400" b="1">
+              <a:solidFill>
+                <a:srgbClr val="7030A0"/>
+              </a:solidFill>
+              <a:latin typeface="宋体" panose="02010600030101010101" pitchFamily="2" charset="-122"/>
+              <a:ea typeface="宋体" panose="02010600030101010101" pitchFamily="2" charset="-122"/>
+              <a:cs typeface="Cambria Math" panose="02040503050406030204" charset="0"/>
+            </a:endParaRPr>
+          </a:p>
+        </p:txBody>
+      </p:sp>
+      <p:pic>
+        <p:nvPicPr>
+          <p:cNvPr id="48" name="图片 47" descr="343435333332343b333635393039313bcafdbedd"/>
+          <p:cNvPicPr>
+            <a:picLocks noChangeAspect="1"/>
+          </p:cNvPicPr>
+          <p:nvPr/>
+        </p:nvPicPr>
+        <p:blipFill>
+          <a:blip r:embed="rId8">
+            <a:extLst>
+              <a:ext uri="{96DAC541-7B7A-43D3-8B79-37D633B846F1}">
+                <asvg:svgBlip xmlns:asvg="http://schemas.microsoft.com/office/drawing/2016/SVG/main" r:embed="rId9"/>
+              </a:ext>
+            </a:extLst>
+          </a:blip>
+          <a:stretch>
+            <a:fillRect/>
+          </a:stretch>
+        </p:blipFill>
+        <p:spPr>
+          <a:xfrm>
+            <a:off x="2409190" y="4574540"/>
+            <a:ext cx="642620" cy="642620"/>
+          </a:xfrm>
+          <a:prstGeom prst="rect">
+            <a:avLst/>
+          </a:prstGeom>
+        </p:spPr>
+      </p:pic>
     </p:spTree>
     <p:custDataLst>
       <p:tags r:id="rId10"/>
@@ -10928,6 +18241,41 @@
 </p:tagLst>
 </file>
 
+<file path=ppt/tags/tag66.xml><?xml version="1.0" encoding="utf-8"?>
+<p:tagLst xmlns:p="http://schemas.openxmlformats.org/presentationml/2006/main">
+  <p:tag name="TABLE_ENDDRAG_ORIGIN_RECT" val="142*24"/>
+  <p:tag name="TABLE_ENDDRAG_RECT" val="273*158*142*24"/>
+</p:tagLst>
+</file>
+
+<file path=ppt/tags/tag67.xml><?xml version="1.0" encoding="utf-8"?>
+<p:tagLst xmlns:p="http://schemas.openxmlformats.org/presentationml/2006/main">
+  <p:tag name="TABLE_ENDDRAG_ORIGIN_RECT" val="142*24"/>
+  <p:tag name="TABLE_ENDDRAG_RECT" val="273*158*142*24"/>
+</p:tagLst>
+</file>
+
+<file path=ppt/tags/tag68.xml><?xml version="1.0" encoding="utf-8"?>
+<p:tagLst xmlns:p="http://schemas.openxmlformats.org/presentationml/2006/main">
+  <p:tag name="KSO_WM_SLIDE_ID" val="custom20205081_1"/>
+  <p:tag name="KSO_WM_TEMPLATE_SUBCATEGORY" val="19"/>
+  <p:tag name="KSO_WM_TEMPLATE_MASTER_TYPE" val="0"/>
+  <p:tag name="KSO_WM_TEMPLATE_COLOR_TYPE" val="1"/>
+  <p:tag name="KSO_WM_SLIDE_TYPE" val="title"/>
+  <p:tag name="KSO_WM_SLIDE_SUBTYPE" val="defaultBlank"/>
+  <p:tag name="KSO_WM_SLIDE_ITEM_CNT" val="0"/>
+  <p:tag name="KSO_WM_SLIDE_INDEX" val="1"/>
+  <p:tag name="KSO_WM_TAG_VERSION" val="1.0"/>
+  <p:tag name="KSO_WM_BEAUTIFY_FLAG" val="#wm#"/>
+  <p:tag name="KSO_WM_TEMPLATE_CATEGORY" val="custom"/>
+  <p:tag name="KSO_WM_TEMPLATE_INDEX" val="20205081"/>
+  <p:tag name="KSO_WM_SLIDE_LAYOUT" val="a_b"/>
+  <p:tag name="KSO_WM_SLIDE_LAYOUT_CNT" val="1_1"/>
+  <p:tag name="KSO_WM_UNIT_SHOW_EDIT_AREA_INDICATION" val="1"/>
+  <p:tag name="KSO_WM_TEMPLATE_THUMBS_INDEX" val="1、4、7、12、13、14、15、16、17、18、20、24、25、28、33、36、40、43、44"/>
+</p:tagLst>
+</file>
+
 <file path=ppt/tags/tag7.xml><?xml version="1.0" encoding="utf-8"?>
 <p:tagLst xmlns:p="http://schemas.openxmlformats.org/presentationml/2006/main">
   <p:tag name="KSO_WM_UNIT_HIGHLIGHT" val="0"/>
